--- a/lectures/Presentation1.pptx
+++ b/lectures/Presentation1.pptx
@@ -41,6 +41,7 @@
     <p:sldId id="293" r:id="rId35"/>
     <p:sldId id="294" r:id="rId36"/>
     <p:sldId id="295" r:id="rId37"/>
+    <p:sldId id="298" r:id="rId38"/>
   </p:sldIdLst>
   <p:sldSz cx="12192000" cy="6858000"/>
   <p:notesSz cx="6858000" cy="9144000"/>
@@ -2223,6 +2224,625 @@
 </c:chartSpace>
 </file>
 
+<file path=ppt/charts/chart8.xml><?xml version="1.0" encoding="utf-8"?>
+<c:chartSpace xmlns:c="http://schemas.openxmlformats.org/drawingml/2006/chart" xmlns:a="http://schemas.openxmlformats.org/drawingml/2006/main" xmlns:r="http://schemas.openxmlformats.org/officeDocument/2006/relationships" xmlns:c16r2="http://schemas.microsoft.com/office/drawing/2015/06/chart">
+  <c:date1904 val="0"/>
+  <c:lang val="en-US"/>
+  <c:roundedCorners val="0"/>
+  <mc:AlternateContent xmlns:mc="http://schemas.openxmlformats.org/markup-compatibility/2006">
+    <mc:Choice xmlns:c14="http://schemas.microsoft.com/office/drawing/2007/8/2/chart" Requires="c14">
+      <c14:style val="102"/>
+    </mc:Choice>
+    <mc:Fallback>
+      <c:style val="2"/>
+    </mc:Fallback>
+  </mc:AlternateContent>
+  <c:chart>
+    <c:autoTitleDeleted val="1"/>
+    <c:plotArea>
+      <c:layout/>
+      <c:barChart>
+        <c:barDir val="col"/>
+        <c:grouping val="clustered"/>
+        <c:varyColors val="0"/>
+        <c:ser>
+          <c:idx val="0"/>
+          <c:order val="0"/>
+          <c:tx>
+            <c:strRef>
+              <c:f>Sheet1!$B$1</c:f>
+              <c:strCache>
+                <c:ptCount val="1"/>
+                <c:pt idx="0">
+                  <c:v>Commandments</c:v>
+                </c:pt>
+              </c:strCache>
+            </c:strRef>
+          </c:tx>
+          <c:spPr>
+            <a:solidFill>
+              <a:srgbClr val="9EBFE5"/>
+            </a:solidFill>
+            <a:ln>
+              <a:solidFill>
+                <a:schemeClr val="tx1"/>
+              </a:solidFill>
+            </a:ln>
+            <a:effectLst/>
+          </c:spPr>
+          <c:invertIfNegative val="0"/>
+          <c:cat>
+            <c:strRef>
+              <c:f>Sheet1!$A$2:$A$3</c:f>
+              <c:strCache>
+                <c:ptCount val="2"/>
+                <c:pt idx="0">
+                  <c:v>Control</c:v>
+                </c:pt>
+                <c:pt idx="1">
+                  <c:v>Recycle</c:v>
+                </c:pt>
+              </c:strCache>
+            </c:strRef>
+          </c:cat>
+          <c:val>
+            <c:numRef>
+              <c:f>Sheet1!$B$2:$B$3</c:f>
+              <c:numCache>
+                <c:formatCode>General</c:formatCode>
+                <c:ptCount val="2"/>
+                <c:pt idx="0">
+                  <c:v>3.1</c:v>
+                </c:pt>
+                <c:pt idx="1">
+                  <c:v>2.8</c:v>
+                </c:pt>
+              </c:numCache>
+            </c:numRef>
+          </c:val>
+          <c:extLst>
+            <c:ext xmlns:c16="http://schemas.microsoft.com/office/drawing/2014/chart" uri="{C3380CC4-5D6E-409C-BE32-E72D297353CC}">
+              <c16:uniqueId val="{00000000-30B6-4451-B6A6-D38ACA5F1049}"/>
+            </c:ext>
+          </c:extLst>
+        </c:ser>
+        <c:ser>
+          <c:idx val="1"/>
+          <c:order val="1"/>
+          <c:tx>
+            <c:strRef>
+              <c:f>Sheet1!$C$1</c:f>
+              <c:strCache>
+                <c:ptCount val="1"/>
+                <c:pt idx="0">
+                  <c:v>Books</c:v>
+                </c:pt>
+              </c:strCache>
+            </c:strRef>
+          </c:tx>
+          <c:spPr>
+            <a:solidFill>
+              <a:srgbClr val="EDEDED"/>
+            </a:solidFill>
+            <a:ln>
+              <a:solidFill>
+                <a:schemeClr val="tx1"/>
+              </a:solidFill>
+            </a:ln>
+            <a:effectLst/>
+          </c:spPr>
+          <c:invertIfNegative val="0"/>
+          <c:cat>
+            <c:strRef>
+              <c:f>Sheet1!$A$2:$A$3</c:f>
+              <c:strCache>
+                <c:ptCount val="2"/>
+                <c:pt idx="0">
+                  <c:v>Control</c:v>
+                </c:pt>
+                <c:pt idx="1">
+                  <c:v>Recycle</c:v>
+                </c:pt>
+              </c:strCache>
+            </c:strRef>
+          </c:cat>
+          <c:val>
+            <c:numRef>
+              <c:f>Sheet1!$C$2:$C$3</c:f>
+              <c:numCache>
+                <c:formatCode>General</c:formatCode>
+                <c:ptCount val="2"/>
+                <c:pt idx="0">
+                  <c:v>3.1</c:v>
+                </c:pt>
+                <c:pt idx="1">
+                  <c:v>4.2</c:v>
+                </c:pt>
+              </c:numCache>
+            </c:numRef>
+          </c:val>
+          <c:extLst>
+            <c:ext xmlns:c16="http://schemas.microsoft.com/office/drawing/2014/chart" uri="{C3380CC4-5D6E-409C-BE32-E72D297353CC}">
+              <c16:uniqueId val="{00000002-30B6-4451-B6A6-D38ACA5F1049}"/>
+            </c:ext>
+          </c:extLst>
+        </c:ser>
+        <c:dLbls>
+          <c:showLegendKey val="0"/>
+          <c:showVal val="0"/>
+          <c:showCatName val="0"/>
+          <c:showSerName val="0"/>
+          <c:showPercent val="0"/>
+          <c:showBubbleSize val="0"/>
+        </c:dLbls>
+        <c:gapWidth val="219"/>
+        <c:overlap val="-27"/>
+        <c:axId val="12196736"/>
+        <c:axId val="12193408"/>
+      </c:barChart>
+      <c:catAx>
+        <c:axId val="12196736"/>
+        <c:scaling>
+          <c:orientation val="minMax"/>
+        </c:scaling>
+        <c:delete val="0"/>
+        <c:axPos val="b"/>
+        <c:numFmt formatCode="General" sourceLinked="1"/>
+        <c:majorTickMark val="none"/>
+        <c:minorTickMark val="none"/>
+        <c:tickLblPos val="nextTo"/>
+        <c:spPr>
+          <a:noFill/>
+          <a:ln w="9525" cap="flat" cmpd="sng" algn="ctr">
+            <a:solidFill>
+              <a:schemeClr val="tx1">
+                <a:lumMod val="15000"/>
+                <a:lumOff val="85000"/>
+              </a:schemeClr>
+            </a:solidFill>
+            <a:round/>
+          </a:ln>
+          <a:effectLst/>
+        </c:spPr>
+        <c:txPr>
+          <a:bodyPr rot="-60000000" spcFirstLastPara="1" vertOverflow="ellipsis" vert="horz" wrap="square" anchor="ctr" anchorCtr="1"/>
+          <a:lstStyle/>
+          <a:p>
+            <a:pPr>
+              <a:defRPr sz="1197" b="0" i="0" u="none" strike="noStrike" kern="1200" baseline="0">
+                <a:solidFill>
+                  <a:schemeClr val="tx1">
+                    <a:lumMod val="65000"/>
+                    <a:lumOff val="35000"/>
+                  </a:schemeClr>
+                </a:solidFill>
+                <a:latin typeface="+mn-lt"/>
+                <a:ea typeface="+mn-ea"/>
+                <a:cs typeface="+mn-cs"/>
+              </a:defRPr>
+            </a:pPr>
+            <a:endParaRPr lang="en-US"/>
+          </a:p>
+        </c:txPr>
+        <c:crossAx val="12193408"/>
+        <c:crosses val="autoZero"/>
+        <c:auto val="1"/>
+        <c:lblAlgn val="ctr"/>
+        <c:lblOffset val="100"/>
+        <c:noMultiLvlLbl val="0"/>
+      </c:catAx>
+      <c:valAx>
+        <c:axId val="12193408"/>
+        <c:scaling>
+          <c:orientation val="minMax"/>
+          <c:max val="11"/>
+          <c:min val="0"/>
+        </c:scaling>
+        <c:delete val="0"/>
+        <c:axPos val="l"/>
+        <c:numFmt formatCode="General" sourceLinked="1"/>
+        <c:majorTickMark val="none"/>
+        <c:minorTickMark val="none"/>
+        <c:tickLblPos val="nextTo"/>
+        <c:spPr>
+          <a:noFill/>
+          <a:ln>
+            <a:noFill/>
+          </a:ln>
+          <a:effectLst/>
+        </c:spPr>
+        <c:txPr>
+          <a:bodyPr rot="-60000000" spcFirstLastPara="1" vertOverflow="ellipsis" vert="horz" wrap="square" anchor="ctr" anchorCtr="1"/>
+          <a:lstStyle/>
+          <a:p>
+            <a:pPr>
+              <a:defRPr sz="1197" b="0" i="0" u="none" strike="noStrike" kern="1200" baseline="0">
+                <a:solidFill>
+                  <a:schemeClr val="tx1">
+                    <a:lumMod val="65000"/>
+                    <a:lumOff val="35000"/>
+                  </a:schemeClr>
+                </a:solidFill>
+                <a:latin typeface="+mn-lt"/>
+                <a:ea typeface="+mn-ea"/>
+                <a:cs typeface="+mn-cs"/>
+              </a:defRPr>
+            </a:pPr>
+            <a:endParaRPr lang="en-US"/>
+          </a:p>
+        </c:txPr>
+        <c:crossAx val="12196736"/>
+        <c:crosses val="autoZero"/>
+        <c:crossBetween val="between"/>
+      </c:valAx>
+      <c:spPr>
+        <a:noFill/>
+        <a:ln w="25400">
+          <a:noFill/>
+        </a:ln>
+        <a:effectLst/>
+      </c:spPr>
+    </c:plotArea>
+    <c:plotVisOnly val="1"/>
+    <c:dispBlanksAs val="gap"/>
+    <c:extLst>
+      <c:ext xmlns:c16r3="http://schemas.microsoft.com/office/drawing/2017/03/chart" uri="{56B9EC1D-385E-4148-901F-78D8002777C0}">
+        <c16r3:dataDisplayOptions16>
+          <c16r3:dispNaAsBlank val="1"/>
+        </c16r3:dataDisplayOptions16>
+      </c:ext>
+    </c:extLst>
+    <c:showDLblsOverMax val="0"/>
+  </c:chart>
+  <c:spPr>
+    <a:noFill/>
+    <a:ln>
+      <a:noFill/>
+    </a:ln>
+    <a:effectLst/>
+  </c:spPr>
+  <c:txPr>
+    <a:bodyPr/>
+    <a:lstStyle/>
+    <a:p>
+      <a:pPr>
+        <a:defRPr/>
+      </a:pPr>
+      <a:endParaRPr lang="en-US"/>
+    </a:p>
+  </c:txPr>
+  <c:externalData r:id="rId3">
+    <c:autoUpdate val="0"/>
+  </c:externalData>
+</c:chartSpace>
+</file>
+
+<file path=ppt/charts/chart9.xml><?xml version="1.0" encoding="utf-8"?>
+<c:chartSpace xmlns:c="http://schemas.openxmlformats.org/drawingml/2006/chart" xmlns:a="http://schemas.openxmlformats.org/drawingml/2006/main" xmlns:r="http://schemas.openxmlformats.org/officeDocument/2006/relationships" xmlns:c16r2="http://schemas.microsoft.com/office/drawing/2015/06/chart">
+  <c:date1904 val="0"/>
+  <c:lang val="en-US"/>
+  <c:roundedCorners val="0"/>
+  <mc:AlternateContent xmlns:mc="http://schemas.openxmlformats.org/markup-compatibility/2006">
+    <mc:Choice xmlns:c14="http://schemas.microsoft.com/office/drawing/2007/8/2/chart" Requires="c14">
+      <c14:style val="102"/>
+    </mc:Choice>
+    <mc:Fallback>
+      <c:style val="2"/>
+    </mc:Fallback>
+  </mc:AlternateContent>
+  <c:chart>
+    <c:autoTitleDeleted val="1"/>
+    <c:plotArea>
+      <c:layout/>
+      <c:barChart>
+        <c:barDir val="col"/>
+        <c:grouping val="clustered"/>
+        <c:varyColors val="0"/>
+        <c:ser>
+          <c:idx val="0"/>
+          <c:order val="0"/>
+          <c:tx>
+            <c:strRef>
+              <c:f>Sheet1!$B$1</c:f>
+              <c:strCache>
+                <c:ptCount val="1"/>
+                <c:pt idx="0">
+                  <c:v>Commandments</c:v>
+                </c:pt>
+              </c:strCache>
+            </c:strRef>
+          </c:tx>
+          <c:spPr>
+            <a:solidFill>
+              <a:srgbClr val="9EBFE5"/>
+            </a:solidFill>
+            <a:ln>
+              <a:solidFill>
+                <a:schemeClr val="tx1"/>
+              </a:solidFill>
+            </a:ln>
+            <a:effectLst/>
+          </c:spPr>
+          <c:invertIfNegative val="0"/>
+          <c:cat>
+            <c:strRef>
+              <c:f>Sheet1!$A$2:$A$3</c:f>
+              <c:strCache>
+                <c:ptCount val="2"/>
+                <c:pt idx="0">
+                  <c:v>Control</c:v>
+                </c:pt>
+                <c:pt idx="1">
+                  <c:v>Recycle</c:v>
+                </c:pt>
+              </c:strCache>
+            </c:strRef>
+          </c:cat>
+          <c:val>
+            <c:numRef>
+              <c:f>Sheet1!$B$2:$B$3</c:f>
+              <c:numCache>
+                <c:formatCode>General</c:formatCode>
+                <c:ptCount val="2"/>
+                <c:pt idx="0">
+                  <c:v>3.1</c:v>
+                </c:pt>
+                <c:pt idx="1">
+                  <c:v>2.8</c:v>
+                </c:pt>
+              </c:numCache>
+            </c:numRef>
+          </c:val>
+          <c:extLst>
+            <c:ext xmlns:c16="http://schemas.microsoft.com/office/drawing/2014/chart" uri="{C3380CC4-5D6E-409C-BE32-E72D297353CC}">
+              <c16:uniqueId val="{00000000-B0E6-474F-93F1-DC2BC1BD67A5}"/>
+            </c:ext>
+          </c:extLst>
+        </c:ser>
+        <c:ser>
+          <c:idx val="1"/>
+          <c:order val="1"/>
+          <c:tx>
+            <c:strRef>
+              <c:f>Sheet1!$C$1</c:f>
+              <c:strCache>
+                <c:ptCount val="1"/>
+                <c:pt idx="0">
+                  <c:v>Books</c:v>
+                </c:pt>
+              </c:strCache>
+            </c:strRef>
+          </c:tx>
+          <c:spPr>
+            <a:solidFill>
+              <a:schemeClr val="bg2">
+                <a:lumMod val="75000"/>
+              </a:schemeClr>
+            </a:solidFill>
+            <a:ln>
+              <a:solidFill>
+                <a:schemeClr val="tx1"/>
+              </a:solidFill>
+            </a:ln>
+            <a:effectLst/>
+          </c:spPr>
+          <c:invertIfNegative val="0"/>
+          <c:cat>
+            <c:strRef>
+              <c:f>Sheet1!$A$2:$A$3</c:f>
+              <c:strCache>
+                <c:ptCount val="2"/>
+                <c:pt idx="0">
+                  <c:v>Control</c:v>
+                </c:pt>
+                <c:pt idx="1">
+                  <c:v>Recycle</c:v>
+                </c:pt>
+              </c:strCache>
+            </c:strRef>
+          </c:cat>
+          <c:val>
+            <c:numRef>
+              <c:f>Sheet1!$C$2:$C$3</c:f>
+              <c:numCache>
+                <c:formatCode>General</c:formatCode>
+                <c:ptCount val="2"/>
+                <c:pt idx="0">
+                  <c:v>3.1</c:v>
+                </c:pt>
+                <c:pt idx="1">
+                  <c:v>4.2</c:v>
+                </c:pt>
+              </c:numCache>
+            </c:numRef>
+          </c:val>
+          <c:extLst>
+            <c:ext xmlns:c16="http://schemas.microsoft.com/office/drawing/2014/chart" uri="{C3380CC4-5D6E-409C-BE32-E72D297353CC}">
+              <c16:uniqueId val="{00000001-B0E6-474F-93F1-DC2BC1BD67A5}"/>
+            </c:ext>
+          </c:extLst>
+        </c:ser>
+        <c:dLbls>
+          <c:showLegendKey val="0"/>
+          <c:showVal val="0"/>
+          <c:showCatName val="0"/>
+          <c:showSerName val="0"/>
+          <c:showPercent val="0"/>
+          <c:showBubbleSize val="0"/>
+        </c:dLbls>
+        <c:gapWidth val="219"/>
+        <c:overlap val="-27"/>
+        <c:axId val="12196736"/>
+        <c:axId val="12193408"/>
+      </c:barChart>
+      <c:catAx>
+        <c:axId val="12196736"/>
+        <c:scaling>
+          <c:orientation val="minMax"/>
+        </c:scaling>
+        <c:delete val="0"/>
+        <c:axPos val="b"/>
+        <c:numFmt formatCode="General" sourceLinked="1"/>
+        <c:majorTickMark val="none"/>
+        <c:minorTickMark val="none"/>
+        <c:tickLblPos val="nextTo"/>
+        <c:spPr>
+          <a:noFill/>
+          <a:ln w="9525" cap="flat" cmpd="sng" algn="ctr">
+            <a:solidFill>
+              <a:schemeClr val="tx1">
+                <a:lumMod val="15000"/>
+                <a:lumOff val="85000"/>
+              </a:schemeClr>
+            </a:solidFill>
+            <a:round/>
+          </a:ln>
+          <a:effectLst/>
+        </c:spPr>
+        <c:txPr>
+          <a:bodyPr rot="-60000000" spcFirstLastPara="1" vertOverflow="ellipsis" vert="horz" wrap="square" anchor="ctr" anchorCtr="1"/>
+          <a:lstStyle/>
+          <a:p>
+            <a:pPr>
+              <a:defRPr sz="1197" b="0" i="0" u="none" strike="noStrike" kern="1200" baseline="0">
+                <a:solidFill>
+                  <a:schemeClr val="tx1">
+                    <a:lumMod val="65000"/>
+                    <a:lumOff val="35000"/>
+                  </a:schemeClr>
+                </a:solidFill>
+                <a:latin typeface="+mn-lt"/>
+                <a:ea typeface="+mn-ea"/>
+                <a:cs typeface="+mn-cs"/>
+              </a:defRPr>
+            </a:pPr>
+            <a:endParaRPr lang="en-US"/>
+          </a:p>
+        </c:txPr>
+        <c:crossAx val="12193408"/>
+        <c:crosses val="autoZero"/>
+        <c:auto val="1"/>
+        <c:lblAlgn val="ctr"/>
+        <c:lblOffset val="100"/>
+        <c:noMultiLvlLbl val="0"/>
+      </c:catAx>
+      <c:valAx>
+        <c:axId val="12193408"/>
+        <c:scaling>
+          <c:orientation val="minMax"/>
+          <c:max val="5"/>
+          <c:min val="0"/>
+        </c:scaling>
+        <c:delete val="0"/>
+        <c:axPos val="l"/>
+        <c:numFmt formatCode="General" sourceLinked="1"/>
+        <c:majorTickMark val="none"/>
+        <c:minorTickMark val="none"/>
+        <c:tickLblPos val="nextTo"/>
+        <c:spPr>
+          <a:noFill/>
+          <a:ln>
+            <a:noFill/>
+          </a:ln>
+          <a:effectLst/>
+        </c:spPr>
+        <c:txPr>
+          <a:bodyPr rot="-60000000" spcFirstLastPara="1" vertOverflow="ellipsis" vert="horz" wrap="square" anchor="ctr" anchorCtr="1"/>
+          <a:lstStyle/>
+          <a:p>
+            <a:pPr>
+              <a:defRPr sz="1197" b="0" i="0" u="none" strike="noStrike" kern="1200" baseline="0">
+                <a:solidFill>
+                  <a:schemeClr val="tx1">
+                    <a:lumMod val="65000"/>
+                    <a:lumOff val="35000"/>
+                  </a:schemeClr>
+                </a:solidFill>
+                <a:latin typeface="+mn-lt"/>
+                <a:ea typeface="+mn-ea"/>
+                <a:cs typeface="+mn-cs"/>
+              </a:defRPr>
+            </a:pPr>
+            <a:endParaRPr lang="en-US"/>
+          </a:p>
+        </c:txPr>
+        <c:crossAx val="12196736"/>
+        <c:crosses val="autoZero"/>
+        <c:crossBetween val="between"/>
+      </c:valAx>
+      <c:spPr>
+        <a:noFill/>
+        <a:ln>
+          <a:noFill/>
+        </a:ln>
+        <a:effectLst/>
+      </c:spPr>
+    </c:plotArea>
+    <c:legend>
+      <c:legendPos val="b"/>
+      <c:overlay val="0"/>
+      <c:spPr>
+        <a:noFill/>
+        <a:ln>
+          <a:noFill/>
+        </a:ln>
+        <a:effectLst/>
+      </c:spPr>
+      <c:txPr>
+        <a:bodyPr rot="0" spcFirstLastPara="1" vertOverflow="ellipsis" vert="horz" wrap="square" anchor="ctr" anchorCtr="1"/>
+        <a:lstStyle/>
+        <a:p>
+          <a:pPr>
+            <a:defRPr sz="1197" b="0" i="0" u="none" strike="noStrike" kern="1200" baseline="0">
+              <a:solidFill>
+                <a:schemeClr val="tx1">
+                  <a:lumMod val="65000"/>
+                  <a:lumOff val="35000"/>
+                </a:schemeClr>
+              </a:solidFill>
+              <a:latin typeface="+mn-lt"/>
+              <a:ea typeface="+mn-ea"/>
+              <a:cs typeface="+mn-cs"/>
+            </a:defRPr>
+          </a:pPr>
+          <a:endParaRPr lang="en-US"/>
+        </a:p>
+      </c:txPr>
+    </c:legend>
+    <c:plotVisOnly val="1"/>
+    <c:dispBlanksAs val="gap"/>
+    <c:extLst>
+      <c:ext xmlns:c16r3="http://schemas.microsoft.com/office/drawing/2017/03/chart" uri="{56B9EC1D-385E-4148-901F-78D8002777C0}">
+        <c16r3:dataDisplayOptions16>
+          <c16r3:dispNaAsBlank val="1"/>
+        </c16r3:dataDisplayOptions16>
+      </c:ext>
+    </c:extLst>
+    <c:showDLblsOverMax val="0"/>
+  </c:chart>
+  <c:spPr>
+    <a:noFill/>
+    <a:ln>
+      <a:noFill/>
+    </a:ln>
+    <a:effectLst/>
+  </c:spPr>
+  <c:txPr>
+    <a:bodyPr/>
+    <a:lstStyle/>
+    <a:p>
+      <a:pPr>
+        <a:defRPr/>
+      </a:pPr>
+      <a:endParaRPr lang="en-US"/>
+    </a:p>
+  </c:txPr>
+  <c:externalData r:id="rId3">
+    <c:autoUpdate val="0"/>
+  </c:externalData>
+</c:chartSpace>
+</file>
+
 <file path=ppt/charts/colors1.xml><?xml version="1.0" encoding="utf-8"?>
 <cs:colorStyle xmlns:cs="http://schemas.microsoft.com/office/drawing/2012/chartStyle" xmlns:a="http://schemas.openxmlformats.org/drawingml/2006/main" meth="cycle" id="10">
   <a:schemeClr val="accent1"/>
@@ -2464,6 +3084,86 @@
 </file>
 
 <file path=ppt/charts/colors7.xml><?xml version="1.0" encoding="utf-8"?>
+<cs:colorStyle xmlns:cs="http://schemas.microsoft.com/office/drawing/2012/chartStyle" xmlns:a="http://schemas.openxmlformats.org/drawingml/2006/main" meth="cycle" id="10">
+  <a:schemeClr val="accent1"/>
+  <a:schemeClr val="accent2"/>
+  <a:schemeClr val="accent3"/>
+  <a:schemeClr val="accent4"/>
+  <a:schemeClr val="accent5"/>
+  <a:schemeClr val="accent6"/>
+  <cs:variation/>
+  <cs:variation>
+    <a:lumMod val="60000"/>
+  </cs:variation>
+  <cs:variation>
+    <a:lumMod val="80000"/>
+    <a:lumOff val="20000"/>
+  </cs:variation>
+  <cs:variation>
+    <a:lumMod val="80000"/>
+  </cs:variation>
+  <cs:variation>
+    <a:lumMod val="60000"/>
+    <a:lumOff val="40000"/>
+  </cs:variation>
+  <cs:variation>
+    <a:lumMod val="50000"/>
+  </cs:variation>
+  <cs:variation>
+    <a:lumMod val="70000"/>
+    <a:lumOff val="30000"/>
+  </cs:variation>
+  <cs:variation>
+    <a:lumMod val="70000"/>
+  </cs:variation>
+  <cs:variation>
+    <a:lumMod val="50000"/>
+    <a:lumOff val="50000"/>
+  </cs:variation>
+</cs:colorStyle>
+</file>
+
+<file path=ppt/charts/colors8.xml><?xml version="1.0" encoding="utf-8"?>
+<cs:colorStyle xmlns:cs="http://schemas.microsoft.com/office/drawing/2012/chartStyle" xmlns:a="http://schemas.openxmlformats.org/drawingml/2006/main" meth="cycle" id="10">
+  <a:schemeClr val="accent1"/>
+  <a:schemeClr val="accent2"/>
+  <a:schemeClr val="accent3"/>
+  <a:schemeClr val="accent4"/>
+  <a:schemeClr val="accent5"/>
+  <a:schemeClr val="accent6"/>
+  <cs:variation/>
+  <cs:variation>
+    <a:lumMod val="60000"/>
+  </cs:variation>
+  <cs:variation>
+    <a:lumMod val="80000"/>
+    <a:lumOff val="20000"/>
+  </cs:variation>
+  <cs:variation>
+    <a:lumMod val="80000"/>
+  </cs:variation>
+  <cs:variation>
+    <a:lumMod val="60000"/>
+    <a:lumOff val="40000"/>
+  </cs:variation>
+  <cs:variation>
+    <a:lumMod val="50000"/>
+  </cs:variation>
+  <cs:variation>
+    <a:lumMod val="70000"/>
+    <a:lumOff val="30000"/>
+  </cs:variation>
+  <cs:variation>
+    <a:lumMod val="70000"/>
+  </cs:variation>
+  <cs:variation>
+    <a:lumMod val="50000"/>
+    <a:lumOff val="50000"/>
+  </cs:variation>
+</cs:colorStyle>
+</file>
+
+<file path=ppt/charts/colors9.xml><?xml version="1.0" encoding="utf-8"?>
 <cs:colorStyle xmlns:cs="http://schemas.microsoft.com/office/drawing/2012/chartStyle" xmlns:a="http://schemas.openxmlformats.org/drawingml/2006/main" meth="cycle" id="10">
   <a:schemeClr val="accent1"/>
   <a:schemeClr val="accent2"/>
@@ -6024,6 +6724,1012 @@
 </cs:chartStyle>
 </file>
 
+<file path=ppt/charts/style8.xml><?xml version="1.0" encoding="utf-8"?>
+<cs:chartStyle xmlns:cs="http://schemas.microsoft.com/office/drawing/2012/chartStyle" xmlns:a="http://schemas.openxmlformats.org/drawingml/2006/main" id="201">
+  <cs:axisTitle>
+    <cs:lnRef idx="0"/>
+    <cs:fillRef idx="0"/>
+    <cs:effectRef idx="0"/>
+    <cs:fontRef idx="minor">
+      <a:schemeClr val="tx1">
+        <a:lumMod val="65000"/>
+        <a:lumOff val="35000"/>
+      </a:schemeClr>
+    </cs:fontRef>
+    <cs:defRPr sz="1330" kern="1200"/>
+  </cs:axisTitle>
+  <cs:categoryAxis>
+    <cs:lnRef idx="0"/>
+    <cs:fillRef idx="0"/>
+    <cs:effectRef idx="0"/>
+    <cs:fontRef idx="minor">
+      <a:schemeClr val="tx1">
+        <a:lumMod val="65000"/>
+        <a:lumOff val="35000"/>
+      </a:schemeClr>
+    </cs:fontRef>
+    <cs:spPr>
+      <a:ln w="9525" cap="flat" cmpd="sng" algn="ctr">
+        <a:solidFill>
+          <a:schemeClr val="tx1">
+            <a:lumMod val="15000"/>
+            <a:lumOff val="85000"/>
+          </a:schemeClr>
+        </a:solidFill>
+        <a:round/>
+      </a:ln>
+    </cs:spPr>
+    <cs:defRPr sz="1197" kern="1200"/>
+  </cs:categoryAxis>
+  <cs:chartArea mods="allowNoFillOverride allowNoLineOverride">
+    <cs:lnRef idx="0"/>
+    <cs:fillRef idx="0"/>
+    <cs:effectRef idx="0"/>
+    <cs:fontRef idx="minor">
+      <a:schemeClr val="tx1"/>
+    </cs:fontRef>
+    <cs:spPr>
+      <a:solidFill>
+        <a:schemeClr val="bg1"/>
+      </a:solidFill>
+      <a:ln w="9525" cap="flat" cmpd="sng" algn="ctr">
+        <a:solidFill>
+          <a:schemeClr val="tx1">
+            <a:lumMod val="15000"/>
+            <a:lumOff val="85000"/>
+          </a:schemeClr>
+        </a:solidFill>
+        <a:round/>
+      </a:ln>
+    </cs:spPr>
+    <cs:defRPr sz="1330" kern="1200"/>
+  </cs:chartArea>
+  <cs:dataLabel>
+    <cs:lnRef idx="0"/>
+    <cs:fillRef idx="0"/>
+    <cs:effectRef idx="0"/>
+    <cs:fontRef idx="minor">
+      <a:schemeClr val="tx1">
+        <a:lumMod val="75000"/>
+        <a:lumOff val="25000"/>
+      </a:schemeClr>
+    </cs:fontRef>
+    <cs:defRPr sz="1197" kern="1200"/>
+  </cs:dataLabel>
+  <cs:dataLabelCallout>
+    <cs:lnRef idx="0"/>
+    <cs:fillRef idx="0"/>
+    <cs:effectRef idx="0"/>
+    <cs:fontRef idx="minor">
+      <a:schemeClr val="dk1">
+        <a:lumMod val="65000"/>
+        <a:lumOff val="35000"/>
+      </a:schemeClr>
+    </cs:fontRef>
+    <cs:spPr>
+      <a:solidFill>
+        <a:schemeClr val="lt1"/>
+      </a:solidFill>
+      <a:ln>
+        <a:solidFill>
+          <a:schemeClr val="dk1">
+            <a:lumMod val="25000"/>
+            <a:lumOff val="75000"/>
+          </a:schemeClr>
+        </a:solidFill>
+      </a:ln>
+    </cs:spPr>
+    <cs:defRPr sz="1197" kern="1200"/>
+    <cs:bodyPr rot="0" spcFirstLastPara="1" vertOverflow="clip" horzOverflow="clip" vert="horz" wrap="square" lIns="36576" tIns="18288" rIns="36576" bIns="18288" anchor="ctr" anchorCtr="1">
+      <a:spAutoFit/>
+    </cs:bodyPr>
+  </cs:dataLabelCallout>
+  <cs:dataPoint>
+    <cs:lnRef idx="0"/>
+    <cs:fillRef idx="1">
+      <cs:styleClr val="auto"/>
+    </cs:fillRef>
+    <cs:effectRef idx="0"/>
+    <cs:fontRef idx="minor">
+      <a:schemeClr val="tx1"/>
+    </cs:fontRef>
+  </cs:dataPoint>
+  <cs:dataPoint3D>
+    <cs:lnRef idx="0"/>
+    <cs:fillRef idx="1">
+      <cs:styleClr val="auto"/>
+    </cs:fillRef>
+    <cs:effectRef idx="0"/>
+    <cs:fontRef idx="minor">
+      <a:schemeClr val="tx1"/>
+    </cs:fontRef>
+  </cs:dataPoint3D>
+  <cs:dataPointLine>
+    <cs:lnRef idx="0">
+      <cs:styleClr val="auto"/>
+    </cs:lnRef>
+    <cs:fillRef idx="1"/>
+    <cs:effectRef idx="0"/>
+    <cs:fontRef idx="minor">
+      <a:schemeClr val="tx1"/>
+    </cs:fontRef>
+    <cs:spPr>
+      <a:ln w="28575" cap="rnd">
+        <a:solidFill>
+          <a:schemeClr val="phClr"/>
+        </a:solidFill>
+        <a:round/>
+      </a:ln>
+    </cs:spPr>
+  </cs:dataPointLine>
+  <cs:dataPointMarker>
+    <cs:lnRef idx="0">
+      <cs:styleClr val="auto"/>
+    </cs:lnRef>
+    <cs:fillRef idx="1">
+      <cs:styleClr val="auto"/>
+    </cs:fillRef>
+    <cs:effectRef idx="0"/>
+    <cs:fontRef idx="minor">
+      <a:schemeClr val="tx1"/>
+    </cs:fontRef>
+    <cs:spPr>
+      <a:ln w="9525">
+        <a:solidFill>
+          <a:schemeClr val="phClr"/>
+        </a:solidFill>
+      </a:ln>
+    </cs:spPr>
+  </cs:dataPointMarker>
+  <cs:dataPointMarkerLayout symbol="circle" size="5"/>
+  <cs:dataPointWireframe>
+    <cs:lnRef idx="0">
+      <cs:styleClr val="auto"/>
+    </cs:lnRef>
+    <cs:fillRef idx="1"/>
+    <cs:effectRef idx="0"/>
+    <cs:fontRef idx="minor">
+      <a:schemeClr val="tx1"/>
+    </cs:fontRef>
+    <cs:spPr>
+      <a:ln w="9525" cap="rnd">
+        <a:solidFill>
+          <a:schemeClr val="phClr"/>
+        </a:solidFill>
+        <a:round/>
+      </a:ln>
+    </cs:spPr>
+  </cs:dataPointWireframe>
+  <cs:dataTable>
+    <cs:lnRef idx="0"/>
+    <cs:fillRef idx="0"/>
+    <cs:effectRef idx="0"/>
+    <cs:fontRef idx="minor">
+      <a:schemeClr val="tx1">
+        <a:lumMod val="65000"/>
+        <a:lumOff val="35000"/>
+      </a:schemeClr>
+    </cs:fontRef>
+    <cs:spPr>
+      <a:noFill/>
+      <a:ln w="9525" cap="flat" cmpd="sng" algn="ctr">
+        <a:solidFill>
+          <a:schemeClr val="tx1">
+            <a:lumMod val="15000"/>
+            <a:lumOff val="85000"/>
+          </a:schemeClr>
+        </a:solidFill>
+        <a:round/>
+      </a:ln>
+    </cs:spPr>
+    <cs:defRPr sz="1197" kern="1200"/>
+  </cs:dataTable>
+  <cs:downBar>
+    <cs:lnRef idx="0"/>
+    <cs:fillRef idx="0"/>
+    <cs:effectRef idx="0"/>
+    <cs:fontRef idx="minor">
+      <a:schemeClr val="dk1"/>
+    </cs:fontRef>
+    <cs:spPr>
+      <a:solidFill>
+        <a:schemeClr val="dk1">
+          <a:lumMod val="65000"/>
+          <a:lumOff val="35000"/>
+        </a:schemeClr>
+      </a:solidFill>
+      <a:ln w="9525">
+        <a:solidFill>
+          <a:schemeClr val="tx1">
+            <a:lumMod val="65000"/>
+            <a:lumOff val="35000"/>
+          </a:schemeClr>
+        </a:solidFill>
+      </a:ln>
+    </cs:spPr>
+  </cs:downBar>
+  <cs:dropLine>
+    <cs:lnRef idx="0"/>
+    <cs:fillRef idx="0"/>
+    <cs:effectRef idx="0"/>
+    <cs:fontRef idx="minor">
+      <a:schemeClr val="tx1"/>
+    </cs:fontRef>
+    <cs:spPr>
+      <a:ln w="9525" cap="flat" cmpd="sng" algn="ctr">
+        <a:solidFill>
+          <a:schemeClr val="tx1">
+            <a:lumMod val="35000"/>
+            <a:lumOff val="65000"/>
+          </a:schemeClr>
+        </a:solidFill>
+        <a:round/>
+      </a:ln>
+    </cs:spPr>
+  </cs:dropLine>
+  <cs:errorBar>
+    <cs:lnRef idx="0"/>
+    <cs:fillRef idx="0"/>
+    <cs:effectRef idx="0"/>
+    <cs:fontRef idx="minor">
+      <a:schemeClr val="tx1"/>
+    </cs:fontRef>
+    <cs:spPr>
+      <a:ln w="9525" cap="flat" cmpd="sng" algn="ctr">
+        <a:solidFill>
+          <a:schemeClr val="tx1">
+            <a:lumMod val="65000"/>
+            <a:lumOff val="35000"/>
+          </a:schemeClr>
+        </a:solidFill>
+        <a:round/>
+      </a:ln>
+    </cs:spPr>
+  </cs:errorBar>
+  <cs:floor>
+    <cs:lnRef idx="0"/>
+    <cs:fillRef idx="0"/>
+    <cs:effectRef idx="0"/>
+    <cs:fontRef idx="minor">
+      <a:schemeClr val="tx1"/>
+    </cs:fontRef>
+    <cs:spPr>
+      <a:noFill/>
+      <a:ln>
+        <a:noFill/>
+      </a:ln>
+    </cs:spPr>
+  </cs:floor>
+  <cs:gridlineMajor>
+    <cs:lnRef idx="0"/>
+    <cs:fillRef idx="0"/>
+    <cs:effectRef idx="0"/>
+    <cs:fontRef idx="minor">
+      <a:schemeClr val="tx1"/>
+    </cs:fontRef>
+    <cs:spPr>
+      <a:ln w="9525" cap="flat" cmpd="sng" algn="ctr">
+        <a:solidFill>
+          <a:schemeClr val="tx1">
+            <a:lumMod val="15000"/>
+            <a:lumOff val="85000"/>
+          </a:schemeClr>
+        </a:solidFill>
+        <a:round/>
+      </a:ln>
+    </cs:spPr>
+  </cs:gridlineMajor>
+  <cs:gridlineMinor>
+    <cs:lnRef idx="0"/>
+    <cs:fillRef idx="0"/>
+    <cs:effectRef idx="0"/>
+    <cs:fontRef idx="minor">
+      <a:schemeClr val="tx1"/>
+    </cs:fontRef>
+    <cs:spPr>
+      <a:ln w="9525" cap="flat" cmpd="sng" algn="ctr">
+        <a:solidFill>
+          <a:schemeClr val="tx1">
+            <a:lumMod val="5000"/>
+            <a:lumOff val="95000"/>
+          </a:schemeClr>
+        </a:solidFill>
+        <a:round/>
+      </a:ln>
+    </cs:spPr>
+  </cs:gridlineMinor>
+  <cs:hiLoLine>
+    <cs:lnRef idx="0"/>
+    <cs:fillRef idx="0"/>
+    <cs:effectRef idx="0"/>
+    <cs:fontRef idx="minor">
+      <a:schemeClr val="tx1"/>
+    </cs:fontRef>
+    <cs:spPr>
+      <a:ln w="9525" cap="flat" cmpd="sng" algn="ctr">
+        <a:solidFill>
+          <a:schemeClr val="tx1">
+            <a:lumMod val="75000"/>
+            <a:lumOff val="25000"/>
+          </a:schemeClr>
+        </a:solidFill>
+        <a:round/>
+      </a:ln>
+    </cs:spPr>
+  </cs:hiLoLine>
+  <cs:leaderLine>
+    <cs:lnRef idx="0"/>
+    <cs:fillRef idx="0"/>
+    <cs:effectRef idx="0"/>
+    <cs:fontRef idx="minor">
+      <a:schemeClr val="tx1"/>
+    </cs:fontRef>
+    <cs:spPr>
+      <a:ln w="9525" cap="flat" cmpd="sng" algn="ctr">
+        <a:solidFill>
+          <a:schemeClr val="tx1">
+            <a:lumMod val="35000"/>
+            <a:lumOff val="65000"/>
+          </a:schemeClr>
+        </a:solidFill>
+        <a:round/>
+      </a:ln>
+    </cs:spPr>
+  </cs:leaderLine>
+  <cs:legend>
+    <cs:lnRef idx="0"/>
+    <cs:fillRef idx="0"/>
+    <cs:effectRef idx="0"/>
+    <cs:fontRef idx="minor">
+      <a:schemeClr val="tx1">
+        <a:lumMod val="65000"/>
+        <a:lumOff val="35000"/>
+      </a:schemeClr>
+    </cs:fontRef>
+    <cs:defRPr sz="1197" kern="1200"/>
+  </cs:legend>
+  <cs:plotArea mods="allowNoFillOverride allowNoLineOverride">
+    <cs:lnRef idx="0"/>
+    <cs:fillRef idx="0"/>
+    <cs:effectRef idx="0"/>
+    <cs:fontRef idx="minor">
+      <a:schemeClr val="tx1"/>
+    </cs:fontRef>
+  </cs:plotArea>
+  <cs:plotArea3D mods="allowNoFillOverride allowNoLineOverride">
+    <cs:lnRef idx="0"/>
+    <cs:fillRef idx="0"/>
+    <cs:effectRef idx="0"/>
+    <cs:fontRef idx="minor">
+      <a:schemeClr val="tx1"/>
+    </cs:fontRef>
+  </cs:plotArea3D>
+  <cs:seriesAxis>
+    <cs:lnRef idx="0"/>
+    <cs:fillRef idx="0"/>
+    <cs:effectRef idx="0"/>
+    <cs:fontRef idx="minor">
+      <a:schemeClr val="tx1">
+        <a:lumMod val="65000"/>
+        <a:lumOff val="35000"/>
+      </a:schemeClr>
+    </cs:fontRef>
+    <cs:defRPr sz="1197" kern="1200"/>
+  </cs:seriesAxis>
+  <cs:seriesLine>
+    <cs:lnRef idx="0"/>
+    <cs:fillRef idx="0"/>
+    <cs:effectRef idx="0"/>
+    <cs:fontRef idx="minor">
+      <a:schemeClr val="tx1"/>
+    </cs:fontRef>
+    <cs:spPr>
+      <a:ln w="9525" cap="flat" cmpd="sng" algn="ctr">
+        <a:solidFill>
+          <a:schemeClr val="tx1">
+            <a:lumMod val="35000"/>
+            <a:lumOff val="65000"/>
+          </a:schemeClr>
+        </a:solidFill>
+        <a:round/>
+      </a:ln>
+    </cs:spPr>
+  </cs:seriesLine>
+  <cs:title>
+    <cs:lnRef idx="0"/>
+    <cs:fillRef idx="0"/>
+    <cs:effectRef idx="0"/>
+    <cs:fontRef idx="minor">
+      <a:schemeClr val="tx1">
+        <a:lumMod val="65000"/>
+        <a:lumOff val="35000"/>
+      </a:schemeClr>
+    </cs:fontRef>
+    <cs:defRPr sz="1862" b="0" kern="1200" spc="0" baseline="0"/>
+  </cs:title>
+  <cs:trendline>
+    <cs:lnRef idx="0">
+      <cs:styleClr val="auto"/>
+    </cs:lnRef>
+    <cs:fillRef idx="0"/>
+    <cs:effectRef idx="0"/>
+    <cs:fontRef idx="minor">
+      <a:schemeClr val="tx1"/>
+    </cs:fontRef>
+    <cs:spPr>
+      <a:ln w="19050" cap="rnd">
+        <a:solidFill>
+          <a:schemeClr val="phClr"/>
+        </a:solidFill>
+        <a:prstDash val="sysDot"/>
+      </a:ln>
+    </cs:spPr>
+  </cs:trendline>
+  <cs:trendlineLabel>
+    <cs:lnRef idx="0"/>
+    <cs:fillRef idx="0"/>
+    <cs:effectRef idx="0"/>
+    <cs:fontRef idx="minor">
+      <a:schemeClr val="tx1">
+        <a:lumMod val="65000"/>
+        <a:lumOff val="35000"/>
+      </a:schemeClr>
+    </cs:fontRef>
+    <cs:defRPr sz="1197" kern="1200"/>
+  </cs:trendlineLabel>
+  <cs:upBar>
+    <cs:lnRef idx="0"/>
+    <cs:fillRef idx="0"/>
+    <cs:effectRef idx="0"/>
+    <cs:fontRef idx="minor">
+      <a:schemeClr val="dk1"/>
+    </cs:fontRef>
+    <cs:spPr>
+      <a:solidFill>
+        <a:schemeClr val="lt1"/>
+      </a:solidFill>
+      <a:ln w="9525">
+        <a:solidFill>
+          <a:schemeClr val="tx1">
+            <a:lumMod val="15000"/>
+            <a:lumOff val="85000"/>
+          </a:schemeClr>
+        </a:solidFill>
+      </a:ln>
+    </cs:spPr>
+  </cs:upBar>
+  <cs:valueAxis>
+    <cs:lnRef idx="0"/>
+    <cs:fillRef idx="0"/>
+    <cs:effectRef idx="0"/>
+    <cs:fontRef idx="minor">
+      <a:schemeClr val="tx1">
+        <a:lumMod val="65000"/>
+        <a:lumOff val="35000"/>
+      </a:schemeClr>
+    </cs:fontRef>
+    <cs:defRPr sz="1197" kern="1200"/>
+  </cs:valueAxis>
+  <cs:wall>
+    <cs:lnRef idx="0"/>
+    <cs:fillRef idx="0"/>
+    <cs:effectRef idx="0"/>
+    <cs:fontRef idx="minor">
+      <a:schemeClr val="tx1"/>
+    </cs:fontRef>
+    <cs:spPr>
+      <a:noFill/>
+      <a:ln>
+        <a:noFill/>
+      </a:ln>
+    </cs:spPr>
+  </cs:wall>
+</cs:chartStyle>
+</file>
+
+<file path=ppt/charts/style9.xml><?xml version="1.0" encoding="utf-8"?>
+<cs:chartStyle xmlns:cs="http://schemas.microsoft.com/office/drawing/2012/chartStyle" xmlns:a="http://schemas.openxmlformats.org/drawingml/2006/main" id="201">
+  <cs:axisTitle>
+    <cs:lnRef idx="0"/>
+    <cs:fillRef idx="0"/>
+    <cs:effectRef idx="0"/>
+    <cs:fontRef idx="minor">
+      <a:schemeClr val="tx1">
+        <a:lumMod val="65000"/>
+        <a:lumOff val="35000"/>
+      </a:schemeClr>
+    </cs:fontRef>
+    <cs:defRPr sz="1330" kern="1200"/>
+  </cs:axisTitle>
+  <cs:categoryAxis>
+    <cs:lnRef idx="0"/>
+    <cs:fillRef idx="0"/>
+    <cs:effectRef idx="0"/>
+    <cs:fontRef idx="minor">
+      <a:schemeClr val="tx1">
+        <a:lumMod val="65000"/>
+        <a:lumOff val="35000"/>
+      </a:schemeClr>
+    </cs:fontRef>
+    <cs:spPr>
+      <a:ln w="9525" cap="flat" cmpd="sng" algn="ctr">
+        <a:solidFill>
+          <a:schemeClr val="tx1">
+            <a:lumMod val="15000"/>
+            <a:lumOff val="85000"/>
+          </a:schemeClr>
+        </a:solidFill>
+        <a:round/>
+      </a:ln>
+    </cs:spPr>
+    <cs:defRPr sz="1197" kern="1200"/>
+  </cs:categoryAxis>
+  <cs:chartArea mods="allowNoFillOverride allowNoLineOverride">
+    <cs:lnRef idx="0"/>
+    <cs:fillRef idx="0"/>
+    <cs:effectRef idx="0"/>
+    <cs:fontRef idx="minor">
+      <a:schemeClr val="tx1"/>
+    </cs:fontRef>
+    <cs:spPr>
+      <a:solidFill>
+        <a:schemeClr val="bg1"/>
+      </a:solidFill>
+      <a:ln w="9525" cap="flat" cmpd="sng" algn="ctr">
+        <a:solidFill>
+          <a:schemeClr val="tx1">
+            <a:lumMod val="15000"/>
+            <a:lumOff val="85000"/>
+          </a:schemeClr>
+        </a:solidFill>
+        <a:round/>
+      </a:ln>
+    </cs:spPr>
+    <cs:defRPr sz="1330" kern="1200"/>
+  </cs:chartArea>
+  <cs:dataLabel>
+    <cs:lnRef idx="0"/>
+    <cs:fillRef idx="0"/>
+    <cs:effectRef idx="0"/>
+    <cs:fontRef idx="minor">
+      <a:schemeClr val="tx1">
+        <a:lumMod val="75000"/>
+        <a:lumOff val="25000"/>
+      </a:schemeClr>
+    </cs:fontRef>
+    <cs:defRPr sz="1197" kern="1200"/>
+  </cs:dataLabel>
+  <cs:dataLabelCallout>
+    <cs:lnRef idx="0"/>
+    <cs:fillRef idx="0"/>
+    <cs:effectRef idx="0"/>
+    <cs:fontRef idx="minor">
+      <a:schemeClr val="dk1">
+        <a:lumMod val="65000"/>
+        <a:lumOff val="35000"/>
+      </a:schemeClr>
+    </cs:fontRef>
+    <cs:spPr>
+      <a:solidFill>
+        <a:schemeClr val="lt1"/>
+      </a:solidFill>
+      <a:ln>
+        <a:solidFill>
+          <a:schemeClr val="dk1">
+            <a:lumMod val="25000"/>
+            <a:lumOff val="75000"/>
+          </a:schemeClr>
+        </a:solidFill>
+      </a:ln>
+    </cs:spPr>
+    <cs:defRPr sz="1197" kern="1200"/>
+    <cs:bodyPr rot="0" spcFirstLastPara="1" vertOverflow="clip" horzOverflow="clip" vert="horz" wrap="square" lIns="36576" tIns="18288" rIns="36576" bIns="18288" anchor="ctr" anchorCtr="1">
+      <a:spAutoFit/>
+    </cs:bodyPr>
+  </cs:dataLabelCallout>
+  <cs:dataPoint>
+    <cs:lnRef idx="0"/>
+    <cs:fillRef idx="1">
+      <cs:styleClr val="auto"/>
+    </cs:fillRef>
+    <cs:effectRef idx="0"/>
+    <cs:fontRef idx="minor">
+      <a:schemeClr val="tx1"/>
+    </cs:fontRef>
+  </cs:dataPoint>
+  <cs:dataPoint3D>
+    <cs:lnRef idx="0"/>
+    <cs:fillRef idx="1">
+      <cs:styleClr val="auto"/>
+    </cs:fillRef>
+    <cs:effectRef idx="0"/>
+    <cs:fontRef idx="minor">
+      <a:schemeClr val="tx1"/>
+    </cs:fontRef>
+  </cs:dataPoint3D>
+  <cs:dataPointLine>
+    <cs:lnRef idx="0">
+      <cs:styleClr val="auto"/>
+    </cs:lnRef>
+    <cs:fillRef idx="1"/>
+    <cs:effectRef idx="0"/>
+    <cs:fontRef idx="minor">
+      <a:schemeClr val="tx1"/>
+    </cs:fontRef>
+    <cs:spPr>
+      <a:ln w="28575" cap="rnd">
+        <a:solidFill>
+          <a:schemeClr val="phClr"/>
+        </a:solidFill>
+        <a:round/>
+      </a:ln>
+    </cs:spPr>
+  </cs:dataPointLine>
+  <cs:dataPointMarker>
+    <cs:lnRef idx="0">
+      <cs:styleClr val="auto"/>
+    </cs:lnRef>
+    <cs:fillRef idx="1">
+      <cs:styleClr val="auto"/>
+    </cs:fillRef>
+    <cs:effectRef idx="0"/>
+    <cs:fontRef idx="minor">
+      <a:schemeClr val="tx1"/>
+    </cs:fontRef>
+    <cs:spPr>
+      <a:ln w="9525">
+        <a:solidFill>
+          <a:schemeClr val="phClr"/>
+        </a:solidFill>
+      </a:ln>
+    </cs:spPr>
+  </cs:dataPointMarker>
+  <cs:dataPointMarkerLayout symbol="circle" size="5"/>
+  <cs:dataPointWireframe>
+    <cs:lnRef idx="0">
+      <cs:styleClr val="auto"/>
+    </cs:lnRef>
+    <cs:fillRef idx="1"/>
+    <cs:effectRef idx="0"/>
+    <cs:fontRef idx="minor">
+      <a:schemeClr val="tx1"/>
+    </cs:fontRef>
+    <cs:spPr>
+      <a:ln w="9525" cap="rnd">
+        <a:solidFill>
+          <a:schemeClr val="phClr"/>
+        </a:solidFill>
+        <a:round/>
+      </a:ln>
+    </cs:spPr>
+  </cs:dataPointWireframe>
+  <cs:dataTable>
+    <cs:lnRef idx="0"/>
+    <cs:fillRef idx="0"/>
+    <cs:effectRef idx="0"/>
+    <cs:fontRef idx="minor">
+      <a:schemeClr val="tx1">
+        <a:lumMod val="65000"/>
+        <a:lumOff val="35000"/>
+      </a:schemeClr>
+    </cs:fontRef>
+    <cs:spPr>
+      <a:noFill/>
+      <a:ln w="9525" cap="flat" cmpd="sng" algn="ctr">
+        <a:solidFill>
+          <a:schemeClr val="tx1">
+            <a:lumMod val="15000"/>
+            <a:lumOff val="85000"/>
+          </a:schemeClr>
+        </a:solidFill>
+        <a:round/>
+      </a:ln>
+    </cs:spPr>
+    <cs:defRPr sz="1197" kern="1200"/>
+  </cs:dataTable>
+  <cs:downBar>
+    <cs:lnRef idx="0"/>
+    <cs:fillRef idx="0"/>
+    <cs:effectRef idx="0"/>
+    <cs:fontRef idx="minor">
+      <a:schemeClr val="dk1"/>
+    </cs:fontRef>
+    <cs:spPr>
+      <a:solidFill>
+        <a:schemeClr val="dk1">
+          <a:lumMod val="65000"/>
+          <a:lumOff val="35000"/>
+        </a:schemeClr>
+      </a:solidFill>
+      <a:ln w="9525">
+        <a:solidFill>
+          <a:schemeClr val="tx1">
+            <a:lumMod val="65000"/>
+            <a:lumOff val="35000"/>
+          </a:schemeClr>
+        </a:solidFill>
+      </a:ln>
+    </cs:spPr>
+  </cs:downBar>
+  <cs:dropLine>
+    <cs:lnRef idx="0"/>
+    <cs:fillRef idx="0"/>
+    <cs:effectRef idx="0"/>
+    <cs:fontRef idx="minor">
+      <a:schemeClr val="tx1"/>
+    </cs:fontRef>
+    <cs:spPr>
+      <a:ln w="9525" cap="flat" cmpd="sng" algn="ctr">
+        <a:solidFill>
+          <a:schemeClr val="tx1">
+            <a:lumMod val="35000"/>
+            <a:lumOff val="65000"/>
+          </a:schemeClr>
+        </a:solidFill>
+        <a:round/>
+      </a:ln>
+    </cs:spPr>
+  </cs:dropLine>
+  <cs:errorBar>
+    <cs:lnRef idx="0"/>
+    <cs:fillRef idx="0"/>
+    <cs:effectRef idx="0"/>
+    <cs:fontRef idx="minor">
+      <a:schemeClr val="tx1"/>
+    </cs:fontRef>
+    <cs:spPr>
+      <a:ln w="9525" cap="flat" cmpd="sng" algn="ctr">
+        <a:solidFill>
+          <a:schemeClr val="tx1">
+            <a:lumMod val="65000"/>
+            <a:lumOff val="35000"/>
+          </a:schemeClr>
+        </a:solidFill>
+        <a:round/>
+      </a:ln>
+    </cs:spPr>
+  </cs:errorBar>
+  <cs:floor>
+    <cs:lnRef idx="0"/>
+    <cs:fillRef idx="0"/>
+    <cs:effectRef idx="0"/>
+    <cs:fontRef idx="minor">
+      <a:schemeClr val="tx1"/>
+    </cs:fontRef>
+    <cs:spPr>
+      <a:noFill/>
+      <a:ln>
+        <a:noFill/>
+      </a:ln>
+    </cs:spPr>
+  </cs:floor>
+  <cs:gridlineMajor>
+    <cs:lnRef idx="0"/>
+    <cs:fillRef idx="0"/>
+    <cs:effectRef idx="0"/>
+    <cs:fontRef idx="minor">
+      <a:schemeClr val="tx1"/>
+    </cs:fontRef>
+    <cs:spPr>
+      <a:ln w="9525" cap="flat" cmpd="sng" algn="ctr">
+        <a:solidFill>
+          <a:schemeClr val="tx1">
+            <a:lumMod val="15000"/>
+            <a:lumOff val="85000"/>
+          </a:schemeClr>
+        </a:solidFill>
+        <a:round/>
+      </a:ln>
+    </cs:spPr>
+  </cs:gridlineMajor>
+  <cs:gridlineMinor>
+    <cs:lnRef idx="0"/>
+    <cs:fillRef idx="0"/>
+    <cs:effectRef idx="0"/>
+    <cs:fontRef idx="minor">
+      <a:schemeClr val="tx1"/>
+    </cs:fontRef>
+    <cs:spPr>
+      <a:ln w="9525" cap="flat" cmpd="sng" algn="ctr">
+        <a:solidFill>
+          <a:schemeClr val="tx1">
+            <a:lumMod val="5000"/>
+            <a:lumOff val="95000"/>
+          </a:schemeClr>
+        </a:solidFill>
+        <a:round/>
+      </a:ln>
+    </cs:spPr>
+  </cs:gridlineMinor>
+  <cs:hiLoLine>
+    <cs:lnRef idx="0"/>
+    <cs:fillRef idx="0"/>
+    <cs:effectRef idx="0"/>
+    <cs:fontRef idx="minor">
+      <a:schemeClr val="tx1"/>
+    </cs:fontRef>
+    <cs:spPr>
+      <a:ln w="9525" cap="flat" cmpd="sng" algn="ctr">
+        <a:solidFill>
+          <a:schemeClr val="tx1">
+            <a:lumMod val="75000"/>
+            <a:lumOff val="25000"/>
+          </a:schemeClr>
+        </a:solidFill>
+        <a:round/>
+      </a:ln>
+    </cs:spPr>
+  </cs:hiLoLine>
+  <cs:leaderLine>
+    <cs:lnRef idx="0"/>
+    <cs:fillRef idx="0"/>
+    <cs:effectRef idx="0"/>
+    <cs:fontRef idx="minor">
+      <a:schemeClr val="tx1"/>
+    </cs:fontRef>
+    <cs:spPr>
+      <a:ln w="9525" cap="flat" cmpd="sng" algn="ctr">
+        <a:solidFill>
+          <a:schemeClr val="tx1">
+            <a:lumMod val="35000"/>
+            <a:lumOff val="65000"/>
+          </a:schemeClr>
+        </a:solidFill>
+        <a:round/>
+      </a:ln>
+    </cs:spPr>
+  </cs:leaderLine>
+  <cs:legend>
+    <cs:lnRef idx="0"/>
+    <cs:fillRef idx="0"/>
+    <cs:effectRef idx="0"/>
+    <cs:fontRef idx="minor">
+      <a:schemeClr val="tx1">
+        <a:lumMod val="65000"/>
+        <a:lumOff val="35000"/>
+      </a:schemeClr>
+    </cs:fontRef>
+    <cs:defRPr sz="1197" kern="1200"/>
+  </cs:legend>
+  <cs:plotArea mods="allowNoFillOverride allowNoLineOverride">
+    <cs:lnRef idx="0"/>
+    <cs:fillRef idx="0"/>
+    <cs:effectRef idx="0"/>
+    <cs:fontRef idx="minor">
+      <a:schemeClr val="tx1"/>
+    </cs:fontRef>
+  </cs:plotArea>
+  <cs:plotArea3D mods="allowNoFillOverride allowNoLineOverride">
+    <cs:lnRef idx="0"/>
+    <cs:fillRef idx="0"/>
+    <cs:effectRef idx="0"/>
+    <cs:fontRef idx="minor">
+      <a:schemeClr val="tx1"/>
+    </cs:fontRef>
+  </cs:plotArea3D>
+  <cs:seriesAxis>
+    <cs:lnRef idx="0"/>
+    <cs:fillRef idx="0"/>
+    <cs:effectRef idx="0"/>
+    <cs:fontRef idx="minor">
+      <a:schemeClr val="tx1">
+        <a:lumMod val="65000"/>
+        <a:lumOff val="35000"/>
+      </a:schemeClr>
+    </cs:fontRef>
+    <cs:defRPr sz="1197" kern="1200"/>
+  </cs:seriesAxis>
+  <cs:seriesLine>
+    <cs:lnRef idx="0"/>
+    <cs:fillRef idx="0"/>
+    <cs:effectRef idx="0"/>
+    <cs:fontRef idx="minor">
+      <a:schemeClr val="tx1"/>
+    </cs:fontRef>
+    <cs:spPr>
+      <a:ln w="9525" cap="flat" cmpd="sng" algn="ctr">
+        <a:solidFill>
+          <a:schemeClr val="tx1">
+            <a:lumMod val="35000"/>
+            <a:lumOff val="65000"/>
+          </a:schemeClr>
+        </a:solidFill>
+        <a:round/>
+      </a:ln>
+    </cs:spPr>
+  </cs:seriesLine>
+  <cs:title>
+    <cs:lnRef idx="0"/>
+    <cs:fillRef idx="0"/>
+    <cs:effectRef idx="0"/>
+    <cs:fontRef idx="minor">
+      <a:schemeClr val="tx1">
+        <a:lumMod val="65000"/>
+        <a:lumOff val="35000"/>
+      </a:schemeClr>
+    </cs:fontRef>
+    <cs:defRPr sz="1862" b="0" kern="1200" spc="0" baseline="0"/>
+  </cs:title>
+  <cs:trendline>
+    <cs:lnRef idx="0">
+      <cs:styleClr val="auto"/>
+    </cs:lnRef>
+    <cs:fillRef idx="0"/>
+    <cs:effectRef idx="0"/>
+    <cs:fontRef idx="minor">
+      <a:schemeClr val="tx1"/>
+    </cs:fontRef>
+    <cs:spPr>
+      <a:ln w="19050" cap="rnd">
+        <a:solidFill>
+          <a:schemeClr val="phClr"/>
+        </a:solidFill>
+        <a:prstDash val="sysDot"/>
+      </a:ln>
+    </cs:spPr>
+  </cs:trendline>
+  <cs:trendlineLabel>
+    <cs:lnRef idx="0"/>
+    <cs:fillRef idx="0"/>
+    <cs:effectRef idx="0"/>
+    <cs:fontRef idx="minor">
+      <a:schemeClr val="tx1">
+        <a:lumMod val="65000"/>
+        <a:lumOff val="35000"/>
+      </a:schemeClr>
+    </cs:fontRef>
+    <cs:defRPr sz="1197" kern="1200"/>
+  </cs:trendlineLabel>
+  <cs:upBar>
+    <cs:lnRef idx="0"/>
+    <cs:fillRef idx="0"/>
+    <cs:effectRef idx="0"/>
+    <cs:fontRef idx="minor">
+      <a:schemeClr val="dk1"/>
+    </cs:fontRef>
+    <cs:spPr>
+      <a:solidFill>
+        <a:schemeClr val="lt1"/>
+      </a:solidFill>
+      <a:ln w="9525">
+        <a:solidFill>
+          <a:schemeClr val="tx1">
+            <a:lumMod val="15000"/>
+            <a:lumOff val="85000"/>
+          </a:schemeClr>
+        </a:solidFill>
+      </a:ln>
+    </cs:spPr>
+  </cs:upBar>
+  <cs:valueAxis>
+    <cs:lnRef idx="0"/>
+    <cs:fillRef idx="0"/>
+    <cs:effectRef idx="0"/>
+    <cs:fontRef idx="minor">
+      <a:schemeClr val="tx1">
+        <a:lumMod val="65000"/>
+        <a:lumOff val="35000"/>
+      </a:schemeClr>
+    </cs:fontRef>
+    <cs:defRPr sz="1197" kern="1200"/>
+  </cs:valueAxis>
+  <cs:wall>
+    <cs:lnRef idx="0"/>
+    <cs:fillRef idx="0"/>
+    <cs:effectRef idx="0"/>
+    <cs:fontRef idx="minor">
+      <a:schemeClr val="tx1"/>
+    </cs:fontRef>
+    <cs:spPr>
+      <a:noFill/>
+      <a:ln>
+        <a:noFill/>
+      </a:ln>
+    </cs:spPr>
+  </cs:wall>
+</cs:chartStyle>
+</file>
+
 <file path=ppt/ink/ink1.xml><?xml version="1.0" encoding="utf-8"?>
 <inkml:ink xmlns:inkml="http://www.w3.org/2003/InkML">
   <inkml:definitions>
@@ -6495,7 +8201,7 @@
           <a:p>
             <a:fld id="{C2C08804-B879-4BBE-B302-A3818D5665C6}" type="datetimeFigureOut">
               <a:rPr lang="en-US" smtClean="0"/>
-              <a:t>2/17/2021</a:t>
+              <a:t>2/28/2021</a:t>
             </a:fld>
             <a:endParaRPr lang="en-US"/>
           </a:p>
@@ -6693,7 +8399,7 @@
           <a:p>
             <a:fld id="{C2C08804-B879-4BBE-B302-A3818D5665C6}" type="datetimeFigureOut">
               <a:rPr lang="en-US" smtClean="0"/>
-              <a:t>2/17/2021</a:t>
+              <a:t>2/28/2021</a:t>
             </a:fld>
             <a:endParaRPr lang="en-US"/>
           </a:p>
@@ -6901,7 +8607,7 @@
           <a:p>
             <a:fld id="{C2C08804-B879-4BBE-B302-A3818D5665C6}" type="datetimeFigureOut">
               <a:rPr lang="en-US" smtClean="0"/>
-              <a:t>2/17/2021</a:t>
+              <a:t>2/28/2021</a:t>
             </a:fld>
             <a:endParaRPr lang="en-US"/>
           </a:p>
@@ -7099,7 +8805,7 @@
           <a:p>
             <a:fld id="{C2C08804-B879-4BBE-B302-A3818D5665C6}" type="datetimeFigureOut">
               <a:rPr lang="en-US" smtClean="0"/>
-              <a:t>2/17/2021</a:t>
+              <a:t>2/28/2021</a:t>
             </a:fld>
             <a:endParaRPr lang="en-US"/>
           </a:p>
@@ -7374,7 +9080,7 @@
           <a:p>
             <a:fld id="{C2C08804-B879-4BBE-B302-A3818D5665C6}" type="datetimeFigureOut">
               <a:rPr lang="en-US" smtClean="0"/>
-              <a:t>2/17/2021</a:t>
+              <a:t>2/28/2021</a:t>
             </a:fld>
             <a:endParaRPr lang="en-US"/>
           </a:p>
@@ -7639,7 +9345,7 @@
           <a:p>
             <a:fld id="{C2C08804-B879-4BBE-B302-A3818D5665C6}" type="datetimeFigureOut">
               <a:rPr lang="en-US" smtClean="0"/>
-              <a:t>2/17/2021</a:t>
+              <a:t>2/28/2021</a:t>
             </a:fld>
             <a:endParaRPr lang="en-US"/>
           </a:p>
@@ -8051,7 +9757,7 @@
           <a:p>
             <a:fld id="{C2C08804-B879-4BBE-B302-A3818D5665C6}" type="datetimeFigureOut">
               <a:rPr lang="en-US" smtClean="0"/>
-              <a:t>2/17/2021</a:t>
+              <a:t>2/28/2021</a:t>
             </a:fld>
             <a:endParaRPr lang="en-US"/>
           </a:p>
@@ -8192,7 +9898,7 @@
           <a:p>
             <a:fld id="{C2C08804-B879-4BBE-B302-A3818D5665C6}" type="datetimeFigureOut">
               <a:rPr lang="en-US" smtClean="0"/>
-              <a:t>2/17/2021</a:t>
+              <a:t>2/28/2021</a:t>
             </a:fld>
             <a:endParaRPr lang="en-US"/>
           </a:p>
@@ -8305,7 +10011,7 @@
           <a:p>
             <a:fld id="{C2C08804-B879-4BBE-B302-A3818D5665C6}" type="datetimeFigureOut">
               <a:rPr lang="en-US" smtClean="0"/>
-              <a:t>2/17/2021</a:t>
+              <a:t>2/28/2021</a:t>
             </a:fld>
             <a:endParaRPr lang="en-US"/>
           </a:p>
@@ -8616,7 +10322,7 @@
           <a:p>
             <a:fld id="{C2C08804-B879-4BBE-B302-A3818D5665C6}" type="datetimeFigureOut">
               <a:rPr lang="en-US" smtClean="0"/>
-              <a:t>2/17/2021</a:t>
+              <a:t>2/28/2021</a:t>
             </a:fld>
             <a:endParaRPr lang="en-US"/>
           </a:p>
@@ -8904,7 +10610,7 @@
           <a:p>
             <a:fld id="{C2C08804-B879-4BBE-B302-A3818D5665C6}" type="datetimeFigureOut">
               <a:rPr lang="en-US" smtClean="0"/>
-              <a:t>2/17/2021</a:t>
+              <a:t>2/28/2021</a:t>
             </a:fld>
             <a:endParaRPr lang="en-US"/>
           </a:p>
@@ -9145,7 +10851,7 @@
           <a:p>
             <a:fld id="{C2C08804-B879-4BBE-B302-A3818D5665C6}" type="datetimeFigureOut">
               <a:rPr lang="en-US" smtClean="0"/>
-              <a:t>2/17/2021</a:t>
+              <a:t>2/28/2021</a:t>
             </a:fld>
             <a:endParaRPr lang="en-US"/>
           </a:p>
@@ -43406,6 +45112,96 @@
     <p:extLst>
       <p:ext uri="{BB962C8B-B14F-4D97-AF65-F5344CB8AC3E}">
         <p14:creationId xmlns:p14="http://schemas.microsoft.com/office/powerpoint/2010/main" val="2383208179"/>
+      </p:ext>
+    </p:extLst>
+  </p:cSld>
+  <p:clrMapOvr>
+    <a:masterClrMapping/>
+  </p:clrMapOvr>
+</p:sld>
+</file>
+
+<file path=ppt/slides/slide37.xml><?xml version="1.0" encoding="utf-8"?>
+<p:sld xmlns:a="http://schemas.openxmlformats.org/drawingml/2006/main" xmlns:r="http://schemas.openxmlformats.org/officeDocument/2006/relationships" xmlns:p="http://schemas.openxmlformats.org/presentationml/2006/main">
+  <p:cSld>
+    <p:spTree>
+      <p:nvGrpSpPr>
+        <p:cNvPr id="1" name=""/>
+        <p:cNvGrpSpPr/>
+        <p:nvPr/>
+      </p:nvGrpSpPr>
+      <p:grpSpPr>
+        <a:xfrm>
+          <a:off x="0" y="0"/>
+          <a:ext cx="0" cy="0"/>
+          <a:chOff x="0" y="0"/>
+          <a:chExt cx="0" cy="0"/>
+        </a:xfrm>
+      </p:grpSpPr>
+      <p:graphicFrame>
+        <p:nvGraphicFramePr>
+          <p:cNvPr id="4" name="Content Placeholder 5">
+            <a:extLst>
+              <a:ext uri="{FF2B5EF4-FFF2-40B4-BE49-F238E27FC236}">
+                <a16:creationId xmlns:a16="http://schemas.microsoft.com/office/drawing/2014/main" id="{98C49A6A-EDF0-42AF-84FB-8C736D9ECE72}"/>
+              </a:ext>
+            </a:extLst>
+          </p:cNvPr>
+          <p:cNvGraphicFramePr>
+            <a:graphicFrameLocks/>
+          </p:cNvGraphicFramePr>
+          <p:nvPr>
+            <p:extLst>
+              <p:ext uri="{D42A27DB-BD31-4B8C-83A1-F6EECF244321}">
+                <p14:modId xmlns:p14="http://schemas.microsoft.com/office/powerpoint/2010/main" val="693705654"/>
+              </p:ext>
+            </p:extLst>
+          </p:nvPr>
+        </p:nvGraphicFramePr>
+        <p:xfrm>
+          <a:off x="1769234" y="1601339"/>
+          <a:ext cx="3697677" cy="3926175"/>
+        </p:xfrm>
+        <a:graphic>
+          <a:graphicData uri="http://schemas.openxmlformats.org/drawingml/2006/chart">
+            <c:chart xmlns:c="http://schemas.openxmlformats.org/drawingml/2006/chart" xmlns:r="http://schemas.openxmlformats.org/officeDocument/2006/relationships" r:id="rId2"/>
+          </a:graphicData>
+        </a:graphic>
+      </p:graphicFrame>
+      <p:graphicFrame>
+        <p:nvGraphicFramePr>
+          <p:cNvPr id="5" name="Content Placeholder 5">
+            <a:extLst>
+              <a:ext uri="{FF2B5EF4-FFF2-40B4-BE49-F238E27FC236}">
+                <a16:creationId xmlns:a16="http://schemas.microsoft.com/office/drawing/2014/main" id="{D54D9C05-922A-4E8B-B84F-DEA915A6B8F9}"/>
+              </a:ext>
+            </a:extLst>
+          </p:cNvPr>
+          <p:cNvGraphicFramePr>
+            <a:graphicFrameLocks/>
+          </p:cNvGraphicFramePr>
+          <p:nvPr>
+            <p:extLst>
+              <p:ext uri="{D42A27DB-BD31-4B8C-83A1-F6EECF244321}">
+                <p14:modId xmlns:p14="http://schemas.microsoft.com/office/powerpoint/2010/main" val="3145398353"/>
+              </p:ext>
+            </p:extLst>
+          </p:nvPr>
+        </p:nvGraphicFramePr>
+        <p:xfrm>
+          <a:off x="6725091" y="2221569"/>
+          <a:ext cx="3697677" cy="3926175"/>
+        </p:xfrm>
+        <a:graphic>
+          <a:graphicData uri="http://schemas.openxmlformats.org/drawingml/2006/chart">
+            <c:chart xmlns:c="http://schemas.openxmlformats.org/drawingml/2006/chart" xmlns:r="http://schemas.openxmlformats.org/officeDocument/2006/relationships" r:id="rId3"/>
+          </a:graphicData>
+        </a:graphic>
+      </p:graphicFrame>
+    </p:spTree>
+    <p:extLst>
+      <p:ext uri="{BB962C8B-B14F-4D97-AF65-F5344CB8AC3E}">
+        <p14:creationId xmlns:p14="http://schemas.microsoft.com/office/powerpoint/2010/main" val="735930670"/>
       </p:ext>
     </p:extLst>
   </p:cSld>

--- a/lectures/Presentation1.pptx
+++ b/lectures/Presentation1.pptx
@@ -42,6 +42,7 @@
     <p:sldId id="294" r:id="rId36"/>
     <p:sldId id="295" r:id="rId37"/>
     <p:sldId id="298" r:id="rId38"/>
+    <p:sldId id="299" r:id="rId39"/>
   </p:sldIdLst>
   <p:sldSz cx="12192000" cy="6858000"/>
   <p:notesSz cx="6858000" cy="9144000"/>
@@ -8201,7 +8202,7 @@
           <a:p>
             <a:fld id="{C2C08804-B879-4BBE-B302-A3818D5665C6}" type="datetimeFigureOut">
               <a:rPr lang="en-US" smtClean="0"/>
-              <a:t>2/28/2021</a:t>
+              <a:t>3/6/2021</a:t>
             </a:fld>
             <a:endParaRPr lang="en-US"/>
           </a:p>
@@ -8399,7 +8400,7 @@
           <a:p>
             <a:fld id="{C2C08804-B879-4BBE-B302-A3818D5665C6}" type="datetimeFigureOut">
               <a:rPr lang="en-US" smtClean="0"/>
-              <a:t>2/28/2021</a:t>
+              <a:t>3/6/2021</a:t>
             </a:fld>
             <a:endParaRPr lang="en-US"/>
           </a:p>
@@ -8607,7 +8608,7 @@
           <a:p>
             <a:fld id="{C2C08804-B879-4BBE-B302-A3818D5665C6}" type="datetimeFigureOut">
               <a:rPr lang="en-US" smtClean="0"/>
-              <a:t>2/28/2021</a:t>
+              <a:t>3/6/2021</a:t>
             </a:fld>
             <a:endParaRPr lang="en-US"/>
           </a:p>
@@ -8805,7 +8806,7 @@
           <a:p>
             <a:fld id="{C2C08804-B879-4BBE-B302-A3818D5665C6}" type="datetimeFigureOut">
               <a:rPr lang="en-US" smtClean="0"/>
-              <a:t>2/28/2021</a:t>
+              <a:t>3/6/2021</a:t>
             </a:fld>
             <a:endParaRPr lang="en-US"/>
           </a:p>
@@ -9080,7 +9081,7 @@
           <a:p>
             <a:fld id="{C2C08804-B879-4BBE-B302-A3818D5665C6}" type="datetimeFigureOut">
               <a:rPr lang="en-US" smtClean="0"/>
-              <a:t>2/28/2021</a:t>
+              <a:t>3/6/2021</a:t>
             </a:fld>
             <a:endParaRPr lang="en-US"/>
           </a:p>
@@ -9345,7 +9346,7 @@
           <a:p>
             <a:fld id="{C2C08804-B879-4BBE-B302-A3818D5665C6}" type="datetimeFigureOut">
               <a:rPr lang="en-US" smtClean="0"/>
-              <a:t>2/28/2021</a:t>
+              <a:t>3/6/2021</a:t>
             </a:fld>
             <a:endParaRPr lang="en-US"/>
           </a:p>
@@ -9757,7 +9758,7 @@
           <a:p>
             <a:fld id="{C2C08804-B879-4BBE-B302-A3818D5665C6}" type="datetimeFigureOut">
               <a:rPr lang="en-US" smtClean="0"/>
-              <a:t>2/28/2021</a:t>
+              <a:t>3/6/2021</a:t>
             </a:fld>
             <a:endParaRPr lang="en-US"/>
           </a:p>
@@ -9898,7 +9899,7 @@
           <a:p>
             <a:fld id="{C2C08804-B879-4BBE-B302-A3818D5665C6}" type="datetimeFigureOut">
               <a:rPr lang="en-US" smtClean="0"/>
-              <a:t>2/28/2021</a:t>
+              <a:t>3/6/2021</a:t>
             </a:fld>
             <a:endParaRPr lang="en-US"/>
           </a:p>
@@ -10011,7 +10012,7 @@
           <a:p>
             <a:fld id="{C2C08804-B879-4BBE-B302-A3818D5665C6}" type="datetimeFigureOut">
               <a:rPr lang="en-US" smtClean="0"/>
-              <a:t>2/28/2021</a:t>
+              <a:t>3/6/2021</a:t>
             </a:fld>
             <a:endParaRPr lang="en-US"/>
           </a:p>
@@ -10322,7 +10323,7 @@
           <a:p>
             <a:fld id="{C2C08804-B879-4BBE-B302-A3818D5665C6}" type="datetimeFigureOut">
               <a:rPr lang="en-US" smtClean="0"/>
-              <a:t>2/28/2021</a:t>
+              <a:t>3/6/2021</a:t>
             </a:fld>
             <a:endParaRPr lang="en-US"/>
           </a:p>
@@ -10610,7 +10611,7 @@
           <a:p>
             <a:fld id="{C2C08804-B879-4BBE-B302-A3818D5665C6}" type="datetimeFigureOut">
               <a:rPr lang="en-US" smtClean="0"/>
-              <a:t>2/28/2021</a:t>
+              <a:t>3/6/2021</a:t>
             </a:fld>
             <a:endParaRPr lang="en-US"/>
           </a:p>
@@ -10851,7 +10852,7 @@
           <a:p>
             <a:fld id="{C2C08804-B879-4BBE-B302-A3818D5665C6}" type="datetimeFigureOut">
               <a:rPr lang="en-US" smtClean="0"/>
-              <a:t>2/28/2021</a:t>
+              <a:t>3/6/2021</a:t>
             </a:fld>
             <a:endParaRPr lang="en-US"/>
           </a:p>
@@ -45202,6 +45203,1565 @@
     <p:extLst>
       <p:ext uri="{BB962C8B-B14F-4D97-AF65-F5344CB8AC3E}">
         <p14:creationId xmlns:p14="http://schemas.microsoft.com/office/powerpoint/2010/main" val="735930670"/>
+      </p:ext>
+    </p:extLst>
+  </p:cSld>
+  <p:clrMapOvr>
+    <a:masterClrMapping/>
+  </p:clrMapOvr>
+</p:sld>
+</file>
+
+<file path=ppt/slides/slide38.xml><?xml version="1.0" encoding="utf-8"?>
+<p:sld xmlns:a="http://schemas.openxmlformats.org/drawingml/2006/main" xmlns:r="http://schemas.openxmlformats.org/officeDocument/2006/relationships" xmlns:p="http://schemas.openxmlformats.org/presentationml/2006/main">
+  <p:cSld>
+    <p:spTree>
+      <p:nvGrpSpPr>
+        <p:cNvPr id="1" name=""/>
+        <p:cNvGrpSpPr/>
+        <p:nvPr/>
+      </p:nvGrpSpPr>
+      <p:grpSpPr>
+        <a:xfrm>
+          <a:off x="0" y="0"/>
+          <a:ext cx="0" cy="0"/>
+          <a:chOff x="0" y="0"/>
+          <a:chExt cx="0" cy="0"/>
+        </a:xfrm>
+      </p:grpSpPr>
+      <p:sp>
+        <p:nvSpPr>
+          <p:cNvPr id="46" name="Rectangle 45">
+            <a:extLst>
+              <a:ext uri="{FF2B5EF4-FFF2-40B4-BE49-F238E27FC236}">
+                <a16:creationId xmlns:a16="http://schemas.microsoft.com/office/drawing/2014/main" id="{BCCD67E3-ED10-4ACD-8358-A6EF723545DC}"/>
+              </a:ext>
+            </a:extLst>
+          </p:cNvPr>
+          <p:cNvSpPr/>
+          <p:nvPr/>
+        </p:nvSpPr>
+        <p:spPr>
+          <a:xfrm>
+            <a:off x="4210050" y="1295401"/>
+            <a:ext cx="7496175" cy="4286250"/>
+          </a:xfrm>
+          <a:prstGeom prst="rect">
+            <a:avLst/>
+          </a:prstGeom>
+          <a:solidFill>
+            <a:schemeClr val="bg1"/>
+          </a:solidFill>
+          <a:ln w="57150">
+            <a:solidFill>
+              <a:schemeClr val="bg1"/>
+            </a:solidFill>
+          </a:ln>
+        </p:spPr>
+        <p:style>
+          <a:lnRef idx="2">
+            <a:schemeClr val="accent1">
+              <a:shade val="50000"/>
+            </a:schemeClr>
+          </a:lnRef>
+          <a:fillRef idx="1">
+            <a:schemeClr val="accent1"/>
+          </a:fillRef>
+          <a:effectRef idx="0">
+            <a:schemeClr val="accent1"/>
+          </a:effectRef>
+          <a:fontRef idx="minor">
+            <a:schemeClr val="lt1"/>
+          </a:fontRef>
+        </p:style>
+        <p:txBody>
+          <a:bodyPr rtlCol="0" anchor="ctr"/>
+          <a:lstStyle/>
+          <a:p>
+            <a:pPr algn="ctr"/>
+            <a:endParaRPr lang="en-US" dirty="0"/>
+          </a:p>
+        </p:txBody>
+      </p:sp>
+      <p:sp>
+        <p:nvSpPr>
+          <p:cNvPr id="44" name="Rectangle 43">
+            <a:extLst>
+              <a:ext uri="{FF2B5EF4-FFF2-40B4-BE49-F238E27FC236}">
+                <a16:creationId xmlns:a16="http://schemas.microsoft.com/office/drawing/2014/main" id="{557DF4D1-7FB4-4C33-BB04-9195F0C2989C}"/>
+              </a:ext>
+            </a:extLst>
+          </p:cNvPr>
+          <p:cNvSpPr/>
+          <p:nvPr/>
+        </p:nvSpPr>
+        <p:spPr>
+          <a:xfrm>
+            <a:off x="5150540" y="5561078"/>
+            <a:ext cx="4368041" cy="642583"/>
+          </a:xfrm>
+          <a:prstGeom prst="rect">
+            <a:avLst/>
+          </a:prstGeom>
+          <a:solidFill>
+            <a:schemeClr val="bg1"/>
+          </a:solidFill>
+          <a:ln w="28575">
+            <a:noFill/>
+          </a:ln>
+        </p:spPr>
+        <p:style>
+          <a:lnRef idx="2">
+            <a:schemeClr val="accent1">
+              <a:shade val="50000"/>
+            </a:schemeClr>
+          </a:lnRef>
+          <a:fillRef idx="1">
+            <a:schemeClr val="accent1"/>
+          </a:fillRef>
+          <a:effectRef idx="0">
+            <a:schemeClr val="accent1"/>
+          </a:effectRef>
+          <a:fontRef idx="minor">
+            <a:schemeClr val="lt1"/>
+          </a:fontRef>
+        </p:style>
+        <p:txBody>
+          <a:bodyPr rtlCol="0" anchor="ctr"/>
+          <a:lstStyle/>
+          <a:p>
+            <a:pPr algn="ctr"/>
+            <a:endParaRPr lang="en-US">
+              <a:latin typeface="Aharoni" panose="020B0604020202020204" pitchFamily="2" charset="-79"/>
+              <a:cs typeface="Aharoni" panose="020B0604020202020204" pitchFamily="2" charset="-79"/>
+            </a:endParaRPr>
+          </a:p>
+        </p:txBody>
+      </p:sp>
+      <p:pic>
+        <p:nvPicPr>
+          <p:cNvPr id="5" name="Content Placeholder 4" descr="Text&#10;&#10;Description automatically generated with medium confidence">
+            <a:extLst>
+              <a:ext uri="{FF2B5EF4-FFF2-40B4-BE49-F238E27FC236}">
+                <a16:creationId xmlns:a16="http://schemas.microsoft.com/office/drawing/2014/main" id="{611DEEA4-97E7-495D-B64D-43C589180869}"/>
+              </a:ext>
+            </a:extLst>
+          </p:cNvPr>
+          <p:cNvPicPr>
+            <a:picLocks noGrp="1" noChangeAspect="1"/>
+          </p:cNvPicPr>
+          <p:nvPr>
+            <p:ph idx="1"/>
+          </p:nvPr>
+        </p:nvPicPr>
+        <p:blipFill>
+          <a:blip r:embed="rId2">
+            <a:extLst>
+              <a:ext uri="{28A0092B-C50C-407E-A947-70E740481C1C}">
+                <a14:useLocalDpi xmlns:a14="http://schemas.microsoft.com/office/drawing/2010/main" val="0"/>
+              </a:ext>
+            </a:extLst>
+          </a:blip>
+          <a:stretch>
+            <a:fillRect/>
+          </a:stretch>
+        </p:blipFill>
+        <p:spPr>
+          <a:xfrm>
+            <a:off x="-1666970" y="177965"/>
+            <a:ext cx="5761053" cy="2811394"/>
+          </a:xfrm>
+        </p:spPr>
+      </p:pic>
+      <p:cxnSp>
+        <p:nvCxnSpPr>
+          <p:cNvPr id="7" name="Straight Connector 6">
+            <a:extLst>
+              <a:ext uri="{FF2B5EF4-FFF2-40B4-BE49-F238E27FC236}">
+                <a16:creationId xmlns:a16="http://schemas.microsoft.com/office/drawing/2014/main" id="{E3565BC8-CF6A-47AC-B720-B1C0964C6027}"/>
+              </a:ext>
+            </a:extLst>
+          </p:cNvPr>
+          <p:cNvCxnSpPr>
+            <a:cxnSpLocks/>
+          </p:cNvCxnSpPr>
+          <p:nvPr/>
+        </p:nvCxnSpPr>
+        <p:spPr>
+          <a:xfrm>
+            <a:off x="5150540" y="2062476"/>
+            <a:ext cx="0" cy="2774982"/>
+          </a:xfrm>
+          <a:prstGeom prst="line">
+            <a:avLst/>
+          </a:prstGeom>
+          <a:ln w="38100">
+            <a:solidFill>
+              <a:schemeClr val="bg1">
+                <a:lumMod val="65000"/>
+              </a:schemeClr>
+            </a:solidFill>
+          </a:ln>
+        </p:spPr>
+        <p:style>
+          <a:lnRef idx="1">
+            <a:schemeClr val="dk1"/>
+          </a:lnRef>
+          <a:fillRef idx="0">
+            <a:schemeClr val="dk1"/>
+          </a:fillRef>
+          <a:effectRef idx="0">
+            <a:schemeClr val="dk1"/>
+          </a:effectRef>
+          <a:fontRef idx="minor">
+            <a:schemeClr val="tx1"/>
+          </a:fontRef>
+        </p:style>
+      </p:cxnSp>
+      <p:cxnSp>
+        <p:nvCxnSpPr>
+          <p:cNvPr id="8" name="Straight Connector 7">
+            <a:extLst>
+              <a:ext uri="{FF2B5EF4-FFF2-40B4-BE49-F238E27FC236}">
+                <a16:creationId xmlns:a16="http://schemas.microsoft.com/office/drawing/2014/main" id="{EFE8C39B-E956-4BC6-BAA3-C38F72E460CB}"/>
+              </a:ext>
+            </a:extLst>
+          </p:cNvPr>
+          <p:cNvCxnSpPr>
+            <a:cxnSpLocks/>
+          </p:cNvCxnSpPr>
+          <p:nvPr/>
+        </p:nvCxnSpPr>
+        <p:spPr>
+          <a:xfrm flipH="1">
+            <a:off x="5135541" y="4837457"/>
+            <a:ext cx="4408509" cy="1"/>
+          </a:xfrm>
+          <a:prstGeom prst="line">
+            <a:avLst/>
+          </a:prstGeom>
+          <a:ln w="38100">
+            <a:solidFill>
+              <a:schemeClr val="bg1">
+                <a:lumMod val="65000"/>
+              </a:schemeClr>
+            </a:solidFill>
+          </a:ln>
+        </p:spPr>
+        <p:style>
+          <a:lnRef idx="1">
+            <a:schemeClr val="dk1"/>
+          </a:lnRef>
+          <a:fillRef idx="0">
+            <a:schemeClr val="dk1"/>
+          </a:fillRef>
+          <a:effectRef idx="0">
+            <a:schemeClr val="dk1"/>
+          </a:effectRef>
+          <a:fontRef idx="minor">
+            <a:schemeClr val="tx1"/>
+          </a:fontRef>
+        </p:style>
+      </p:cxnSp>
+      <p:sp>
+        <p:nvSpPr>
+          <p:cNvPr id="10" name="TextBox 9">
+            <a:extLst>
+              <a:ext uri="{FF2B5EF4-FFF2-40B4-BE49-F238E27FC236}">
+                <a16:creationId xmlns:a16="http://schemas.microsoft.com/office/drawing/2014/main" id="{0C9BA219-73E2-47A7-B917-CC6227C8CEB5}"/>
+              </a:ext>
+            </a:extLst>
+          </p:cNvPr>
+          <p:cNvSpPr txBox="1"/>
+          <p:nvPr/>
+        </p:nvSpPr>
+        <p:spPr>
+          <a:xfrm>
+            <a:off x="8434287" y="4837456"/>
+            <a:ext cx="1481825" cy="323165"/>
+          </a:xfrm>
+          <a:prstGeom prst="rect">
+            <a:avLst/>
+          </a:prstGeom>
+          <a:noFill/>
+        </p:spPr>
+        <p:txBody>
+          <a:bodyPr wrap="square" rtlCol="0">
+            <a:spAutoFit/>
+          </a:bodyPr>
+          <a:lstStyle/>
+          <a:p>
+            <a:r>
+              <a:rPr lang="en-US" sz="1500" dirty="0">
+                <a:latin typeface="Aharoni" panose="020B0604020202020204" pitchFamily="2" charset="-79"/>
+                <a:cs typeface="Aharoni" panose="020B0604020202020204" pitchFamily="2" charset="-79"/>
+              </a:rPr>
+              <a:t>Disinterested</a:t>
+            </a:r>
+          </a:p>
+        </p:txBody>
+      </p:sp>
+      <p:sp>
+        <p:nvSpPr>
+          <p:cNvPr id="13" name="TextBox 12">
+            <a:extLst>
+              <a:ext uri="{FF2B5EF4-FFF2-40B4-BE49-F238E27FC236}">
+                <a16:creationId xmlns:a16="http://schemas.microsoft.com/office/drawing/2014/main" id="{F5997DED-7135-4679-80BE-64C352FA9DE4}"/>
+              </a:ext>
+            </a:extLst>
+          </p:cNvPr>
+          <p:cNvSpPr txBox="1"/>
+          <p:nvPr/>
+        </p:nvSpPr>
+        <p:spPr>
+          <a:xfrm>
+            <a:off x="5052495" y="4837457"/>
+            <a:ext cx="1481825" cy="323165"/>
+          </a:xfrm>
+          <a:prstGeom prst="rect">
+            <a:avLst/>
+          </a:prstGeom>
+          <a:noFill/>
+        </p:spPr>
+        <p:txBody>
+          <a:bodyPr wrap="square" rtlCol="0">
+            <a:spAutoFit/>
+          </a:bodyPr>
+          <a:lstStyle/>
+          <a:p>
+            <a:r>
+              <a:rPr lang="en-US" sz="1500" dirty="0">
+                <a:latin typeface="Aharoni" panose="020B0604020202020204" pitchFamily="2" charset="-79"/>
+                <a:cs typeface="Aharoni" panose="020B0604020202020204" pitchFamily="2" charset="-79"/>
+              </a:rPr>
+              <a:t>Self-interested</a:t>
+            </a:r>
+          </a:p>
+        </p:txBody>
+      </p:sp>
+      <p:sp>
+        <p:nvSpPr>
+          <p:cNvPr id="14" name="TextBox 13">
+            <a:extLst>
+              <a:ext uri="{FF2B5EF4-FFF2-40B4-BE49-F238E27FC236}">
+                <a16:creationId xmlns:a16="http://schemas.microsoft.com/office/drawing/2014/main" id="{9B8DA0B1-7597-41C9-9FC7-37F56B24AB38}"/>
+              </a:ext>
+            </a:extLst>
+          </p:cNvPr>
+          <p:cNvSpPr txBox="1"/>
+          <p:nvPr/>
+        </p:nvSpPr>
+        <p:spPr>
+          <a:xfrm>
+            <a:off x="5879857" y="5130182"/>
+            <a:ext cx="3368917" cy="646331"/>
+          </a:xfrm>
+          <a:prstGeom prst="rect">
+            <a:avLst/>
+          </a:prstGeom>
+          <a:noFill/>
+        </p:spPr>
+        <p:txBody>
+          <a:bodyPr wrap="square" rtlCol="0">
+            <a:spAutoFit/>
+          </a:bodyPr>
+          <a:lstStyle/>
+          <a:p>
+            <a:r>
+              <a:rPr lang="en-US" b="1" dirty="0">
+                <a:latin typeface="Aharoni" panose="020B0604020202020204" pitchFamily="2" charset="-79"/>
+                <a:cs typeface="Aharoni" panose="020B0604020202020204" pitchFamily="2" charset="-79"/>
+              </a:rPr>
+              <a:t>Disinterestedness of elicitors</a:t>
+            </a:r>
+          </a:p>
+        </p:txBody>
+      </p:sp>
+      <p:sp>
+        <p:nvSpPr>
+          <p:cNvPr id="15" name="TextBox 14">
+            <a:extLst>
+              <a:ext uri="{FF2B5EF4-FFF2-40B4-BE49-F238E27FC236}">
+                <a16:creationId xmlns:a16="http://schemas.microsoft.com/office/drawing/2014/main" id="{8B7DF73E-8E93-4A1E-955D-FD5FD1ED95E1}"/>
+              </a:ext>
+            </a:extLst>
+          </p:cNvPr>
+          <p:cNvSpPr txBox="1"/>
+          <p:nvPr/>
+        </p:nvSpPr>
+        <p:spPr>
+          <a:xfrm rot="16200000">
+            <a:off x="3236613" y="3152302"/>
+            <a:ext cx="2787892" cy="646331"/>
+          </a:xfrm>
+          <a:prstGeom prst="rect">
+            <a:avLst/>
+          </a:prstGeom>
+          <a:noFill/>
+        </p:spPr>
+        <p:txBody>
+          <a:bodyPr wrap="square" rtlCol="0">
+            <a:spAutoFit/>
+          </a:bodyPr>
+          <a:lstStyle/>
+          <a:p>
+            <a:pPr algn="ctr"/>
+            <a:r>
+              <a:rPr lang="en-US" b="1" dirty="0">
+                <a:latin typeface="Aharoni" panose="020B0604020202020204" pitchFamily="2" charset="-79"/>
+                <a:cs typeface="Aharoni" panose="020B0604020202020204" pitchFamily="2" charset="-79"/>
+              </a:rPr>
+              <a:t>Pro-sociality </a:t>
+            </a:r>
+          </a:p>
+          <a:p>
+            <a:pPr algn="ctr"/>
+            <a:r>
+              <a:rPr lang="en-US" b="1" dirty="0">
+                <a:latin typeface="Aharoni" panose="020B0604020202020204" pitchFamily="2" charset="-79"/>
+                <a:cs typeface="Aharoni" panose="020B0604020202020204" pitchFamily="2" charset="-79"/>
+              </a:rPr>
+              <a:t>of action tendency</a:t>
+            </a:r>
+          </a:p>
+        </p:txBody>
+      </p:sp>
+      <p:sp>
+        <p:nvSpPr>
+          <p:cNvPr id="16" name="TextBox 15">
+            <a:extLst>
+              <a:ext uri="{FF2B5EF4-FFF2-40B4-BE49-F238E27FC236}">
+                <a16:creationId xmlns:a16="http://schemas.microsoft.com/office/drawing/2014/main" id="{B8EB6F47-FB01-47C6-81AF-D62D2415CB8B}"/>
+              </a:ext>
+            </a:extLst>
+          </p:cNvPr>
+          <p:cNvSpPr txBox="1"/>
+          <p:nvPr/>
+        </p:nvSpPr>
+        <p:spPr>
+          <a:xfrm rot="16200000">
+            <a:off x="4233045" y="3995493"/>
+            <a:ext cx="1481825" cy="323165"/>
+          </a:xfrm>
+          <a:prstGeom prst="rect">
+            <a:avLst/>
+          </a:prstGeom>
+          <a:noFill/>
+        </p:spPr>
+        <p:txBody>
+          <a:bodyPr wrap="square" rtlCol="0">
+            <a:spAutoFit/>
+          </a:bodyPr>
+          <a:lstStyle/>
+          <a:p>
+            <a:r>
+              <a:rPr lang="en-US" sz="1500" dirty="0">
+                <a:latin typeface="Aharoni" panose="020B0604020202020204" pitchFamily="2" charset="-79"/>
+                <a:cs typeface="Aharoni" panose="020B0604020202020204" pitchFamily="2" charset="-79"/>
+              </a:rPr>
+              <a:t>Low</a:t>
+            </a:r>
+          </a:p>
+        </p:txBody>
+      </p:sp>
+      <p:sp>
+        <p:nvSpPr>
+          <p:cNvPr id="17" name="TextBox 16">
+            <a:extLst>
+              <a:ext uri="{FF2B5EF4-FFF2-40B4-BE49-F238E27FC236}">
+                <a16:creationId xmlns:a16="http://schemas.microsoft.com/office/drawing/2014/main" id="{F1DA1FA1-7FB1-464E-B56D-AE7D2F210368}"/>
+              </a:ext>
+            </a:extLst>
+          </p:cNvPr>
+          <p:cNvSpPr txBox="1"/>
+          <p:nvPr/>
+        </p:nvSpPr>
+        <p:spPr>
+          <a:xfrm rot="16200000">
+            <a:off x="4509158" y="1964524"/>
+            <a:ext cx="857460" cy="323165"/>
+          </a:xfrm>
+          <a:prstGeom prst="rect">
+            <a:avLst/>
+          </a:prstGeom>
+          <a:noFill/>
+        </p:spPr>
+        <p:txBody>
+          <a:bodyPr wrap="square" rtlCol="0">
+            <a:spAutoFit/>
+          </a:bodyPr>
+          <a:lstStyle/>
+          <a:p>
+            <a:r>
+              <a:rPr lang="en-US" sz="1500" dirty="0">
+                <a:latin typeface="Aharoni" panose="020B0604020202020204" pitchFamily="2" charset="-79"/>
+                <a:cs typeface="Aharoni" panose="020B0604020202020204" pitchFamily="2" charset="-79"/>
+              </a:rPr>
+              <a:t>High</a:t>
+            </a:r>
+          </a:p>
+        </p:txBody>
+      </p:sp>
+      <p:sp>
+        <p:nvSpPr>
+          <p:cNvPr id="18" name="TextBox 17">
+            <a:extLst>
+              <a:ext uri="{FF2B5EF4-FFF2-40B4-BE49-F238E27FC236}">
+                <a16:creationId xmlns:a16="http://schemas.microsoft.com/office/drawing/2014/main" id="{4E38513D-B388-41B9-BC47-8CE879CEB971}"/>
+              </a:ext>
+            </a:extLst>
+          </p:cNvPr>
+          <p:cNvSpPr txBox="1"/>
+          <p:nvPr/>
+        </p:nvSpPr>
+        <p:spPr>
+          <a:xfrm>
+            <a:off x="5333558" y="4191129"/>
+            <a:ext cx="1481825" cy="323165"/>
+          </a:xfrm>
+          <a:prstGeom prst="rect">
+            <a:avLst/>
+          </a:prstGeom>
+          <a:noFill/>
+        </p:spPr>
+        <p:txBody>
+          <a:bodyPr wrap="square" rtlCol="0">
+            <a:spAutoFit/>
+          </a:bodyPr>
+          <a:lstStyle/>
+          <a:p>
+            <a:r>
+              <a:rPr lang="en-US" sz="1500" dirty="0">
+                <a:latin typeface="Aharoni" panose="020B0604020202020204" pitchFamily="2" charset="-79"/>
+                <a:cs typeface="Aharoni" panose="020B0604020202020204" pitchFamily="2" charset="-79"/>
+              </a:rPr>
+              <a:t>Sadness</a:t>
+            </a:r>
+          </a:p>
+        </p:txBody>
+      </p:sp>
+      <p:sp>
+        <p:nvSpPr>
+          <p:cNvPr id="19" name="TextBox 18">
+            <a:extLst>
+              <a:ext uri="{FF2B5EF4-FFF2-40B4-BE49-F238E27FC236}">
+                <a16:creationId xmlns:a16="http://schemas.microsoft.com/office/drawing/2014/main" id="{B8BF3510-9788-4BAA-A81D-24FDEDD79558}"/>
+              </a:ext>
+            </a:extLst>
+          </p:cNvPr>
+          <p:cNvSpPr txBox="1"/>
+          <p:nvPr/>
+        </p:nvSpPr>
+        <p:spPr>
+          <a:xfrm>
+            <a:off x="5317407" y="4424908"/>
+            <a:ext cx="1481825" cy="323165"/>
+          </a:xfrm>
+          <a:prstGeom prst="rect">
+            <a:avLst/>
+          </a:prstGeom>
+          <a:noFill/>
+        </p:spPr>
+        <p:txBody>
+          <a:bodyPr wrap="square" rtlCol="0">
+            <a:spAutoFit/>
+          </a:bodyPr>
+          <a:lstStyle/>
+          <a:p>
+            <a:r>
+              <a:rPr lang="en-US" sz="1500" dirty="0">
+                <a:latin typeface="Aharoni" panose="020B0604020202020204" pitchFamily="2" charset="-79"/>
+                <a:cs typeface="Aharoni" panose="020B0604020202020204" pitchFamily="2" charset="-79"/>
+              </a:rPr>
+              <a:t>Happiness</a:t>
+            </a:r>
+          </a:p>
+        </p:txBody>
+      </p:sp>
+      <p:sp>
+        <p:nvSpPr>
+          <p:cNvPr id="20" name="TextBox 19">
+            <a:extLst>
+              <a:ext uri="{FF2B5EF4-FFF2-40B4-BE49-F238E27FC236}">
+                <a16:creationId xmlns:a16="http://schemas.microsoft.com/office/drawing/2014/main" id="{BB40A7FC-18B3-4B15-BEF1-4959F614C0BA}"/>
+              </a:ext>
+            </a:extLst>
+          </p:cNvPr>
+          <p:cNvSpPr txBox="1"/>
+          <p:nvPr/>
+        </p:nvSpPr>
+        <p:spPr>
+          <a:xfrm>
+            <a:off x="5176009" y="3560020"/>
+            <a:ext cx="1481825" cy="323165"/>
+          </a:xfrm>
+          <a:prstGeom prst="rect">
+            <a:avLst/>
+          </a:prstGeom>
+          <a:noFill/>
+        </p:spPr>
+        <p:txBody>
+          <a:bodyPr wrap="square" rtlCol="0">
+            <a:spAutoFit/>
+          </a:bodyPr>
+          <a:lstStyle/>
+          <a:p>
+            <a:r>
+              <a:rPr lang="en-US" sz="1500" dirty="0">
+                <a:latin typeface="Aharoni" panose="020B0604020202020204" pitchFamily="2" charset="-79"/>
+                <a:cs typeface="Aharoni" panose="020B0604020202020204" pitchFamily="2" charset="-79"/>
+              </a:rPr>
+              <a:t>DAAD</a:t>
+            </a:r>
+          </a:p>
+        </p:txBody>
+      </p:sp>
+      <p:sp>
+        <p:nvSpPr>
+          <p:cNvPr id="21" name="TextBox 20">
+            <a:extLst>
+              <a:ext uri="{FF2B5EF4-FFF2-40B4-BE49-F238E27FC236}">
+                <a16:creationId xmlns:a16="http://schemas.microsoft.com/office/drawing/2014/main" id="{DF918B39-21AE-4389-8911-566AC311E0A8}"/>
+              </a:ext>
+            </a:extLst>
+          </p:cNvPr>
+          <p:cNvSpPr txBox="1"/>
+          <p:nvPr/>
+        </p:nvSpPr>
+        <p:spPr>
+          <a:xfrm>
+            <a:off x="5150540" y="2947286"/>
+            <a:ext cx="1481825" cy="323165"/>
+          </a:xfrm>
+          <a:prstGeom prst="rect">
+            <a:avLst/>
+          </a:prstGeom>
+          <a:noFill/>
+        </p:spPr>
+        <p:txBody>
+          <a:bodyPr wrap="square" rtlCol="0">
+            <a:spAutoFit/>
+          </a:bodyPr>
+          <a:lstStyle/>
+          <a:p>
+            <a:r>
+              <a:rPr lang="en-US" sz="1500" dirty="0">
+                <a:latin typeface="Aharoni" panose="020B0604020202020204" pitchFamily="2" charset="-79"/>
+                <a:cs typeface="Aharoni" panose="020B0604020202020204" pitchFamily="2" charset="-79"/>
+              </a:rPr>
+              <a:t>Fear</a:t>
+            </a:r>
+          </a:p>
+        </p:txBody>
+      </p:sp>
+      <p:sp>
+        <p:nvSpPr>
+          <p:cNvPr id="22" name="TextBox 21">
+            <a:extLst>
+              <a:ext uri="{FF2B5EF4-FFF2-40B4-BE49-F238E27FC236}">
+                <a16:creationId xmlns:a16="http://schemas.microsoft.com/office/drawing/2014/main" id="{EEC1DEE4-98D3-41B1-84D9-0FD5753777CA}"/>
+              </a:ext>
+            </a:extLst>
+          </p:cNvPr>
+          <p:cNvSpPr txBox="1"/>
+          <p:nvPr/>
+        </p:nvSpPr>
+        <p:spPr>
+          <a:xfrm>
+            <a:off x="5317406" y="3181350"/>
+            <a:ext cx="1481825" cy="323165"/>
+          </a:xfrm>
+          <a:prstGeom prst="rect">
+            <a:avLst/>
+          </a:prstGeom>
+          <a:noFill/>
+        </p:spPr>
+        <p:txBody>
+          <a:bodyPr wrap="square" rtlCol="0">
+            <a:spAutoFit/>
+          </a:bodyPr>
+          <a:lstStyle/>
+          <a:p>
+            <a:r>
+              <a:rPr lang="en-US" sz="1500" dirty="0">
+                <a:latin typeface="Aharoni" panose="020B0604020202020204" pitchFamily="2" charset="-79"/>
+                <a:cs typeface="Aharoni" panose="020B0604020202020204" pitchFamily="2" charset="-79"/>
+              </a:rPr>
+              <a:t>Pride</a:t>
+            </a:r>
+          </a:p>
+        </p:txBody>
+      </p:sp>
+      <p:sp>
+        <p:nvSpPr>
+          <p:cNvPr id="23" name="TextBox 22">
+            <a:extLst>
+              <a:ext uri="{FF2B5EF4-FFF2-40B4-BE49-F238E27FC236}">
+                <a16:creationId xmlns:a16="http://schemas.microsoft.com/office/drawing/2014/main" id="{8FCC609A-7167-454B-AAA3-580B58088756}"/>
+              </a:ext>
+            </a:extLst>
+          </p:cNvPr>
+          <p:cNvSpPr txBox="1"/>
+          <p:nvPr/>
+        </p:nvSpPr>
+        <p:spPr>
+          <a:xfrm>
+            <a:off x="6427156" y="3987060"/>
+            <a:ext cx="1598429" cy="323165"/>
+          </a:xfrm>
+          <a:prstGeom prst="rect">
+            <a:avLst/>
+          </a:prstGeom>
+          <a:noFill/>
+        </p:spPr>
+        <p:txBody>
+          <a:bodyPr wrap="square" rtlCol="0">
+            <a:spAutoFit/>
+          </a:bodyPr>
+          <a:lstStyle/>
+          <a:p>
+            <a:r>
+              <a:rPr lang="en-US" sz="1500" dirty="0">
+                <a:latin typeface="Aharoni" panose="020B0604020202020204" pitchFamily="2" charset="-79"/>
+                <a:cs typeface="Aharoni" panose="020B0604020202020204" pitchFamily="2" charset="-79"/>
+              </a:rPr>
+              <a:t>Schadenfreude</a:t>
+            </a:r>
+          </a:p>
+        </p:txBody>
+      </p:sp>
+      <p:sp>
+        <p:nvSpPr>
+          <p:cNvPr id="24" name="TextBox 23">
+            <a:extLst>
+              <a:ext uri="{FF2B5EF4-FFF2-40B4-BE49-F238E27FC236}">
+                <a16:creationId xmlns:a16="http://schemas.microsoft.com/office/drawing/2014/main" id="{240D1590-CF12-49D5-90BA-8D469590A558}"/>
+              </a:ext>
+            </a:extLst>
+          </p:cNvPr>
+          <p:cNvSpPr txBox="1"/>
+          <p:nvPr/>
+        </p:nvSpPr>
+        <p:spPr>
+          <a:xfrm>
+            <a:off x="7424278" y="3501587"/>
+            <a:ext cx="1481825" cy="323165"/>
+          </a:xfrm>
+          <a:prstGeom prst="rect">
+            <a:avLst/>
+          </a:prstGeom>
+          <a:noFill/>
+        </p:spPr>
+        <p:txBody>
+          <a:bodyPr wrap="square" rtlCol="0">
+            <a:spAutoFit/>
+          </a:bodyPr>
+          <a:lstStyle/>
+          <a:p>
+            <a:r>
+              <a:rPr lang="en-US" sz="1500" dirty="0">
+                <a:solidFill>
+                  <a:srgbClr val="FF0000"/>
+                </a:solidFill>
+                <a:latin typeface="Aharoni" panose="020B0604020202020204" pitchFamily="2" charset="-79"/>
+                <a:cs typeface="Aharoni" panose="020B0604020202020204" pitchFamily="2" charset="-79"/>
+              </a:rPr>
+              <a:t>Contempt</a:t>
+            </a:r>
+          </a:p>
+        </p:txBody>
+      </p:sp>
+      <p:sp>
+        <p:nvSpPr>
+          <p:cNvPr id="25" name="TextBox 24">
+            <a:extLst>
+              <a:ext uri="{FF2B5EF4-FFF2-40B4-BE49-F238E27FC236}">
+                <a16:creationId xmlns:a16="http://schemas.microsoft.com/office/drawing/2014/main" id="{66FC363D-94D8-43D7-8C02-2DC5AAC0A3BE}"/>
+              </a:ext>
+            </a:extLst>
+          </p:cNvPr>
+          <p:cNvSpPr txBox="1"/>
+          <p:nvPr/>
+        </p:nvSpPr>
+        <p:spPr>
+          <a:xfrm>
+            <a:off x="7069320" y="2922000"/>
+            <a:ext cx="1598430" cy="333135"/>
+          </a:xfrm>
+          <a:prstGeom prst="rect">
+            <a:avLst/>
+          </a:prstGeom>
+          <a:noFill/>
+        </p:spPr>
+        <p:txBody>
+          <a:bodyPr wrap="square" rtlCol="0">
+            <a:spAutoFit/>
+          </a:bodyPr>
+          <a:lstStyle/>
+          <a:p>
+            <a:r>
+              <a:rPr lang="en-US" sz="1500" dirty="0">
+                <a:solidFill>
+                  <a:srgbClr val="00B050"/>
+                </a:solidFill>
+                <a:latin typeface="Aharoni" panose="020B0604020202020204" pitchFamily="2" charset="-79"/>
+                <a:cs typeface="Aharoni" panose="020B0604020202020204" pitchFamily="2" charset="-79"/>
+              </a:rPr>
+              <a:t>Embarrassment</a:t>
+            </a:r>
+          </a:p>
+        </p:txBody>
+      </p:sp>
+      <p:sp>
+        <p:nvSpPr>
+          <p:cNvPr id="26" name="TextBox 25">
+            <a:extLst>
+              <a:ext uri="{FF2B5EF4-FFF2-40B4-BE49-F238E27FC236}">
+                <a16:creationId xmlns:a16="http://schemas.microsoft.com/office/drawing/2014/main" id="{892AA503-A9D1-4715-B9E2-E07BEE080635}"/>
+              </a:ext>
+            </a:extLst>
+          </p:cNvPr>
+          <p:cNvSpPr txBox="1"/>
+          <p:nvPr/>
+        </p:nvSpPr>
+        <p:spPr>
+          <a:xfrm>
+            <a:off x="7370691" y="2598834"/>
+            <a:ext cx="1481825" cy="323165"/>
+          </a:xfrm>
+          <a:prstGeom prst="rect">
+            <a:avLst/>
+          </a:prstGeom>
+          <a:noFill/>
+        </p:spPr>
+        <p:txBody>
+          <a:bodyPr wrap="square" rtlCol="0">
+            <a:spAutoFit/>
+          </a:bodyPr>
+          <a:lstStyle/>
+          <a:p>
+            <a:r>
+              <a:rPr lang="en-US" sz="1500" dirty="0">
+                <a:solidFill>
+                  <a:srgbClr val="00B050"/>
+                </a:solidFill>
+                <a:latin typeface="Aharoni" panose="020B0604020202020204" pitchFamily="2" charset="-79"/>
+                <a:cs typeface="Aharoni" panose="020B0604020202020204" pitchFamily="2" charset="-79"/>
+              </a:rPr>
+              <a:t>Shame</a:t>
+            </a:r>
+          </a:p>
+        </p:txBody>
+      </p:sp>
+      <p:sp>
+        <p:nvSpPr>
+          <p:cNvPr id="27" name="TextBox 26">
+            <a:extLst>
+              <a:ext uri="{FF2B5EF4-FFF2-40B4-BE49-F238E27FC236}">
+                <a16:creationId xmlns:a16="http://schemas.microsoft.com/office/drawing/2014/main" id="{014780E0-FD95-4EB4-9E53-E94C47900D70}"/>
+              </a:ext>
+            </a:extLst>
+          </p:cNvPr>
+          <p:cNvSpPr txBox="1"/>
+          <p:nvPr/>
+        </p:nvSpPr>
+        <p:spPr>
+          <a:xfrm>
+            <a:off x="6543759" y="2230976"/>
+            <a:ext cx="1481825" cy="323165"/>
+          </a:xfrm>
+          <a:prstGeom prst="rect">
+            <a:avLst/>
+          </a:prstGeom>
+          <a:noFill/>
+        </p:spPr>
+        <p:txBody>
+          <a:bodyPr wrap="square" rtlCol="0">
+            <a:spAutoFit/>
+          </a:bodyPr>
+          <a:lstStyle/>
+          <a:p>
+            <a:r>
+              <a:rPr lang="en-US" sz="1500" dirty="0">
+                <a:solidFill>
+                  <a:srgbClr val="00B0F0"/>
+                </a:solidFill>
+                <a:latin typeface="Aharoni" panose="020B0604020202020204" pitchFamily="2" charset="-79"/>
+                <a:cs typeface="Aharoni" panose="020B0604020202020204" pitchFamily="2" charset="-79"/>
+              </a:rPr>
+              <a:t>Gratitude</a:t>
+            </a:r>
+          </a:p>
+        </p:txBody>
+      </p:sp>
+      <p:sp>
+        <p:nvSpPr>
+          <p:cNvPr id="28" name="TextBox 27">
+            <a:extLst>
+              <a:ext uri="{FF2B5EF4-FFF2-40B4-BE49-F238E27FC236}">
+                <a16:creationId xmlns:a16="http://schemas.microsoft.com/office/drawing/2014/main" id="{CE7EFE71-C5F0-439B-A226-096FDED4D8C4}"/>
+              </a:ext>
+            </a:extLst>
+          </p:cNvPr>
+          <p:cNvSpPr txBox="1"/>
+          <p:nvPr/>
+        </p:nvSpPr>
+        <p:spPr>
+          <a:xfrm>
+            <a:off x="8551144" y="2921999"/>
+            <a:ext cx="1481825" cy="323165"/>
+          </a:xfrm>
+          <a:prstGeom prst="rect">
+            <a:avLst/>
+          </a:prstGeom>
+          <a:noFill/>
+        </p:spPr>
+        <p:txBody>
+          <a:bodyPr wrap="square" rtlCol="0">
+            <a:spAutoFit/>
+          </a:bodyPr>
+          <a:lstStyle/>
+          <a:p>
+            <a:r>
+              <a:rPr lang="en-US" sz="1500" dirty="0">
+                <a:solidFill>
+                  <a:srgbClr val="FF0000"/>
+                </a:solidFill>
+                <a:latin typeface="Aharoni" panose="020B0604020202020204" pitchFamily="2" charset="-79"/>
+                <a:cs typeface="Aharoni" panose="020B0604020202020204" pitchFamily="2" charset="-79"/>
+              </a:rPr>
+              <a:t>Disgust</a:t>
+            </a:r>
+          </a:p>
+        </p:txBody>
+      </p:sp>
+      <p:sp>
+        <p:nvSpPr>
+          <p:cNvPr id="31" name="TextBox 30">
+            <a:extLst>
+              <a:ext uri="{FF2B5EF4-FFF2-40B4-BE49-F238E27FC236}">
+                <a16:creationId xmlns:a16="http://schemas.microsoft.com/office/drawing/2014/main" id="{47CD4923-51EB-4EF3-8392-0C7BE437D70E}"/>
+              </a:ext>
+            </a:extLst>
+          </p:cNvPr>
+          <p:cNvSpPr txBox="1"/>
+          <p:nvPr/>
+        </p:nvSpPr>
+        <p:spPr>
+          <a:xfrm>
+            <a:off x="7911578" y="2069393"/>
+            <a:ext cx="1481825" cy="323165"/>
+          </a:xfrm>
+          <a:prstGeom prst="rect">
+            <a:avLst/>
+          </a:prstGeom>
+          <a:noFill/>
+        </p:spPr>
+        <p:txBody>
+          <a:bodyPr wrap="square" rtlCol="0">
+            <a:spAutoFit/>
+          </a:bodyPr>
+          <a:lstStyle/>
+          <a:p>
+            <a:r>
+              <a:rPr lang="en-US" sz="1500" dirty="0">
+                <a:solidFill>
+                  <a:srgbClr val="FF0000"/>
+                </a:solidFill>
+                <a:latin typeface="Aharoni" panose="020B0604020202020204" pitchFamily="2" charset="-79"/>
+                <a:cs typeface="Aharoni" panose="020B0604020202020204" pitchFamily="2" charset="-79"/>
+              </a:rPr>
+              <a:t>Anger</a:t>
+            </a:r>
+          </a:p>
+        </p:txBody>
+      </p:sp>
+      <p:sp>
+        <p:nvSpPr>
+          <p:cNvPr id="32" name="TextBox 31">
+            <a:extLst>
+              <a:ext uri="{FF2B5EF4-FFF2-40B4-BE49-F238E27FC236}">
+                <a16:creationId xmlns:a16="http://schemas.microsoft.com/office/drawing/2014/main" id="{9090F020-CE0E-4CD9-A41A-EE72FE978A42}"/>
+              </a:ext>
+            </a:extLst>
+          </p:cNvPr>
+          <p:cNvSpPr txBox="1"/>
+          <p:nvPr/>
+        </p:nvSpPr>
+        <p:spPr>
+          <a:xfrm>
+            <a:off x="8488812" y="2073382"/>
+            <a:ext cx="1481825" cy="323165"/>
+          </a:xfrm>
+          <a:prstGeom prst="rect">
+            <a:avLst/>
+          </a:prstGeom>
+          <a:noFill/>
+        </p:spPr>
+        <p:txBody>
+          <a:bodyPr wrap="square" rtlCol="0">
+            <a:spAutoFit/>
+          </a:bodyPr>
+          <a:lstStyle/>
+          <a:p>
+            <a:r>
+              <a:rPr lang="en-US" sz="1500" dirty="0">
+                <a:solidFill>
+                  <a:srgbClr val="00B0F0"/>
+                </a:solidFill>
+                <a:latin typeface="Aharoni" panose="020B0604020202020204" pitchFamily="2" charset="-79"/>
+                <a:cs typeface="Aharoni" panose="020B0604020202020204" pitchFamily="2" charset="-79"/>
+              </a:rPr>
+              <a:t>Elevation</a:t>
+            </a:r>
+          </a:p>
+        </p:txBody>
+      </p:sp>
+      <p:sp>
+        <p:nvSpPr>
+          <p:cNvPr id="33" name="TextBox 32">
+            <a:extLst>
+              <a:ext uri="{FF2B5EF4-FFF2-40B4-BE49-F238E27FC236}">
+                <a16:creationId xmlns:a16="http://schemas.microsoft.com/office/drawing/2014/main" id="{4EAF97AA-3313-4E92-9D96-49944D7B8445}"/>
+              </a:ext>
+            </a:extLst>
+          </p:cNvPr>
+          <p:cNvSpPr txBox="1"/>
+          <p:nvPr/>
+        </p:nvSpPr>
+        <p:spPr>
+          <a:xfrm>
+            <a:off x="7911578" y="2326851"/>
+            <a:ext cx="1481825" cy="323165"/>
+          </a:xfrm>
+          <a:prstGeom prst="rect">
+            <a:avLst/>
+          </a:prstGeom>
+          <a:noFill/>
+        </p:spPr>
+        <p:txBody>
+          <a:bodyPr wrap="square" rtlCol="0">
+            <a:spAutoFit/>
+          </a:bodyPr>
+          <a:lstStyle/>
+          <a:p>
+            <a:r>
+              <a:rPr lang="en-US" sz="1500" dirty="0">
+                <a:solidFill>
+                  <a:srgbClr val="00B050"/>
+                </a:solidFill>
+                <a:latin typeface="Aharoni" panose="020B0604020202020204" pitchFamily="2" charset="-79"/>
+                <a:cs typeface="Aharoni" panose="020B0604020202020204" pitchFamily="2" charset="-79"/>
+              </a:rPr>
+              <a:t>Guilt</a:t>
+            </a:r>
+          </a:p>
+        </p:txBody>
+      </p:sp>
+      <p:sp>
+        <p:nvSpPr>
+          <p:cNvPr id="34" name="TextBox 33">
+            <a:extLst>
+              <a:ext uri="{FF2B5EF4-FFF2-40B4-BE49-F238E27FC236}">
+                <a16:creationId xmlns:a16="http://schemas.microsoft.com/office/drawing/2014/main" id="{C22DAA4A-AF00-470B-AF3A-43ED4EEE1F21}"/>
+              </a:ext>
+            </a:extLst>
+          </p:cNvPr>
+          <p:cNvSpPr txBox="1"/>
+          <p:nvPr/>
+        </p:nvSpPr>
+        <p:spPr>
+          <a:xfrm>
+            <a:off x="8374806" y="2326850"/>
+            <a:ext cx="1481825" cy="323165"/>
+          </a:xfrm>
+          <a:prstGeom prst="rect">
+            <a:avLst/>
+          </a:prstGeom>
+          <a:noFill/>
+        </p:spPr>
+        <p:txBody>
+          <a:bodyPr wrap="square" rtlCol="0">
+            <a:spAutoFit/>
+          </a:bodyPr>
+          <a:lstStyle/>
+          <a:p>
+            <a:r>
+              <a:rPr lang="en-US" sz="1500" dirty="0">
+                <a:solidFill>
+                  <a:srgbClr val="7030A0"/>
+                </a:solidFill>
+                <a:latin typeface="Aharoni" panose="020B0604020202020204" pitchFamily="2" charset="-79"/>
+                <a:cs typeface="Aharoni" panose="020B0604020202020204" pitchFamily="2" charset="-79"/>
+              </a:rPr>
+              <a:t>Compassion</a:t>
+            </a:r>
+          </a:p>
+        </p:txBody>
+      </p:sp>
+      <p:sp>
+        <p:nvSpPr>
+          <p:cNvPr id="35" name="Rectangle 34">
+            <a:extLst>
+              <a:ext uri="{FF2B5EF4-FFF2-40B4-BE49-F238E27FC236}">
+                <a16:creationId xmlns:a16="http://schemas.microsoft.com/office/drawing/2014/main" id="{4E72DC24-7F01-4ED7-924B-854EF5CEB249}"/>
+              </a:ext>
+            </a:extLst>
+          </p:cNvPr>
+          <p:cNvSpPr/>
+          <p:nvPr/>
+        </p:nvSpPr>
+        <p:spPr>
+          <a:xfrm>
+            <a:off x="6212216" y="5673529"/>
+            <a:ext cx="176337" cy="168589"/>
+          </a:xfrm>
+          <a:prstGeom prst="rect">
+            <a:avLst/>
+          </a:prstGeom>
+          <a:solidFill>
+            <a:srgbClr val="FF0000"/>
+          </a:solidFill>
+          <a:ln>
+            <a:noFill/>
+          </a:ln>
+        </p:spPr>
+        <p:style>
+          <a:lnRef idx="2">
+            <a:schemeClr val="accent1">
+              <a:shade val="50000"/>
+            </a:schemeClr>
+          </a:lnRef>
+          <a:fillRef idx="1">
+            <a:schemeClr val="accent1"/>
+          </a:fillRef>
+          <a:effectRef idx="0">
+            <a:schemeClr val="accent1"/>
+          </a:effectRef>
+          <a:fontRef idx="minor">
+            <a:schemeClr val="lt1"/>
+          </a:fontRef>
+        </p:style>
+        <p:txBody>
+          <a:bodyPr rtlCol="0" anchor="ctr"/>
+          <a:lstStyle/>
+          <a:p>
+            <a:pPr algn="ctr"/>
+            <a:endParaRPr lang="en-US">
+              <a:latin typeface="Aharoni" panose="020B0604020202020204" pitchFamily="2" charset="-79"/>
+              <a:cs typeface="Aharoni" panose="020B0604020202020204" pitchFamily="2" charset="-79"/>
+            </a:endParaRPr>
+          </a:p>
+        </p:txBody>
+      </p:sp>
+      <p:sp>
+        <p:nvSpPr>
+          <p:cNvPr id="36" name="Rectangle 35">
+            <a:extLst>
+              <a:ext uri="{FF2B5EF4-FFF2-40B4-BE49-F238E27FC236}">
+                <a16:creationId xmlns:a16="http://schemas.microsoft.com/office/drawing/2014/main" id="{2F5B7BDE-01CB-43BD-829B-BE9FD5233856}"/>
+              </a:ext>
+            </a:extLst>
+          </p:cNvPr>
+          <p:cNvSpPr/>
+          <p:nvPr/>
+        </p:nvSpPr>
+        <p:spPr>
+          <a:xfrm>
+            <a:off x="6212216" y="5893815"/>
+            <a:ext cx="176337" cy="168589"/>
+          </a:xfrm>
+          <a:prstGeom prst="rect">
+            <a:avLst/>
+          </a:prstGeom>
+          <a:solidFill>
+            <a:srgbClr val="00B050"/>
+          </a:solidFill>
+          <a:ln>
+            <a:noFill/>
+          </a:ln>
+        </p:spPr>
+        <p:style>
+          <a:lnRef idx="2">
+            <a:schemeClr val="accent1">
+              <a:shade val="50000"/>
+            </a:schemeClr>
+          </a:lnRef>
+          <a:fillRef idx="1">
+            <a:schemeClr val="accent1"/>
+          </a:fillRef>
+          <a:effectRef idx="0">
+            <a:schemeClr val="accent1"/>
+          </a:effectRef>
+          <a:fontRef idx="minor">
+            <a:schemeClr val="lt1"/>
+          </a:fontRef>
+        </p:style>
+        <p:txBody>
+          <a:bodyPr rtlCol="0" anchor="ctr"/>
+          <a:lstStyle/>
+          <a:p>
+            <a:pPr algn="ctr"/>
+            <a:endParaRPr lang="en-US">
+              <a:latin typeface="Aharoni" panose="020B0604020202020204" pitchFamily="2" charset="-79"/>
+              <a:cs typeface="Aharoni" panose="020B0604020202020204" pitchFamily="2" charset="-79"/>
+            </a:endParaRPr>
+          </a:p>
+        </p:txBody>
+      </p:sp>
+      <p:sp>
+        <p:nvSpPr>
+          <p:cNvPr id="37" name="Rectangle 36">
+            <a:extLst>
+              <a:ext uri="{FF2B5EF4-FFF2-40B4-BE49-F238E27FC236}">
+                <a16:creationId xmlns:a16="http://schemas.microsoft.com/office/drawing/2014/main" id="{8AE5B4E9-D690-4A5A-8FBE-9DE727D90B1E}"/>
+              </a:ext>
+            </a:extLst>
+          </p:cNvPr>
+          <p:cNvSpPr/>
+          <p:nvPr/>
+        </p:nvSpPr>
+        <p:spPr>
+          <a:xfrm>
+            <a:off x="8143618" y="5673698"/>
+            <a:ext cx="176337" cy="168589"/>
+          </a:xfrm>
+          <a:prstGeom prst="rect">
+            <a:avLst/>
+          </a:prstGeom>
+          <a:solidFill>
+            <a:srgbClr val="00B0F0"/>
+          </a:solidFill>
+          <a:ln>
+            <a:noFill/>
+          </a:ln>
+        </p:spPr>
+        <p:style>
+          <a:lnRef idx="2">
+            <a:schemeClr val="accent1">
+              <a:shade val="50000"/>
+            </a:schemeClr>
+          </a:lnRef>
+          <a:fillRef idx="1">
+            <a:schemeClr val="accent1"/>
+          </a:fillRef>
+          <a:effectRef idx="0">
+            <a:schemeClr val="accent1"/>
+          </a:effectRef>
+          <a:fontRef idx="minor">
+            <a:schemeClr val="lt1"/>
+          </a:fontRef>
+        </p:style>
+        <p:txBody>
+          <a:bodyPr rtlCol="0" anchor="ctr"/>
+          <a:lstStyle/>
+          <a:p>
+            <a:pPr algn="ctr"/>
+            <a:endParaRPr lang="en-US">
+              <a:latin typeface="Aharoni" panose="020B0604020202020204" pitchFamily="2" charset="-79"/>
+              <a:cs typeface="Aharoni" panose="020B0604020202020204" pitchFamily="2" charset="-79"/>
+            </a:endParaRPr>
+          </a:p>
+        </p:txBody>
+      </p:sp>
+      <p:sp>
+        <p:nvSpPr>
+          <p:cNvPr id="38" name="Rectangle 37">
+            <a:extLst>
+              <a:ext uri="{FF2B5EF4-FFF2-40B4-BE49-F238E27FC236}">
+                <a16:creationId xmlns:a16="http://schemas.microsoft.com/office/drawing/2014/main" id="{8D205CB9-1F36-4F4F-A2ED-1475CE86BBA0}"/>
+              </a:ext>
+            </a:extLst>
+          </p:cNvPr>
+          <p:cNvSpPr/>
+          <p:nvPr/>
+        </p:nvSpPr>
+        <p:spPr>
+          <a:xfrm>
+            <a:off x="8143618" y="5893984"/>
+            <a:ext cx="176337" cy="168589"/>
+          </a:xfrm>
+          <a:prstGeom prst="rect">
+            <a:avLst/>
+          </a:prstGeom>
+          <a:solidFill>
+            <a:srgbClr val="7030A0"/>
+          </a:solidFill>
+          <a:ln>
+            <a:noFill/>
+          </a:ln>
+        </p:spPr>
+        <p:style>
+          <a:lnRef idx="2">
+            <a:schemeClr val="accent1">
+              <a:shade val="50000"/>
+            </a:schemeClr>
+          </a:lnRef>
+          <a:fillRef idx="1">
+            <a:schemeClr val="accent1"/>
+          </a:fillRef>
+          <a:effectRef idx="0">
+            <a:schemeClr val="accent1"/>
+          </a:effectRef>
+          <a:fontRef idx="minor">
+            <a:schemeClr val="lt1"/>
+          </a:fontRef>
+        </p:style>
+        <p:txBody>
+          <a:bodyPr rtlCol="0" anchor="ctr"/>
+          <a:lstStyle/>
+          <a:p>
+            <a:pPr algn="ctr"/>
+            <a:endParaRPr lang="en-US">
+              <a:latin typeface="Aharoni" panose="020B0604020202020204" pitchFamily="2" charset="-79"/>
+              <a:cs typeface="Aharoni" panose="020B0604020202020204" pitchFamily="2" charset="-79"/>
+            </a:endParaRPr>
+          </a:p>
+        </p:txBody>
+      </p:sp>
+      <p:sp>
+        <p:nvSpPr>
+          <p:cNvPr id="39" name="TextBox 38">
+            <a:extLst>
+              <a:ext uri="{FF2B5EF4-FFF2-40B4-BE49-F238E27FC236}">
+                <a16:creationId xmlns:a16="http://schemas.microsoft.com/office/drawing/2014/main" id="{3EEFE5DF-DD9B-471D-B33C-E9671E87F2A7}"/>
+              </a:ext>
+            </a:extLst>
+          </p:cNvPr>
+          <p:cNvSpPr txBox="1"/>
+          <p:nvPr/>
+        </p:nvSpPr>
+        <p:spPr>
+          <a:xfrm>
+            <a:off x="6339833" y="5597040"/>
+            <a:ext cx="1965967" cy="323165"/>
+          </a:xfrm>
+          <a:prstGeom prst="rect">
+            <a:avLst/>
+          </a:prstGeom>
+          <a:noFill/>
+        </p:spPr>
+        <p:txBody>
+          <a:bodyPr wrap="square" rtlCol="0">
+            <a:spAutoFit/>
+          </a:bodyPr>
+          <a:lstStyle/>
+          <a:p>
+            <a:r>
+              <a:rPr lang="en-US" sz="1500" dirty="0">
+                <a:latin typeface="Aharoni" panose="020B0604020202020204" pitchFamily="2" charset="-79"/>
+                <a:cs typeface="Aharoni" panose="020B0604020202020204" pitchFamily="2" charset="-79"/>
+              </a:rPr>
+              <a:t>Other-condemning</a:t>
+            </a:r>
+          </a:p>
+        </p:txBody>
+      </p:sp>
+      <p:sp>
+        <p:nvSpPr>
+          <p:cNvPr id="40" name="TextBox 39">
+            <a:extLst>
+              <a:ext uri="{FF2B5EF4-FFF2-40B4-BE49-F238E27FC236}">
+                <a16:creationId xmlns:a16="http://schemas.microsoft.com/office/drawing/2014/main" id="{256A36CC-C03C-49AF-A236-0AC421B38CC3}"/>
+              </a:ext>
+            </a:extLst>
+          </p:cNvPr>
+          <p:cNvSpPr txBox="1"/>
+          <p:nvPr/>
+        </p:nvSpPr>
+        <p:spPr>
+          <a:xfrm>
+            <a:off x="6364193" y="5829722"/>
+            <a:ext cx="1740902" cy="323165"/>
+          </a:xfrm>
+          <a:prstGeom prst="rect">
+            <a:avLst/>
+          </a:prstGeom>
+          <a:noFill/>
+        </p:spPr>
+        <p:txBody>
+          <a:bodyPr wrap="square" rtlCol="0">
+            <a:spAutoFit/>
+          </a:bodyPr>
+          <a:lstStyle/>
+          <a:p>
+            <a:r>
+              <a:rPr lang="en-US" sz="1500" dirty="0">
+                <a:latin typeface="Aharoni" panose="020B0604020202020204" pitchFamily="2" charset="-79"/>
+                <a:cs typeface="Aharoni" panose="020B0604020202020204" pitchFamily="2" charset="-79"/>
+              </a:rPr>
+              <a:t>Self-conscious</a:t>
+            </a:r>
+          </a:p>
+        </p:txBody>
+      </p:sp>
+      <p:sp>
+        <p:nvSpPr>
+          <p:cNvPr id="41" name="TextBox 40">
+            <a:extLst>
+              <a:ext uri="{FF2B5EF4-FFF2-40B4-BE49-F238E27FC236}">
+                <a16:creationId xmlns:a16="http://schemas.microsoft.com/office/drawing/2014/main" id="{ECC11226-E682-4545-B681-EEDF76B1A3F7}"/>
+              </a:ext>
+            </a:extLst>
+          </p:cNvPr>
+          <p:cNvSpPr txBox="1"/>
+          <p:nvPr/>
+        </p:nvSpPr>
+        <p:spPr>
+          <a:xfrm>
+            <a:off x="8271235" y="5609100"/>
+            <a:ext cx="1740902" cy="323165"/>
+          </a:xfrm>
+          <a:prstGeom prst="rect">
+            <a:avLst/>
+          </a:prstGeom>
+          <a:noFill/>
+        </p:spPr>
+        <p:txBody>
+          <a:bodyPr wrap="square" rtlCol="0">
+            <a:spAutoFit/>
+          </a:bodyPr>
+          <a:lstStyle/>
+          <a:p>
+            <a:r>
+              <a:rPr lang="en-US" sz="1500" dirty="0">
+                <a:latin typeface="Aharoni" panose="020B0604020202020204" pitchFamily="2" charset="-79"/>
+                <a:cs typeface="Aharoni" panose="020B0604020202020204" pitchFamily="2" charset="-79"/>
+              </a:rPr>
+              <a:t>Other-praising </a:t>
+            </a:r>
+          </a:p>
+        </p:txBody>
+      </p:sp>
+      <p:sp>
+        <p:nvSpPr>
+          <p:cNvPr id="42" name="TextBox 41">
+            <a:extLst>
+              <a:ext uri="{FF2B5EF4-FFF2-40B4-BE49-F238E27FC236}">
+                <a16:creationId xmlns:a16="http://schemas.microsoft.com/office/drawing/2014/main" id="{684292EF-7F14-4DD1-A530-75B737CBB31B}"/>
+              </a:ext>
+            </a:extLst>
+          </p:cNvPr>
+          <p:cNvSpPr txBox="1"/>
+          <p:nvPr/>
+        </p:nvSpPr>
+        <p:spPr>
+          <a:xfrm>
+            <a:off x="8271235" y="5828103"/>
+            <a:ext cx="1740902" cy="323165"/>
+          </a:xfrm>
+          <a:prstGeom prst="rect">
+            <a:avLst/>
+          </a:prstGeom>
+          <a:noFill/>
+        </p:spPr>
+        <p:txBody>
+          <a:bodyPr wrap="square" rtlCol="0">
+            <a:spAutoFit/>
+          </a:bodyPr>
+          <a:lstStyle/>
+          <a:p>
+            <a:r>
+              <a:rPr lang="en-US" sz="1500" dirty="0">
+                <a:latin typeface="Aharoni" panose="020B0604020202020204" pitchFamily="2" charset="-79"/>
+                <a:cs typeface="Aharoni" panose="020B0604020202020204" pitchFamily="2" charset="-79"/>
+              </a:rPr>
+              <a:t>Other-suffering </a:t>
+            </a:r>
+          </a:p>
+        </p:txBody>
+      </p:sp>
+      <p:sp>
+        <p:nvSpPr>
+          <p:cNvPr id="43" name="TextBox 42">
+            <a:extLst>
+              <a:ext uri="{FF2B5EF4-FFF2-40B4-BE49-F238E27FC236}">
+                <a16:creationId xmlns:a16="http://schemas.microsoft.com/office/drawing/2014/main" id="{54C21631-3774-4BFC-84F7-9B4221932735}"/>
+              </a:ext>
+            </a:extLst>
+          </p:cNvPr>
+          <p:cNvSpPr txBox="1"/>
+          <p:nvPr/>
+        </p:nvSpPr>
+        <p:spPr>
+          <a:xfrm>
+            <a:off x="5162878" y="5580854"/>
+            <a:ext cx="941730" cy="553998"/>
+          </a:xfrm>
+          <a:prstGeom prst="rect">
+            <a:avLst/>
+          </a:prstGeom>
+          <a:noFill/>
+        </p:spPr>
+        <p:txBody>
+          <a:bodyPr wrap="square" rtlCol="0">
+            <a:spAutoFit/>
+          </a:bodyPr>
+          <a:lstStyle/>
+          <a:p>
+            <a:pPr algn="r"/>
+            <a:r>
+              <a:rPr lang="en-US" sz="1500" dirty="0">
+                <a:latin typeface="Aharoni" panose="020B0604020202020204" pitchFamily="2" charset="-79"/>
+                <a:cs typeface="Aharoni" panose="020B0604020202020204" pitchFamily="2" charset="-79"/>
+              </a:rPr>
+              <a:t>Emotion </a:t>
+            </a:r>
+          </a:p>
+          <a:p>
+            <a:pPr algn="r"/>
+            <a:r>
+              <a:rPr lang="en-US" sz="1500" dirty="0">
+                <a:latin typeface="Aharoni" panose="020B0604020202020204" pitchFamily="2" charset="-79"/>
+                <a:cs typeface="Aharoni" panose="020B0604020202020204" pitchFamily="2" charset="-79"/>
+              </a:rPr>
+              <a:t>family</a:t>
+            </a:r>
+          </a:p>
+        </p:txBody>
+      </p:sp>
+      <p:sp>
+        <p:nvSpPr>
+          <p:cNvPr id="45" name="TextBox 44">
+            <a:extLst>
+              <a:ext uri="{FF2B5EF4-FFF2-40B4-BE49-F238E27FC236}">
+                <a16:creationId xmlns:a16="http://schemas.microsoft.com/office/drawing/2014/main" id="{336D88B8-729A-4553-8AFA-73A278B737B7}"/>
+              </a:ext>
+            </a:extLst>
+          </p:cNvPr>
+          <p:cNvSpPr txBox="1"/>
+          <p:nvPr/>
+        </p:nvSpPr>
+        <p:spPr>
+          <a:xfrm>
+            <a:off x="4389559" y="1442355"/>
+            <a:ext cx="2807695" cy="477054"/>
+          </a:xfrm>
+          <a:prstGeom prst="rect">
+            <a:avLst/>
+          </a:prstGeom>
+          <a:noFill/>
+        </p:spPr>
+        <p:txBody>
+          <a:bodyPr wrap="square" rtlCol="0">
+            <a:spAutoFit/>
+          </a:bodyPr>
+          <a:lstStyle/>
+          <a:p>
+            <a:r>
+              <a:rPr lang="en-US" sz="2500" b="1" dirty="0">
+                <a:latin typeface="Aharoni" panose="020B0604020202020204" pitchFamily="2" charset="-79"/>
+                <a:cs typeface="Aharoni" panose="020B0604020202020204" pitchFamily="2" charset="-79"/>
+              </a:rPr>
+              <a:t>Moral emotions</a:t>
+            </a:r>
+          </a:p>
+        </p:txBody>
+      </p:sp>
+    </p:spTree>
+    <p:extLst>
+      <p:ext uri="{BB962C8B-B14F-4D97-AF65-F5344CB8AC3E}">
+        <p14:creationId xmlns:p14="http://schemas.microsoft.com/office/powerpoint/2010/main" val="1024273466"/>
       </p:ext>
     </p:extLst>
   </p:cSld>

--- a/lectures/Presentation1.pptx
+++ b/lectures/Presentation1.pptx
@@ -43,6 +43,7 @@
     <p:sldId id="295" r:id="rId37"/>
     <p:sldId id="298" r:id="rId38"/>
     <p:sldId id="299" r:id="rId39"/>
+    <p:sldId id="300" r:id="rId40"/>
   </p:sldIdLst>
   <p:sldSz cx="12192000" cy="6858000"/>
   <p:notesSz cx="6858000" cy="9144000"/>
@@ -7731,6 +7732,4824 @@
 </cs:chartStyle>
 </file>
 
+<file path=ppt/diagrams/colors1.xml><?xml version="1.0" encoding="utf-8"?>
+<dgm:colorsDef xmlns:dgm="http://schemas.openxmlformats.org/drawingml/2006/diagram" xmlns:a="http://schemas.openxmlformats.org/drawingml/2006/main" uniqueId="urn:microsoft.com/office/officeart/2005/8/colors/accent4_3">
+  <dgm:title val=""/>
+  <dgm:desc val=""/>
+  <dgm:catLst>
+    <dgm:cat type="accent4" pri="11300"/>
+  </dgm:catLst>
+  <dgm:styleLbl name="node0">
+    <dgm:fillClrLst meth="repeat">
+      <a:schemeClr val="accent4">
+        <a:shade val="80000"/>
+      </a:schemeClr>
+    </dgm:fillClrLst>
+    <dgm:linClrLst meth="repeat">
+      <a:schemeClr val="lt1"/>
+    </dgm:linClrLst>
+    <dgm:effectClrLst/>
+    <dgm:txLinClrLst/>
+    <dgm:txFillClrLst/>
+    <dgm:txEffectClrLst/>
+  </dgm:styleLbl>
+  <dgm:styleLbl name="node1">
+    <dgm:fillClrLst>
+      <a:schemeClr val="accent4">
+        <a:shade val="80000"/>
+      </a:schemeClr>
+      <a:schemeClr val="accent4">
+        <a:tint val="70000"/>
+      </a:schemeClr>
+    </dgm:fillClrLst>
+    <dgm:linClrLst meth="repeat">
+      <a:schemeClr val="lt1"/>
+    </dgm:linClrLst>
+    <dgm:effectClrLst/>
+    <dgm:txLinClrLst/>
+    <dgm:txFillClrLst/>
+    <dgm:txEffectClrLst/>
+  </dgm:styleLbl>
+  <dgm:styleLbl name="alignNode1">
+    <dgm:fillClrLst>
+      <a:schemeClr val="accent4">
+        <a:shade val="80000"/>
+      </a:schemeClr>
+      <a:schemeClr val="accent4">
+        <a:tint val="70000"/>
+      </a:schemeClr>
+    </dgm:fillClrLst>
+    <dgm:linClrLst>
+      <a:schemeClr val="accent4">
+        <a:shade val="80000"/>
+      </a:schemeClr>
+      <a:schemeClr val="accent4">
+        <a:tint val="70000"/>
+      </a:schemeClr>
+    </dgm:linClrLst>
+    <dgm:effectClrLst/>
+    <dgm:txLinClrLst/>
+    <dgm:txFillClrLst/>
+    <dgm:txEffectClrLst/>
+  </dgm:styleLbl>
+  <dgm:styleLbl name="lnNode1">
+    <dgm:fillClrLst>
+      <a:schemeClr val="accent4">
+        <a:shade val="80000"/>
+      </a:schemeClr>
+      <a:schemeClr val="accent4">
+        <a:tint val="70000"/>
+      </a:schemeClr>
+    </dgm:fillClrLst>
+    <dgm:linClrLst meth="repeat">
+      <a:schemeClr val="lt1"/>
+    </dgm:linClrLst>
+    <dgm:effectClrLst/>
+    <dgm:txLinClrLst/>
+    <dgm:txFillClrLst/>
+    <dgm:txEffectClrLst/>
+  </dgm:styleLbl>
+  <dgm:styleLbl name="vennNode1">
+    <dgm:fillClrLst>
+      <a:schemeClr val="accent4">
+        <a:shade val="80000"/>
+        <a:alpha val="50000"/>
+      </a:schemeClr>
+      <a:schemeClr val="accent4">
+        <a:tint val="70000"/>
+        <a:alpha val="50000"/>
+      </a:schemeClr>
+    </dgm:fillClrLst>
+    <dgm:linClrLst meth="repeat">
+      <a:schemeClr val="lt1"/>
+    </dgm:linClrLst>
+    <dgm:effectClrLst/>
+    <dgm:txLinClrLst/>
+    <dgm:txFillClrLst/>
+    <dgm:txEffectClrLst/>
+  </dgm:styleLbl>
+  <dgm:styleLbl name="node2">
+    <dgm:fillClrLst>
+      <a:schemeClr val="accent4">
+        <a:tint val="99000"/>
+      </a:schemeClr>
+    </dgm:fillClrLst>
+    <dgm:linClrLst meth="repeat">
+      <a:schemeClr val="lt1"/>
+    </dgm:linClrLst>
+    <dgm:effectClrLst/>
+    <dgm:txLinClrLst/>
+    <dgm:txFillClrLst/>
+    <dgm:txEffectClrLst/>
+  </dgm:styleLbl>
+  <dgm:styleLbl name="node3">
+    <dgm:fillClrLst>
+      <a:schemeClr val="accent4">
+        <a:tint val="80000"/>
+      </a:schemeClr>
+    </dgm:fillClrLst>
+    <dgm:linClrLst meth="repeat">
+      <a:schemeClr val="lt1"/>
+    </dgm:linClrLst>
+    <dgm:effectClrLst/>
+    <dgm:txLinClrLst/>
+    <dgm:txFillClrLst/>
+    <dgm:txEffectClrLst/>
+  </dgm:styleLbl>
+  <dgm:styleLbl name="node4">
+    <dgm:fillClrLst>
+      <a:schemeClr val="accent4">
+        <a:tint val="70000"/>
+      </a:schemeClr>
+    </dgm:fillClrLst>
+    <dgm:linClrLst meth="repeat">
+      <a:schemeClr val="lt1"/>
+    </dgm:linClrLst>
+    <dgm:effectClrLst/>
+    <dgm:txLinClrLst/>
+    <dgm:txFillClrLst/>
+    <dgm:txEffectClrLst/>
+  </dgm:styleLbl>
+  <dgm:styleLbl name="fgImgPlace1">
+    <dgm:fillClrLst>
+      <a:schemeClr val="accent4">
+        <a:tint val="50000"/>
+      </a:schemeClr>
+      <a:schemeClr val="accent4">
+        <a:tint val="20000"/>
+      </a:schemeClr>
+    </dgm:fillClrLst>
+    <dgm:linClrLst meth="repeat">
+      <a:schemeClr val="lt1"/>
+    </dgm:linClrLst>
+    <dgm:effectClrLst/>
+    <dgm:txLinClrLst/>
+    <dgm:txFillClrLst meth="repeat">
+      <a:schemeClr val="lt1"/>
+    </dgm:txFillClrLst>
+    <dgm:txEffectClrLst/>
+  </dgm:styleLbl>
+  <dgm:styleLbl name="alignImgPlace1">
+    <dgm:fillClrLst>
+      <a:schemeClr val="accent4">
+        <a:tint val="50000"/>
+      </a:schemeClr>
+      <a:schemeClr val="accent4">
+        <a:tint val="20000"/>
+      </a:schemeClr>
+    </dgm:fillClrLst>
+    <dgm:linClrLst meth="repeat">
+      <a:schemeClr val="lt1"/>
+    </dgm:linClrLst>
+    <dgm:effectClrLst/>
+    <dgm:txLinClrLst/>
+    <dgm:txFillClrLst meth="repeat">
+      <a:schemeClr val="lt1"/>
+    </dgm:txFillClrLst>
+    <dgm:txEffectClrLst/>
+  </dgm:styleLbl>
+  <dgm:styleLbl name="bgImgPlace1">
+    <dgm:fillClrLst>
+      <a:schemeClr val="accent4">
+        <a:tint val="50000"/>
+      </a:schemeClr>
+      <a:schemeClr val="accent4">
+        <a:tint val="20000"/>
+      </a:schemeClr>
+    </dgm:fillClrLst>
+    <dgm:linClrLst meth="repeat">
+      <a:schemeClr val="lt1"/>
+    </dgm:linClrLst>
+    <dgm:effectClrLst/>
+    <dgm:txLinClrLst/>
+    <dgm:txFillClrLst meth="repeat">
+      <a:schemeClr val="lt1"/>
+    </dgm:txFillClrLst>
+    <dgm:txEffectClrLst/>
+  </dgm:styleLbl>
+  <dgm:styleLbl name="sibTrans2D1">
+    <dgm:fillClrLst>
+      <a:schemeClr val="accent4">
+        <a:shade val="90000"/>
+      </a:schemeClr>
+      <a:schemeClr val="accent4">
+        <a:tint val="70000"/>
+      </a:schemeClr>
+    </dgm:fillClrLst>
+    <dgm:linClrLst>
+      <a:schemeClr val="accent4">
+        <a:shade val="90000"/>
+      </a:schemeClr>
+      <a:schemeClr val="accent4">
+        <a:tint val="70000"/>
+      </a:schemeClr>
+    </dgm:linClrLst>
+    <dgm:effectClrLst/>
+    <dgm:txLinClrLst/>
+    <dgm:txFillClrLst/>
+    <dgm:txEffectClrLst/>
+  </dgm:styleLbl>
+  <dgm:styleLbl name="fgSibTrans2D1">
+    <dgm:fillClrLst>
+      <a:schemeClr val="accent4">
+        <a:shade val="90000"/>
+      </a:schemeClr>
+      <a:schemeClr val="accent4">
+        <a:tint val="70000"/>
+      </a:schemeClr>
+    </dgm:fillClrLst>
+    <dgm:linClrLst>
+      <a:schemeClr val="accent4">
+        <a:shade val="90000"/>
+      </a:schemeClr>
+      <a:schemeClr val="accent4">
+        <a:tint val="70000"/>
+      </a:schemeClr>
+    </dgm:linClrLst>
+    <dgm:effectClrLst/>
+    <dgm:txLinClrLst/>
+    <dgm:txFillClrLst meth="repeat">
+      <a:schemeClr val="lt1"/>
+    </dgm:txFillClrLst>
+    <dgm:txEffectClrLst/>
+  </dgm:styleLbl>
+  <dgm:styleLbl name="bgSibTrans2D1">
+    <dgm:fillClrLst>
+      <a:schemeClr val="accent4">
+        <a:shade val="90000"/>
+      </a:schemeClr>
+      <a:schemeClr val="accent4">
+        <a:tint val="70000"/>
+      </a:schemeClr>
+    </dgm:fillClrLst>
+    <dgm:linClrLst>
+      <a:schemeClr val="accent4">
+        <a:shade val="90000"/>
+      </a:schemeClr>
+      <a:schemeClr val="accent4">
+        <a:tint val="70000"/>
+      </a:schemeClr>
+    </dgm:linClrLst>
+    <dgm:effectClrLst/>
+    <dgm:txLinClrLst/>
+    <dgm:txFillClrLst meth="repeat">
+      <a:schemeClr val="lt1"/>
+    </dgm:txFillClrLst>
+    <dgm:txEffectClrLst/>
+  </dgm:styleLbl>
+  <dgm:styleLbl name="sibTrans1D1">
+    <dgm:fillClrLst>
+      <a:schemeClr val="accent4">
+        <a:shade val="90000"/>
+      </a:schemeClr>
+      <a:schemeClr val="accent4">
+        <a:tint val="70000"/>
+      </a:schemeClr>
+    </dgm:fillClrLst>
+    <dgm:linClrLst>
+      <a:schemeClr val="accent4">
+        <a:shade val="90000"/>
+      </a:schemeClr>
+      <a:schemeClr val="accent4">
+        <a:tint val="70000"/>
+      </a:schemeClr>
+    </dgm:linClrLst>
+    <dgm:effectClrLst/>
+    <dgm:txLinClrLst/>
+    <dgm:txFillClrLst meth="repeat">
+      <a:schemeClr val="tx1"/>
+    </dgm:txFillClrLst>
+    <dgm:txEffectClrLst/>
+  </dgm:styleLbl>
+  <dgm:styleLbl name="callout">
+    <dgm:fillClrLst meth="repeat">
+      <a:schemeClr val="accent4"/>
+    </dgm:fillClrLst>
+    <dgm:linClrLst meth="repeat">
+      <a:schemeClr val="accent4"/>
+    </dgm:linClrLst>
+    <dgm:effectClrLst/>
+    <dgm:txLinClrLst/>
+    <dgm:txFillClrLst meth="repeat">
+      <a:schemeClr val="tx1"/>
+    </dgm:txFillClrLst>
+    <dgm:txEffectClrLst/>
+  </dgm:styleLbl>
+  <dgm:styleLbl name="asst0">
+    <dgm:fillClrLst meth="repeat">
+      <a:schemeClr val="accent4">
+        <a:shade val="80000"/>
+      </a:schemeClr>
+    </dgm:fillClrLst>
+    <dgm:linClrLst meth="repeat">
+      <a:schemeClr val="lt1"/>
+    </dgm:linClrLst>
+    <dgm:effectClrLst/>
+    <dgm:txLinClrLst/>
+    <dgm:txFillClrLst/>
+    <dgm:txEffectClrLst/>
+  </dgm:styleLbl>
+  <dgm:styleLbl name="asst1">
+    <dgm:fillClrLst meth="repeat">
+      <a:schemeClr val="accent4">
+        <a:shade val="80000"/>
+      </a:schemeClr>
+    </dgm:fillClrLst>
+    <dgm:linClrLst meth="repeat">
+      <a:schemeClr val="lt1"/>
+    </dgm:linClrLst>
+    <dgm:effectClrLst/>
+    <dgm:txLinClrLst/>
+    <dgm:txFillClrLst/>
+    <dgm:txEffectClrLst/>
+  </dgm:styleLbl>
+  <dgm:styleLbl name="asst2">
+    <dgm:fillClrLst>
+      <a:schemeClr val="accent4">
+        <a:tint val="99000"/>
+      </a:schemeClr>
+    </dgm:fillClrLst>
+    <dgm:linClrLst meth="repeat">
+      <a:schemeClr val="lt1"/>
+    </dgm:linClrLst>
+    <dgm:effectClrLst/>
+    <dgm:txLinClrLst/>
+    <dgm:txFillClrLst/>
+    <dgm:txEffectClrLst/>
+  </dgm:styleLbl>
+  <dgm:styleLbl name="asst3">
+    <dgm:fillClrLst>
+      <a:schemeClr val="accent4">
+        <a:tint val="80000"/>
+      </a:schemeClr>
+    </dgm:fillClrLst>
+    <dgm:linClrLst meth="repeat">
+      <a:schemeClr val="lt1"/>
+    </dgm:linClrLst>
+    <dgm:effectClrLst/>
+    <dgm:txLinClrLst/>
+    <dgm:txFillClrLst/>
+    <dgm:txEffectClrLst/>
+  </dgm:styleLbl>
+  <dgm:styleLbl name="asst4">
+    <dgm:fillClrLst>
+      <a:schemeClr val="accent4">
+        <a:tint val="70000"/>
+      </a:schemeClr>
+    </dgm:fillClrLst>
+    <dgm:linClrLst meth="repeat">
+      <a:schemeClr val="lt1"/>
+    </dgm:linClrLst>
+    <dgm:effectClrLst/>
+    <dgm:txLinClrLst/>
+    <dgm:txFillClrLst/>
+    <dgm:txEffectClrLst/>
+  </dgm:styleLbl>
+  <dgm:styleLbl name="parChTrans2D1">
+    <dgm:fillClrLst meth="repeat">
+      <a:schemeClr val="accent4">
+        <a:tint val="60000"/>
+      </a:schemeClr>
+    </dgm:fillClrLst>
+    <dgm:linClrLst meth="repeat">
+      <a:schemeClr val="accent4">
+        <a:tint val="60000"/>
+      </a:schemeClr>
+    </dgm:linClrLst>
+    <dgm:effectClrLst/>
+    <dgm:txLinClrLst/>
+    <dgm:txFillClrLst meth="repeat">
+      <a:schemeClr val="lt1"/>
+    </dgm:txFillClrLst>
+    <dgm:txEffectClrLst/>
+  </dgm:styleLbl>
+  <dgm:styleLbl name="parChTrans2D2">
+    <dgm:fillClrLst meth="repeat">
+      <a:schemeClr val="accent4">
+        <a:tint val="90000"/>
+      </a:schemeClr>
+    </dgm:fillClrLst>
+    <dgm:linClrLst meth="repeat">
+      <a:schemeClr val="accent4">
+        <a:tint val="90000"/>
+      </a:schemeClr>
+    </dgm:linClrLst>
+    <dgm:effectClrLst/>
+    <dgm:txLinClrLst/>
+    <dgm:txFillClrLst/>
+    <dgm:txEffectClrLst/>
+  </dgm:styleLbl>
+  <dgm:styleLbl name="parChTrans2D3">
+    <dgm:fillClrLst meth="repeat">
+      <a:schemeClr val="accent4">
+        <a:tint val="70000"/>
+      </a:schemeClr>
+    </dgm:fillClrLst>
+    <dgm:linClrLst meth="repeat">
+      <a:schemeClr val="accent4">
+        <a:tint val="70000"/>
+      </a:schemeClr>
+    </dgm:linClrLst>
+    <dgm:effectClrLst/>
+    <dgm:txLinClrLst/>
+    <dgm:txFillClrLst/>
+    <dgm:txEffectClrLst/>
+  </dgm:styleLbl>
+  <dgm:styleLbl name="parChTrans2D4">
+    <dgm:fillClrLst meth="repeat">
+      <a:schemeClr val="accent4">
+        <a:tint val="50000"/>
+      </a:schemeClr>
+    </dgm:fillClrLst>
+    <dgm:linClrLst meth="repeat">
+      <a:schemeClr val="accent4">
+        <a:tint val="50000"/>
+      </a:schemeClr>
+    </dgm:linClrLst>
+    <dgm:effectClrLst/>
+    <dgm:txLinClrLst/>
+    <dgm:txFillClrLst meth="repeat">
+      <a:schemeClr val="lt1"/>
+    </dgm:txFillClrLst>
+    <dgm:txEffectClrLst/>
+  </dgm:styleLbl>
+  <dgm:styleLbl name="parChTrans1D1">
+    <dgm:fillClrLst meth="repeat">
+      <a:schemeClr val="accent4">
+        <a:shade val="80000"/>
+      </a:schemeClr>
+    </dgm:fillClrLst>
+    <dgm:linClrLst meth="repeat">
+      <a:schemeClr val="accent4">
+        <a:shade val="80000"/>
+      </a:schemeClr>
+    </dgm:linClrLst>
+    <dgm:effectClrLst/>
+    <dgm:txLinClrLst/>
+    <dgm:txFillClrLst meth="repeat">
+      <a:schemeClr val="tx1"/>
+    </dgm:txFillClrLst>
+    <dgm:txEffectClrLst/>
+  </dgm:styleLbl>
+  <dgm:styleLbl name="parChTrans1D2">
+    <dgm:fillClrLst meth="repeat">
+      <a:schemeClr val="accent4">
+        <a:tint val="99000"/>
+      </a:schemeClr>
+    </dgm:fillClrLst>
+    <dgm:linClrLst meth="repeat">
+      <a:schemeClr val="accent4">
+        <a:tint val="99000"/>
+      </a:schemeClr>
+    </dgm:linClrLst>
+    <dgm:effectClrLst/>
+    <dgm:txLinClrLst/>
+    <dgm:txFillClrLst meth="repeat">
+      <a:schemeClr val="tx1"/>
+    </dgm:txFillClrLst>
+    <dgm:txEffectClrLst/>
+  </dgm:styleLbl>
+  <dgm:styleLbl name="parChTrans1D3">
+    <dgm:fillClrLst meth="repeat">
+      <a:schemeClr val="accent4">
+        <a:tint val="80000"/>
+      </a:schemeClr>
+    </dgm:fillClrLst>
+    <dgm:linClrLst meth="repeat">
+      <a:schemeClr val="accent4">
+        <a:tint val="80000"/>
+      </a:schemeClr>
+    </dgm:linClrLst>
+    <dgm:effectClrLst/>
+    <dgm:txLinClrLst/>
+    <dgm:txFillClrLst meth="repeat">
+      <a:schemeClr val="tx1"/>
+    </dgm:txFillClrLst>
+    <dgm:txEffectClrLst/>
+  </dgm:styleLbl>
+  <dgm:styleLbl name="parChTrans1D4">
+    <dgm:fillClrLst meth="repeat">
+      <a:schemeClr val="accent4">
+        <a:tint val="70000"/>
+      </a:schemeClr>
+    </dgm:fillClrLst>
+    <dgm:linClrLst meth="repeat">
+      <a:schemeClr val="accent4">
+        <a:tint val="70000"/>
+      </a:schemeClr>
+    </dgm:linClrLst>
+    <dgm:effectClrLst/>
+    <dgm:txLinClrLst/>
+    <dgm:txFillClrLst meth="repeat">
+      <a:schemeClr val="tx1"/>
+    </dgm:txFillClrLst>
+    <dgm:txEffectClrLst/>
+  </dgm:styleLbl>
+  <dgm:styleLbl name="fgAcc1">
+    <dgm:fillClrLst meth="repeat">
+      <a:schemeClr val="lt1">
+        <a:alpha val="90000"/>
+      </a:schemeClr>
+    </dgm:fillClrLst>
+    <dgm:linClrLst>
+      <a:schemeClr val="accent4">
+        <a:shade val="80000"/>
+      </a:schemeClr>
+      <a:schemeClr val="accent4">
+        <a:tint val="70000"/>
+      </a:schemeClr>
+    </dgm:linClrLst>
+    <dgm:effectClrLst/>
+    <dgm:txLinClrLst/>
+    <dgm:txFillClrLst meth="repeat">
+      <a:schemeClr val="dk1"/>
+    </dgm:txFillClrLst>
+    <dgm:txEffectClrLst/>
+  </dgm:styleLbl>
+  <dgm:styleLbl name="conFgAcc1">
+    <dgm:fillClrLst meth="repeat">
+      <a:schemeClr val="lt1">
+        <a:alpha val="90000"/>
+      </a:schemeClr>
+    </dgm:fillClrLst>
+    <dgm:linClrLst>
+      <a:schemeClr val="accent4">
+        <a:shade val="80000"/>
+      </a:schemeClr>
+      <a:schemeClr val="accent4">
+        <a:tint val="70000"/>
+      </a:schemeClr>
+    </dgm:linClrLst>
+    <dgm:effectClrLst/>
+    <dgm:txLinClrLst/>
+    <dgm:txFillClrLst meth="repeat">
+      <a:schemeClr val="dk1"/>
+    </dgm:txFillClrLst>
+    <dgm:txEffectClrLst/>
+  </dgm:styleLbl>
+  <dgm:styleLbl name="alignAcc1">
+    <dgm:fillClrLst meth="repeat">
+      <a:schemeClr val="lt1">
+        <a:alpha val="90000"/>
+      </a:schemeClr>
+    </dgm:fillClrLst>
+    <dgm:linClrLst>
+      <a:schemeClr val="accent4">
+        <a:shade val="80000"/>
+      </a:schemeClr>
+      <a:schemeClr val="accent4">
+        <a:tint val="70000"/>
+      </a:schemeClr>
+    </dgm:linClrLst>
+    <dgm:effectClrLst/>
+    <dgm:txLinClrLst/>
+    <dgm:txFillClrLst meth="repeat">
+      <a:schemeClr val="dk1"/>
+    </dgm:txFillClrLst>
+    <dgm:txEffectClrLst/>
+  </dgm:styleLbl>
+  <dgm:styleLbl name="trAlignAcc1">
+    <dgm:fillClrLst meth="repeat">
+      <a:schemeClr val="lt1">
+        <a:alpha val="40000"/>
+      </a:schemeClr>
+    </dgm:fillClrLst>
+    <dgm:linClrLst meth="repeat">
+      <a:schemeClr val="accent4"/>
+    </dgm:linClrLst>
+    <dgm:effectClrLst/>
+    <dgm:txLinClrLst/>
+    <dgm:txFillClrLst meth="repeat">
+      <a:schemeClr val="dk1"/>
+    </dgm:txFillClrLst>
+    <dgm:txEffectClrLst/>
+  </dgm:styleLbl>
+  <dgm:styleLbl name="bgAcc1">
+    <dgm:fillClrLst meth="repeat">
+      <a:schemeClr val="lt1">
+        <a:alpha val="90000"/>
+      </a:schemeClr>
+    </dgm:fillClrLst>
+    <dgm:linClrLst>
+      <a:schemeClr val="accent4">
+        <a:shade val="80000"/>
+      </a:schemeClr>
+      <a:schemeClr val="accent4">
+        <a:tint val="70000"/>
+      </a:schemeClr>
+    </dgm:linClrLst>
+    <dgm:effectClrLst/>
+    <dgm:txLinClrLst/>
+    <dgm:txFillClrLst meth="repeat">
+      <a:schemeClr val="dk1"/>
+    </dgm:txFillClrLst>
+    <dgm:txEffectClrLst/>
+  </dgm:styleLbl>
+  <dgm:styleLbl name="solidFgAcc1">
+    <dgm:fillClrLst meth="repeat">
+      <a:schemeClr val="lt1"/>
+    </dgm:fillClrLst>
+    <dgm:linClrLst>
+      <a:schemeClr val="accent4">
+        <a:shade val="80000"/>
+      </a:schemeClr>
+      <a:schemeClr val="accent4">
+        <a:tint val="70000"/>
+      </a:schemeClr>
+    </dgm:linClrLst>
+    <dgm:effectClrLst/>
+    <dgm:txLinClrLst/>
+    <dgm:txFillClrLst meth="repeat">
+      <a:schemeClr val="dk1"/>
+    </dgm:txFillClrLst>
+    <dgm:txEffectClrLst/>
+  </dgm:styleLbl>
+  <dgm:styleLbl name="solidAlignAcc1">
+    <dgm:fillClrLst meth="repeat">
+      <a:schemeClr val="lt1"/>
+    </dgm:fillClrLst>
+    <dgm:linClrLst meth="repeat">
+      <a:schemeClr val="accent4"/>
+    </dgm:linClrLst>
+    <dgm:effectClrLst/>
+    <dgm:txLinClrLst/>
+    <dgm:txFillClrLst meth="repeat">
+      <a:schemeClr val="dk1"/>
+    </dgm:txFillClrLst>
+    <dgm:txEffectClrLst/>
+  </dgm:styleLbl>
+  <dgm:styleLbl name="solidBgAcc1">
+    <dgm:fillClrLst meth="repeat">
+      <a:schemeClr val="lt1"/>
+    </dgm:fillClrLst>
+    <dgm:linClrLst meth="repeat">
+      <a:schemeClr val="accent4"/>
+    </dgm:linClrLst>
+    <dgm:effectClrLst/>
+    <dgm:txLinClrLst/>
+    <dgm:txFillClrLst meth="repeat">
+      <a:schemeClr val="dk1"/>
+    </dgm:txFillClrLst>
+    <dgm:txEffectClrLst/>
+  </dgm:styleLbl>
+  <dgm:styleLbl name="fgAccFollowNode1">
+    <dgm:fillClrLst meth="repeat">
+      <a:schemeClr val="accent4">
+        <a:alpha val="90000"/>
+        <a:tint val="40000"/>
+      </a:schemeClr>
+    </dgm:fillClrLst>
+    <dgm:linClrLst meth="repeat">
+      <a:schemeClr val="accent4">
+        <a:alpha val="90000"/>
+        <a:tint val="40000"/>
+      </a:schemeClr>
+    </dgm:linClrLst>
+    <dgm:effectClrLst/>
+    <dgm:txLinClrLst/>
+    <dgm:txFillClrLst meth="repeat">
+      <a:schemeClr val="dk1"/>
+    </dgm:txFillClrLst>
+    <dgm:txEffectClrLst/>
+  </dgm:styleLbl>
+  <dgm:styleLbl name="alignAccFollowNode1">
+    <dgm:fillClrLst meth="repeat">
+      <a:schemeClr val="accent4">
+        <a:alpha val="90000"/>
+        <a:tint val="40000"/>
+      </a:schemeClr>
+    </dgm:fillClrLst>
+    <dgm:linClrLst meth="repeat">
+      <a:schemeClr val="accent4">
+        <a:alpha val="90000"/>
+        <a:tint val="40000"/>
+      </a:schemeClr>
+    </dgm:linClrLst>
+    <dgm:effectClrLst/>
+    <dgm:txLinClrLst/>
+    <dgm:txFillClrLst meth="repeat">
+      <a:schemeClr val="dk1"/>
+    </dgm:txFillClrLst>
+    <dgm:txEffectClrLst/>
+  </dgm:styleLbl>
+  <dgm:styleLbl name="bgAccFollowNode1">
+    <dgm:fillClrLst meth="repeat">
+      <a:schemeClr val="accent4">
+        <a:alpha val="90000"/>
+        <a:tint val="40000"/>
+      </a:schemeClr>
+    </dgm:fillClrLst>
+    <dgm:linClrLst meth="repeat">
+      <a:schemeClr val="lt1"/>
+    </dgm:linClrLst>
+    <dgm:effectClrLst/>
+    <dgm:txLinClrLst/>
+    <dgm:txFillClrLst meth="repeat">
+      <a:schemeClr val="dk1"/>
+    </dgm:txFillClrLst>
+    <dgm:txEffectClrLst/>
+  </dgm:styleLbl>
+  <dgm:styleLbl name="fgAcc0">
+    <dgm:fillClrLst meth="repeat">
+      <a:schemeClr val="lt1">
+        <a:alpha val="90000"/>
+      </a:schemeClr>
+    </dgm:fillClrLst>
+    <dgm:linClrLst meth="repeat">
+      <a:schemeClr val="accent4">
+        <a:shade val="80000"/>
+      </a:schemeClr>
+    </dgm:linClrLst>
+    <dgm:effectClrLst/>
+    <dgm:txLinClrLst/>
+    <dgm:txFillClrLst meth="repeat">
+      <a:schemeClr val="dk1"/>
+    </dgm:txFillClrLst>
+    <dgm:txEffectClrLst/>
+  </dgm:styleLbl>
+  <dgm:styleLbl name="fgAcc2">
+    <dgm:fillClrLst meth="repeat">
+      <a:schemeClr val="lt1">
+        <a:alpha val="90000"/>
+      </a:schemeClr>
+    </dgm:fillClrLst>
+    <dgm:linClrLst meth="repeat">
+      <a:schemeClr val="accent4">
+        <a:tint val="99000"/>
+      </a:schemeClr>
+    </dgm:linClrLst>
+    <dgm:effectClrLst/>
+    <dgm:txLinClrLst/>
+    <dgm:txFillClrLst meth="repeat">
+      <a:schemeClr val="dk1"/>
+    </dgm:txFillClrLst>
+    <dgm:txEffectClrLst/>
+  </dgm:styleLbl>
+  <dgm:styleLbl name="fgAcc3">
+    <dgm:fillClrLst meth="repeat">
+      <a:schemeClr val="lt1">
+        <a:alpha val="90000"/>
+      </a:schemeClr>
+    </dgm:fillClrLst>
+    <dgm:linClrLst meth="repeat">
+      <a:schemeClr val="accent4">
+        <a:tint val="80000"/>
+      </a:schemeClr>
+    </dgm:linClrLst>
+    <dgm:effectClrLst/>
+    <dgm:txLinClrLst/>
+    <dgm:txFillClrLst meth="repeat">
+      <a:schemeClr val="dk1"/>
+    </dgm:txFillClrLst>
+    <dgm:txEffectClrLst/>
+  </dgm:styleLbl>
+  <dgm:styleLbl name="fgAcc4">
+    <dgm:fillClrLst meth="repeat">
+      <a:schemeClr val="lt1">
+        <a:alpha val="90000"/>
+      </a:schemeClr>
+    </dgm:fillClrLst>
+    <dgm:linClrLst meth="repeat">
+      <a:schemeClr val="accent4">
+        <a:tint val="70000"/>
+      </a:schemeClr>
+    </dgm:linClrLst>
+    <dgm:effectClrLst/>
+    <dgm:txLinClrLst/>
+    <dgm:txFillClrLst meth="repeat">
+      <a:schemeClr val="dk1"/>
+    </dgm:txFillClrLst>
+    <dgm:txEffectClrLst/>
+  </dgm:styleLbl>
+  <dgm:styleLbl name="bgShp">
+    <dgm:fillClrLst meth="repeat">
+      <a:schemeClr val="accent4">
+        <a:tint val="40000"/>
+      </a:schemeClr>
+    </dgm:fillClrLst>
+    <dgm:linClrLst meth="repeat">
+      <a:schemeClr val="dk1"/>
+    </dgm:linClrLst>
+    <dgm:effectClrLst/>
+    <dgm:txLinClrLst/>
+    <dgm:txFillClrLst meth="repeat">
+      <a:schemeClr val="dk1"/>
+    </dgm:txFillClrLst>
+    <dgm:txEffectClrLst/>
+  </dgm:styleLbl>
+  <dgm:styleLbl name="dkBgShp">
+    <dgm:fillClrLst meth="repeat">
+      <a:schemeClr val="accent4">
+        <a:shade val="90000"/>
+      </a:schemeClr>
+    </dgm:fillClrLst>
+    <dgm:linClrLst meth="repeat">
+      <a:schemeClr val="dk1"/>
+    </dgm:linClrLst>
+    <dgm:effectClrLst/>
+    <dgm:txLinClrLst/>
+    <dgm:txFillClrLst meth="repeat">
+      <a:schemeClr val="lt1"/>
+    </dgm:txFillClrLst>
+    <dgm:txEffectClrLst/>
+  </dgm:styleLbl>
+  <dgm:styleLbl name="trBgShp">
+    <dgm:fillClrLst meth="repeat">
+      <a:schemeClr val="accent4">
+        <a:tint val="50000"/>
+        <a:alpha val="40000"/>
+      </a:schemeClr>
+    </dgm:fillClrLst>
+    <dgm:linClrLst meth="repeat">
+      <a:schemeClr val="accent4"/>
+    </dgm:linClrLst>
+    <dgm:effectClrLst/>
+    <dgm:txLinClrLst/>
+    <dgm:txFillClrLst meth="repeat">
+      <a:schemeClr val="lt1"/>
+    </dgm:txFillClrLst>
+    <dgm:txEffectClrLst/>
+  </dgm:styleLbl>
+  <dgm:styleLbl name="fgShp">
+    <dgm:fillClrLst meth="repeat">
+      <a:schemeClr val="accent4">
+        <a:tint val="40000"/>
+      </a:schemeClr>
+    </dgm:fillClrLst>
+    <dgm:linClrLst meth="repeat">
+      <a:schemeClr val="lt1"/>
+    </dgm:linClrLst>
+    <dgm:effectClrLst/>
+    <dgm:txLinClrLst/>
+    <dgm:txFillClrLst meth="repeat">
+      <a:schemeClr val="dk1"/>
+    </dgm:txFillClrLst>
+    <dgm:txEffectClrLst/>
+  </dgm:styleLbl>
+  <dgm:styleLbl name="revTx">
+    <dgm:fillClrLst meth="repeat">
+      <a:schemeClr val="lt1">
+        <a:alpha val="0"/>
+      </a:schemeClr>
+    </dgm:fillClrLst>
+    <dgm:linClrLst meth="repeat">
+      <a:schemeClr val="dk1">
+        <a:alpha val="0"/>
+      </a:schemeClr>
+    </dgm:linClrLst>
+    <dgm:effectClrLst/>
+    <dgm:txLinClrLst/>
+    <dgm:txFillClrLst meth="repeat">
+      <a:schemeClr val="tx1"/>
+    </dgm:txFillClrLst>
+    <dgm:txEffectClrLst/>
+  </dgm:styleLbl>
+</dgm:colorsDef>
+</file>
+
+<file path=ppt/diagrams/data1.xml><?xml version="1.0" encoding="utf-8"?>
+<dgm:dataModel xmlns:dgm="http://schemas.openxmlformats.org/drawingml/2006/diagram" xmlns:a="http://schemas.openxmlformats.org/drawingml/2006/main">
+  <dgm:ptLst>
+    <dgm:pt modelId="{A8A7AE3F-B95B-4F9E-AC08-2762A3868354}" type="doc">
+      <dgm:prSet loTypeId="urn:microsoft.com/office/officeart/2009/3/layout/HorizontalOrganizationChart" loCatId="hierarchy" qsTypeId="urn:microsoft.com/office/officeart/2005/8/quickstyle/simple1" qsCatId="simple" csTypeId="urn:microsoft.com/office/officeart/2005/8/colors/accent4_3" csCatId="accent4" phldr="1"/>
+      <dgm:spPr/>
+      <dgm:t>
+        <a:bodyPr/>
+        <a:lstStyle/>
+        <a:p>
+          <a:endParaRPr lang="en-US"/>
+        </a:p>
+      </dgm:t>
+    </dgm:pt>
+    <dgm:pt modelId="{909BFFB9-5CAC-4F91-A8CB-4F2D3DEB6D69}">
+      <dgm:prSet phldrT="[Text]" custT="1"/>
+      <dgm:spPr>
+        <a:solidFill>
+          <a:srgbClr val="E6F0FF"/>
+        </a:solidFill>
+        <a:ln w="76200">
+          <a:solidFill>
+            <a:schemeClr val="tx1"/>
+          </a:solidFill>
+        </a:ln>
+      </dgm:spPr>
+      <dgm:t>
+        <a:bodyPr/>
+        <a:lstStyle/>
+        <a:p>
+          <a:r>
+            <a:rPr lang="en-US" sz="3500" dirty="0">
+              <a:solidFill>
+                <a:schemeClr val="tx1"/>
+              </a:solidFill>
+              <a:latin typeface="Times New Roman" panose="02020603050405020304" pitchFamily="18" charset="0"/>
+              <a:cs typeface="Times New Roman" panose="02020603050405020304" pitchFamily="18" charset="0"/>
+            </a:rPr>
+            <a:t>Autonomy</a:t>
+          </a:r>
+        </a:p>
+      </dgm:t>
+    </dgm:pt>
+    <dgm:pt modelId="{394CB883-F72C-4989-966E-AC553FD81DE9}" type="parTrans" cxnId="{5FEB0BC3-80A3-43C4-817C-3BAB2D4AA323}">
+      <dgm:prSet/>
+      <dgm:spPr/>
+      <dgm:t>
+        <a:bodyPr/>
+        <a:lstStyle/>
+        <a:p>
+          <a:endParaRPr lang="en-US"/>
+        </a:p>
+      </dgm:t>
+    </dgm:pt>
+    <dgm:pt modelId="{44A46CE5-BB4A-4A71-B864-C1220EB2D3E3}" type="sibTrans" cxnId="{5FEB0BC3-80A3-43C4-817C-3BAB2D4AA323}">
+      <dgm:prSet/>
+      <dgm:spPr/>
+      <dgm:t>
+        <a:bodyPr/>
+        <a:lstStyle/>
+        <a:p>
+          <a:endParaRPr lang="en-US"/>
+        </a:p>
+      </dgm:t>
+    </dgm:pt>
+    <dgm:pt modelId="{FE65366B-37B8-40F9-BF59-B9F6F92C7BA4}">
+      <dgm:prSet phldrT="[Text]" custT="1"/>
+      <dgm:spPr>
+        <a:solidFill>
+          <a:srgbClr val="EDEDED"/>
+        </a:solidFill>
+        <a:ln w="76200">
+          <a:solidFill>
+            <a:schemeClr val="tx1"/>
+          </a:solidFill>
+        </a:ln>
+      </dgm:spPr>
+      <dgm:t>
+        <a:bodyPr/>
+        <a:lstStyle/>
+        <a:p>
+          <a:r>
+            <a:rPr lang="en-US" sz="3500" dirty="0">
+              <a:solidFill>
+                <a:schemeClr val="tx1"/>
+              </a:solidFill>
+              <a:latin typeface="Times New Roman" panose="02020603050405020304" pitchFamily="18" charset="0"/>
+              <a:cs typeface="Times New Roman" panose="02020603050405020304" pitchFamily="18" charset="0"/>
+            </a:rPr>
+            <a:t>Care/harm</a:t>
+          </a:r>
+        </a:p>
+      </dgm:t>
+    </dgm:pt>
+    <dgm:pt modelId="{CE3C51ED-6B39-455E-B36A-E458CA3BD755}" type="parTrans" cxnId="{84DFB7A2-A330-4458-A50C-DD22E4682CD3}">
+      <dgm:prSet/>
+      <dgm:spPr>
+        <a:ln w="76200">
+          <a:solidFill>
+            <a:schemeClr val="tx1"/>
+          </a:solidFill>
+        </a:ln>
+      </dgm:spPr>
+      <dgm:t>
+        <a:bodyPr/>
+        <a:lstStyle/>
+        <a:p>
+          <a:endParaRPr lang="en-US"/>
+        </a:p>
+      </dgm:t>
+    </dgm:pt>
+    <dgm:pt modelId="{6B76DBDD-BAED-4EBA-B031-4D7B759CDF34}" type="sibTrans" cxnId="{84DFB7A2-A330-4458-A50C-DD22E4682CD3}">
+      <dgm:prSet/>
+      <dgm:spPr/>
+      <dgm:t>
+        <a:bodyPr/>
+        <a:lstStyle/>
+        <a:p>
+          <a:endParaRPr lang="en-US"/>
+        </a:p>
+      </dgm:t>
+    </dgm:pt>
+    <dgm:pt modelId="{1BC084C6-49D5-4535-B15C-C3F44F147941}">
+      <dgm:prSet phldrT="[Text]" custT="1"/>
+      <dgm:spPr>
+        <a:solidFill>
+          <a:srgbClr val="EDEDED"/>
+        </a:solidFill>
+        <a:ln w="76200">
+          <a:solidFill>
+            <a:schemeClr val="tx1"/>
+          </a:solidFill>
+        </a:ln>
+      </dgm:spPr>
+      <dgm:t>
+        <a:bodyPr/>
+        <a:lstStyle/>
+        <a:p>
+          <a:r>
+            <a:rPr lang="en-US" sz="3500" dirty="0">
+              <a:solidFill>
+                <a:schemeClr val="tx1"/>
+              </a:solidFill>
+              <a:latin typeface="Times New Roman" panose="02020603050405020304" pitchFamily="18" charset="0"/>
+              <a:cs typeface="Times New Roman" panose="02020603050405020304" pitchFamily="18" charset="0"/>
+            </a:rPr>
+            <a:t>Fairness</a:t>
+          </a:r>
+        </a:p>
+      </dgm:t>
+    </dgm:pt>
+    <dgm:pt modelId="{6BFFC412-79E9-42FA-8C39-4408D8A983DF}" type="parTrans" cxnId="{BF90C83C-C814-47BE-990B-A38C85578AF0}">
+      <dgm:prSet/>
+      <dgm:spPr>
+        <a:solidFill>
+          <a:srgbClr val="E6F0FF"/>
+        </a:solidFill>
+        <a:ln w="76200">
+          <a:solidFill>
+            <a:schemeClr val="tx1"/>
+          </a:solidFill>
+        </a:ln>
+      </dgm:spPr>
+      <dgm:t>
+        <a:bodyPr/>
+        <a:lstStyle/>
+        <a:p>
+          <a:endParaRPr lang="en-US"/>
+        </a:p>
+      </dgm:t>
+    </dgm:pt>
+    <dgm:pt modelId="{97094205-84CC-4352-A443-2C4B933C1F70}" type="sibTrans" cxnId="{BF90C83C-C814-47BE-990B-A38C85578AF0}">
+      <dgm:prSet/>
+      <dgm:spPr/>
+      <dgm:t>
+        <a:bodyPr/>
+        <a:lstStyle/>
+        <a:p>
+          <a:endParaRPr lang="en-US"/>
+        </a:p>
+      </dgm:t>
+    </dgm:pt>
+    <dgm:pt modelId="{5266D93B-0823-4966-9DF8-C8A72F7FADE2}">
+      <dgm:prSet phldrT="[Text]" custT="1"/>
+      <dgm:spPr>
+        <a:solidFill>
+          <a:srgbClr val="E6F0FF"/>
+        </a:solidFill>
+        <a:ln w="76200">
+          <a:solidFill>
+            <a:schemeClr val="tx1"/>
+          </a:solidFill>
+        </a:ln>
+      </dgm:spPr>
+      <dgm:t>
+        <a:bodyPr/>
+        <a:lstStyle/>
+        <a:p>
+          <a:r>
+            <a:rPr lang="en-US" sz="3500" dirty="0">
+              <a:solidFill>
+                <a:schemeClr val="tx1"/>
+              </a:solidFill>
+              <a:latin typeface="Times New Roman" panose="02020603050405020304" pitchFamily="18" charset="0"/>
+              <a:cs typeface="Times New Roman" panose="02020603050405020304" pitchFamily="18" charset="0"/>
+            </a:rPr>
+            <a:t>Community</a:t>
+          </a:r>
+        </a:p>
+      </dgm:t>
+    </dgm:pt>
+    <dgm:pt modelId="{1EF19966-D66B-4454-A097-A6AA030946D5}" type="parTrans" cxnId="{319C2418-F8AD-4FF7-9D30-30A87CBDAB86}">
+      <dgm:prSet/>
+      <dgm:spPr/>
+      <dgm:t>
+        <a:bodyPr/>
+        <a:lstStyle/>
+        <a:p>
+          <a:endParaRPr lang="en-US"/>
+        </a:p>
+      </dgm:t>
+    </dgm:pt>
+    <dgm:pt modelId="{FD54C0F2-5BAD-4849-90F7-45AAEAB38699}" type="sibTrans" cxnId="{319C2418-F8AD-4FF7-9D30-30A87CBDAB86}">
+      <dgm:prSet/>
+      <dgm:spPr/>
+      <dgm:t>
+        <a:bodyPr/>
+        <a:lstStyle/>
+        <a:p>
+          <a:endParaRPr lang="en-US"/>
+        </a:p>
+      </dgm:t>
+    </dgm:pt>
+    <dgm:pt modelId="{3A6BA297-9FE8-4013-ACE8-DAE747D0A8C1}">
+      <dgm:prSet phldrT="[Text]" custT="1"/>
+      <dgm:spPr>
+        <a:solidFill>
+          <a:srgbClr val="EDEDED"/>
+        </a:solidFill>
+        <a:ln w="76200">
+          <a:solidFill>
+            <a:schemeClr val="tx1"/>
+          </a:solidFill>
+        </a:ln>
+      </dgm:spPr>
+      <dgm:t>
+        <a:bodyPr/>
+        <a:lstStyle/>
+        <a:p>
+          <a:r>
+            <a:rPr lang="en-US" sz="3500" dirty="0">
+              <a:solidFill>
+                <a:schemeClr val="tx1"/>
+              </a:solidFill>
+              <a:latin typeface="Times New Roman" panose="02020603050405020304" pitchFamily="18" charset="0"/>
+              <a:cs typeface="Times New Roman" panose="02020603050405020304" pitchFamily="18" charset="0"/>
+            </a:rPr>
+            <a:t>Loyalty</a:t>
+          </a:r>
+        </a:p>
+      </dgm:t>
+    </dgm:pt>
+    <dgm:pt modelId="{DDD661EB-3EE4-4889-9ED3-B44B90B75B1D}" type="parTrans" cxnId="{3F6A0173-F6C5-42D1-87CF-45E5AA22DEEE}">
+      <dgm:prSet/>
+      <dgm:spPr>
+        <a:ln w="76200">
+          <a:solidFill>
+            <a:schemeClr val="tx1"/>
+          </a:solidFill>
+        </a:ln>
+      </dgm:spPr>
+      <dgm:t>
+        <a:bodyPr/>
+        <a:lstStyle/>
+        <a:p>
+          <a:endParaRPr lang="en-US"/>
+        </a:p>
+      </dgm:t>
+    </dgm:pt>
+    <dgm:pt modelId="{095B51CD-6E92-40E4-90DE-7D7302EC4D92}" type="sibTrans" cxnId="{3F6A0173-F6C5-42D1-87CF-45E5AA22DEEE}">
+      <dgm:prSet/>
+      <dgm:spPr/>
+      <dgm:t>
+        <a:bodyPr/>
+        <a:lstStyle/>
+        <a:p>
+          <a:endParaRPr lang="en-US"/>
+        </a:p>
+      </dgm:t>
+    </dgm:pt>
+    <dgm:pt modelId="{D5EFE4EA-50E9-40F3-A018-5C6526F64256}">
+      <dgm:prSet phldrT="[Text]" custT="1"/>
+      <dgm:spPr>
+        <a:solidFill>
+          <a:srgbClr val="EDEDED"/>
+        </a:solidFill>
+        <a:ln w="76200">
+          <a:solidFill>
+            <a:schemeClr val="tx1"/>
+          </a:solidFill>
+        </a:ln>
+      </dgm:spPr>
+      <dgm:t>
+        <a:bodyPr/>
+        <a:lstStyle/>
+        <a:p>
+          <a:r>
+            <a:rPr lang="en-US" sz="3500" dirty="0">
+              <a:solidFill>
+                <a:schemeClr val="tx1"/>
+              </a:solidFill>
+              <a:latin typeface="Times New Roman" panose="02020603050405020304" pitchFamily="18" charset="0"/>
+              <a:cs typeface="Times New Roman" panose="02020603050405020304" pitchFamily="18" charset="0"/>
+            </a:rPr>
+            <a:t>Authority</a:t>
+          </a:r>
+        </a:p>
+      </dgm:t>
+    </dgm:pt>
+    <dgm:pt modelId="{32025D00-213A-4329-BDD1-24BB88F4F947}" type="parTrans" cxnId="{8F3DACA4-E182-4C23-85D2-258366762337}">
+      <dgm:prSet/>
+      <dgm:spPr>
+        <a:ln w="76200">
+          <a:solidFill>
+            <a:schemeClr val="tx1"/>
+          </a:solidFill>
+        </a:ln>
+      </dgm:spPr>
+      <dgm:t>
+        <a:bodyPr/>
+        <a:lstStyle/>
+        <a:p>
+          <a:endParaRPr lang="en-US">
+            <a:solidFill>
+              <a:schemeClr val="tx1"/>
+            </a:solidFill>
+          </a:endParaRPr>
+        </a:p>
+      </dgm:t>
+    </dgm:pt>
+    <dgm:pt modelId="{474CF5F1-1460-4AC9-B6D8-7F7D35262B49}" type="sibTrans" cxnId="{8F3DACA4-E182-4C23-85D2-258366762337}">
+      <dgm:prSet/>
+      <dgm:spPr/>
+      <dgm:t>
+        <a:bodyPr/>
+        <a:lstStyle/>
+        <a:p>
+          <a:endParaRPr lang="en-US"/>
+        </a:p>
+      </dgm:t>
+    </dgm:pt>
+    <dgm:pt modelId="{BE04F3BC-541E-4416-852C-CC4049979FED}">
+      <dgm:prSet phldrT="[Text]" custT="1"/>
+      <dgm:spPr>
+        <a:solidFill>
+          <a:srgbClr val="E6F0FF"/>
+        </a:solidFill>
+        <a:ln w="76200">
+          <a:solidFill>
+            <a:schemeClr val="tx1"/>
+          </a:solidFill>
+        </a:ln>
+      </dgm:spPr>
+      <dgm:t>
+        <a:bodyPr/>
+        <a:lstStyle/>
+        <a:p>
+          <a:r>
+            <a:rPr lang="en-US" sz="3500" dirty="0">
+              <a:solidFill>
+                <a:schemeClr val="tx1"/>
+              </a:solidFill>
+              <a:latin typeface="Times New Roman" panose="02020603050405020304" pitchFamily="18" charset="0"/>
+              <a:cs typeface="Times New Roman" panose="02020603050405020304" pitchFamily="18" charset="0"/>
+            </a:rPr>
+            <a:t>Divinity</a:t>
+          </a:r>
+        </a:p>
+      </dgm:t>
+    </dgm:pt>
+    <dgm:pt modelId="{2D006653-65A3-4451-AA04-07809DD09611}" type="parTrans" cxnId="{B29975CB-F66F-4AFB-B7D7-FB4902CC0BE2}">
+      <dgm:prSet/>
+      <dgm:spPr/>
+      <dgm:t>
+        <a:bodyPr/>
+        <a:lstStyle/>
+        <a:p>
+          <a:endParaRPr lang="en-US"/>
+        </a:p>
+      </dgm:t>
+    </dgm:pt>
+    <dgm:pt modelId="{B350D379-15F7-4BF4-9E12-96192FA7D22F}" type="sibTrans" cxnId="{B29975CB-F66F-4AFB-B7D7-FB4902CC0BE2}">
+      <dgm:prSet/>
+      <dgm:spPr/>
+      <dgm:t>
+        <a:bodyPr/>
+        <a:lstStyle/>
+        <a:p>
+          <a:endParaRPr lang="en-US"/>
+        </a:p>
+      </dgm:t>
+    </dgm:pt>
+    <dgm:pt modelId="{EC151C76-7EC3-492A-9B7A-567F60F3148A}">
+      <dgm:prSet phldrT="[Text]" custT="1"/>
+      <dgm:spPr>
+        <a:solidFill>
+          <a:srgbClr val="EDEDED"/>
+        </a:solidFill>
+        <a:ln w="76200">
+          <a:solidFill>
+            <a:schemeClr val="tx1"/>
+          </a:solidFill>
+        </a:ln>
+      </dgm:spPr>
+      <dgm:t>
+        <a:bodyPr/>
+        <a:lstStyle/>
+        <a:p>
+          <a:r>
+            <a:rPr lang="en-US" sz="3500" dirty="0">
+              <a:solidFill>
+                <a:schemeClr val="tx1"/>
+              </a:solidFill>
+              <a:latin typeface="Times New Roman" panose="02020603050405020304" pitchFamily="18" charset="0"/>
+              <a:cs typeface="Times New Roman" panose="02020603050405020304" pitchFamily="18" charset="0"/>
+            </a:rPr>
+            <a:t>Purity</a:t>
+          </a:r>
+        </a:p>
+      </dgm:t>
+    </dgm:pt>
+    <dgm:pt modelId="{48443306-E7D7-47CC-8EF4-C7310436DB10}" type="parTrans" cxnId="{B15B40D5-4F40-49C3-BD1D-220F96FE4A6A}">
+      <dgm:prSet/>
+      <dgm:spPr>
+        <a:ln w="76200">
+          <a:solidFill>
+            <a:schemeClr val="tx1"/>
+          </a:solidFill>
+        </a:ln>
+      </dgm:spPr>
+      <dgm:t>
+        <a:bodyPr/>
+        <a:lstStyle/>
+        <a:p>
+          <a:endParaRPr lang="en-US"/>
+        </a:p>
+      </dgm:t>
+    </dgm:pt>
+    <dgm:pt modelId="{4E643151-3CF9-417C-8622-5E0D0958942D}" type="sibTrans" cxnId="{B15B40D5-4F40-49C3-BD1D-220F96FE4A6A}">
+      <dgm:prSet/>
+      <dgm:spPr/>
+      <dgm:t>
+        <a:bodyPr/>
+        <a:lstStyle/>
+        <a:p>
+          <a:endParaRPr lang="en-US"/>
+        </a:p>
+      </dgm:t>
+    </dgm:pt>
+    <dgm:pt modelId="{D247E2A1-0394-4BF6-A5BC-12416B161AB6}" type="pres">
+      <dgm:prSet presAssocID="{A8A7AE3F-B95B-4F9E-AC08-2762A3868354}" presName="hierChild1" presStyleCnt="0">
+        <dgm:presLayoutVars>
+          <dgm:orgChart val="1"/>
+          <dgm:chPref val="1"/>
+          <dgm:dir/>
+          <dgm:animOne val="branch"/>
+          <dgm:animLvl val="lvl"/>
+          <dgm:resizeHandles/>
+        </dgm:presLayoutVars>
+      </dgm:prSet>
+      <dgm:spPr/>
+    </dgm:pt>
+    <dgm:pt modelId="{27EFA65C-C060-4729-912E-DBB614C5B5E2}" type="pres">
+      <dgm:prSet presAssocID="{909BFFB9-5CAC-4F91-A8CB-4F2D3DEB6D69}" presName="hierRoot1" presStyleCnt="0">
+        <dgm:presLayoutVars>
+          <dgm:hierBranch val="init"/>
+        </dgm:presLayoutVars>
+      </dgm:prSet>
+      <dgm:spPr/>
+    </dgm:pt>
+    <dgm:pt modelId="{72D256D4-3722-4530-A9CD-749123A3E175}" type="pres">
+      <dgm:prSet presAssocID="{909BFFB9-5CAC-4F91-A8CB-4F2D3DEB6D69}" presName="rootComposite1" presStyleCnt="0"/>
+      <dgm:spPr/>
+    </dgm:pt>
+    <dgm:pt modelId="{528C94ED-A841-4F32-8D3A-1F3594E05A30}" type="pres">
+      <dgm:prSet presAssocID="{909BFFB9-5CAC-4F91-A8CB-4F2D3DEB6D69}" presName="rootText1" presStyleLbl="node0" presStyleIdx="0" presStyleCnt="3" custScaleX="100953">
+        <dgm:presLayoutVars>
+          <dgm:chPref val="3"/>
+        </dgm:presLayoutVars>
+      </dgm:prSet>
+      <dgm:spPr/>
+    </dgm:pt>
+    <dgm:pt modelId="{F7B9571B-01C1-4C31-9DBD-8E4A9C9EDEA7}" type="pres">
+      <dgm:prSet presAssocID="{909BFFB9-5CAC-4F91-A8CB-4F2D3DEB6D69}" presName="rootConnector1" presStyleLbl="node1" presStyleIdx="0" presStyleCnt="0"/>
+      <dgm:spPr/>
+    </dgm:pt>
+    <dgm:pt modelId="{6AE64B4C-1B0A-44C5-A38A-9463B1D8D4DE}" type="pres">
+      <dgm:prSet presAssocID="{909BFFB9-5CAC-4F91-A8CB-4F2D3DEB6D69}" presName="hierChild2" presStyleCnt="0"/>
+      <dgm:spPr/>
+    </dgm:pt>
+    <dgm:pt modelId="{3C4BAA84-678F-4056-9522-D5A7566B9ABA}" type="pres">
+      <dgm:prSet presAssocID="{CE3C51ED-6B39-455E-B36A-E458CA3BD755}" presName="Name64" presStyleLbl="parChTrans1D2" presStyleIdx="0" presStyleCnt="5"/>
+      <dgm:spPr/>
+    </dgm:pt>
+    <dgm:pt modelId="{37BDFD3D-CC15-4681-8A47-5290069D4572}" type="pres">
+      <dgm:prSet presAssocID="{FE65366B-37B8-40F9-BF59-B9F6F92C7BA4}" presName="hierRoot2" presStyleCnt="0">
+        <dgm:presLayoutVars>
+          <dgm:hierBranch val="init"/>
+        </dgm:presLayoutVars>
+      </dgm:prSet>
+      <dgm:spPr/>
+    </dgm:pt>
+    <dgm:pt modelId="{B204AF8B-0F0A-455F-BC67-3DC7B594F544}" type="pres">
+      <dgm:prSet presAssocID="{FE65366B-37B8-40F9-BF59-B9F6F92C7BA4}" presName="rootComposite" presStyleCnt="0"/>
+      <dgm:spPr/>
+    </dgm:pt>
+    <dgm:pt modelId="{542F5F80-E40E-4D3D-BAA6-2781D5BABF71}" type="pres">
+      <dgm:prSet presAssocID="{FE65366B-37B8-40F9-BF59-B9F6F92C7BA4}" presName="rootText" presStyleLbl="node2" presStyleIdx="0" presStyleCnt="5">
+        <dgm:presLayoutVars>
+          <dgm:chPref val="3"/>
+        </dgm:presLayoutVars>
+      </dgm:prSet>
+      <dgm:spPr/>
+    </dgm:pt>
+    <dgm:pt modelId="{14555F57-BE3A-4D8E-AB7B-B0782B3C2C84}" type="pres">
+      <dgm:prSet presAssocID="{FE65366B-37B8-40F9-BF59-B9F6F92C7BA4}" presName="rootConnector" presStyleLbl="node2" presStyleIdx="0" presStyleCnt="5"/>
+      <dgm:spPr/>
+    </dgm:pt>
+    <dgm:pt modelId="{ABCBC13A-4D90-4187-8F57-9230E4F6C83E}" type="pres">
+      <dgm:prSet presAssocID="{FE65366B-37B8-40F9-BF59-B9F6F92C7BA4}" presName="hierChild4" presStyleCnt="0"/>
+      <dgm:spPr/>
+    </dgm:pt>
+    <dgm:pt modelId="{8C3603D9-6FFC-43A3-A15D-F15D09C0FD59}" type="pres">
+      <dgm:prSet presAssocID="{FE65366B-37B8-40F9-BF59-B9F6F92C7BA4}" presName="hierChild5" presStyleCnt="0"/>
+      <dgm:spPr/>
+    </dgm:pt>
+    <dgm:pt modelId="{5C5C2B8F-7410-48A6-8B6B-52BF0FBACF83}" type="pres">
+      <dgm:prSet presAssocID="{6BFFC412-79E9-42FA-8C39-4408D8A983DF}" presName="Name64" presStyleLbl="parChTrans1D2" presStyleIdx="1" presStyleCnt="5"/>
+      <dgm:spPr/>
+    </dgm:pt>
+    <dgm:pt modelId="{5481BD7D-CED9-4974-AA08-743144F62C64}" type="pres">
+      <dgm:prSet presAssocID="{1BC084C6-49D5-4535-B15C-C3F44F147941}" presName="hierRoot2" presStyleCnt="0">
+        <dgm:presLayoutVars>
+          <dgm:hierBranch val="init"/>
+        </dgm:presLayoutVars>
+      </dgm:prSet>
+      <dgm:spPr/>
+    </dgm:pt>
+    <dgm:pt modelId="{307EFA23-A0AF-4F41-931B-92BA7DEB994E}" type="pres">
+      <dgm:prSet presAssocID="{1BC084C6-49D5-4535-B15C-C3F44F147941}" presName="rootComposite" presStyleCnt="0"/>
+      <dgm:spPr/>
+    </dgm:pt>
+    <dgm:pt modelId="{595B0202-C3A7-4D22-AB64-F5AA4FE3EED8}" type="pres">
+      <dgm:prSet presAssocID="{1BC084C6-49D5-4535-B15C-C3F44F147941}" presName="rootText" presStyleLbl="node2" presStyleIdx="1" presStyleCnt="5">
+        <dgm:presLayoutVars>
+          <dgm:chPref val="3"/>
+        </dgm:presLayoutVars>
+      </dgm:prSet>
+      <dgm:spPr/>
+    </dgm:pt>
+    <dgm:pt modelId="{D87BA118-23D1-437D-ACBC-A36F4A5288FC}" type="pres">
+      <dgm:prSet presAssocID="{1BC084C6-49D5-4535-B15C-C3F44F147941}" presName="rootConnector" presStyleLbl="node2" presStyleIdx="1" presStyleCnt="5"/>
+      <dgm:spPr/>
+    </dgm:pt>
+    <dgm:pt modelId="{7714AAC1-1F22-49A3-9586-DE804686850B}" type="pres">
+      <dgm:prSet presAssocID="{1BC084C6-49D5-4535-B15C-C3F44F147941}" presName="hierChild4" presStyleCnt="0"/>
+      <dgm:spPr/>
+    </dgm:pt>
+    <dgm:pt modelId="{51D2CE42-0647-4A6B-97F4-6187C4DB9495}" type="pres">
+      <dgm:prSet presAssocID="{1BC084C6-49D5-4535-B15C-C3F44F147941}" presName="hierChild5" presStyleCnt="0"/>
+      <dgm:spPr/>
+    </dgm:pt>
+    <dgm:pt modelId="{9281594A-AAB1-4489-90D7-3BB665FD3856}" type="pres">
+      <dgm:prSet presAssocID="{909BFFB9-5CAC-4F91-A8CB-4F2D3DEB6D69}" presName="hierChild3" presStyleCnt="0"/>
+      <dgm:spPr/>
+    </dgm:pt>
+    <dgm:pt modelId="{5AB8B902-AB16-410B-B186-1B402CFE90DC}" type="pres">
+      <dgm:prSet presAssocID="{5266D93B-0823-4966-9DF8-C8A72F7FADE2}" presName="hierRoot1" presStyleCnt="0">
+        <dgm:presLayoutVars>
+          <dgm:hierBranch val="init"/>
+        </dgm:presLayoutVars>
+      </dgm:prSet>
+      <dgm:spPr/>
+    </dgm:pt>
+    <dgm:pt modelId="{936A6B01-D1F2-4247-80B1-FDA2B3E96C38}" type="pres">
+      <dgm:prSet presAssocID="{5266D93B-0823-4966-9DF8-C8A72F7FADE2}" presName="rootComposite1" presStyleCnt="0"/>
+      <dgm:spPr/>
+    </dgm:pt>
+    <dgm:pt modelId="{76E91E6C-71DF-4AD6-A091-B7BB8DD871A9}" type="pres">
+      <dgm:prSet presAssocID="{5266D93B-0823-4966-9DF8-C8A72F7FADE2}" presName="rootText1" presStyleLbl="node0" presStyleIdx="1" presStyleCnt="3">
+        <dgm:presLayoutVars>
+          <dgm:chPref val="3"/>
+        </dgm:presLayoutVars>
+      </dgm:prSet>
+      <dgm:spPr/>
+    </dgm:pt>
+    <dgm:pt modelId="{4348D112-5513-4404-A4AD-FEFBA5016D1B}" type="pres">
+      <dgm:prSet presAssocID="{5266D93B-0823-4966-9DF8-C8A72F7FADE2}" presName="rootConnector1" presStyleLbl="node1" presStyleIdx="0" presStyleCnt="0"/>
+      <dgm:spPr/>
+    </dgm:pt>
+    <dgm:pt modelId="{1A96B6A1-181C-42E5-96E3-5C42629CAACD}" type="pres">
+      <dgm:prSet presAssocID="{5266D93B-0823-4966-9DF8-C8A72F7FADE2}" presName="hierChild2" presStyleCnt="0"/>
+      <dgm:spPr/>
+    </dgm:pt>
+    <dgm:pt modelId="{E68980E7-A413-41B8-8469-B39DF2AE3644}" type="pres">
+      <dgm:prSet presAssocID="{DDD661EB-3EE4-4889-9ED3-B44B90B75B1D}" presName="Name64" presStyleLbl="parChTrans1D2" presStyleIdx="2" presStyleCnt="5"/>
+      <dgm:spPr/>
+    </dgm:pt>
+    <dgm:pt modelId="{B986CCC9-F995-459E-A4FF-9A6FE06BBD17}" type="pres">
+      <dgm:prSet presAssocID="{3A6BA297-9FE8-4013-ACE8-DAE747D0A8C1}" presName="hierRoot2" presStyleCnt="0">
+        <dgm:presLayoutVars>
+          <dgm:hierBranch val="init"/>
+        </dgm:presLayoutVars>
+      </dgm:prSet>
+      <dgm:spPr/>
+    </dgm:pt>
+    <dgm:pt modelId="{67737C79-D829-4148-8C5B-3E37BC8B8F9F}" type="pres">
+      <dgm:prSet presAssocID="{3A6BA297-9FE8-4013-ACE8-DAE747D0A8C1}" presName="rootComposite" presStyleCnt="0"/>
+      <dgm:spPr/>
+    </dgm:pt>
+    <dgm:pt modelId="{3AD9A987-89F8-4969-ADF0-D0F6802EE6C3}" type="pres">
+      <dgm:prSet presAssocID="{3A6BA297-9FE8-4013-ACE8-DAE747D0A8C1}" presName="rootText" presStyleLbl="node2" presStyleIdx="2" presStyleCnt="5">
+        <dgm:presLayoutVars>
+          <dgm:chPref val="3"/>
+        </dgm:presLayoutVars>
+      </dgm:prSet>
+      <dgm:spPr/>
+    </dgm:pt>
+    <dgm:pt modelId="{1B6F17AA-A781-436A-ACDB-15EB548243BB}" type="pres">
+      <dgm:prSet presAssocID="{3A6BA297-9FE8-4013-ACE8-DAE747D0A8C1}" presName="rootConnector" presStyleLbl="node2" presStyleIdx="2" presStyleCnt="5"/>
+      <dgm:spPr/>
+    </dgm:pt>
+    <dgm:pt modelId="{C0DF0200-03A5-4476-9B94-2579B36435FF}" type="pres">
+      <dgm:prSet presAssocID="{3A6BA297-9FE8-4013-ACE8-DAE747D0A8C1}" presName="hierChild4" presStyleCnt="0"/>
+      <dgm:spPr/>
+    </dgm:pt>
+    <dgm:pt modelId="{4738FC42-B8BD-4BB2-9C5A-D6D10C9C3586}" type="pres">
+      <dgm:prSet presAssocID="{3A6BA297-9FE8-4013-ACE8-DAE747D0A8C1}" presName="hierChild5" presStyleCnt="0"/>
+      <dgm:spPr/>
+    </dgm:pt>
+    <dgm:pt modelId="{5DB17ED1-0167-4D8E-BCFE-FBF80C3BB190}" type="pres">
+      <dgm:prSet presAssocID="{32025D00-213A-4329-BDD1-24BB88F4F947}" presName="Name64" presStyleLbl="parChTrans1D2" presStyleIdx="3" presStyleCnt="5"/>
+      <dgm:spPr/>
+    </dgm:pt>
+    <dgm:pt modelId="{4BE8589B-880B-4633-96DF-44E21DDD080B}" type="pres">
+      <dgm:prSet presAssocID="{D5EFE4EA-50E9-40F3-A018-5C6526F64256}" presName="hierRoot2" presStyleCnt="0">
+        <dgm:presLayoutVars>
+          <dgm:hierBranch val="init"/>
+        </dgm:presLayoutVars>
+      </dgm:prSet>
+      <dgm:spPr/>
+    </dgm:pt>
+    <dgm:pt modelId="{3768028F-1017-411E-B3CD-5DDA8A2F9572}" type="pres">
+      <dgm:prSet presAssocID="{D5EFE4EA-50E9-40F3-A018-5C6526F64256}" presName="rootComposite" presStyleCnt="0"/>
+      <dgm:spPr/>
+    </dgm:pt>
+    <dgm:pt modelId="{095BE616-B43A-47D2-9F31-036477B5F0DD}" type="pres">
+      <dgm:prSet presAssocID="{D5EFE4EA-50E9-40F3-A018-5C6526F64256}" presName="rootText" presStyleLbl="node2" presStyleIdx="3" presStyleCnt="5">
+        <dgm:presLayoutVars>
+          <dgm:chPref val="3"/>
+        </dgm:presLayoutVars>
+      </dgm:prSet>
+      <dgm:spPr/>
+    </dgm:pt>
+    <dgm:pt modelId="{696B9C03-F514-4DF6-8B22-6E343CC4372D}" type="pres">
+      <dgm:prSet presAssocID="{D5EFE4EA-50E9-40F3-A018-5C6526F64256}" presName="rootConnector" presStyleLbl="node2" presStyleIdx="3" presStyleCnt="5"/>
+      <dgm:spPr/>
+    </dgm:pt>
+    <dgm:pt modelId="{52B3C921-DEC3-40A6-BE84-E38B152E27CB}" type="pres">
+      <dgm:prSet presAssocID="{D5EFE4EA-50E9-40F3-A018-5C6526F64256}" presName="hierChild4" presStyleCnt="0"/>
+      <dgm:spPr/>
+    </dgm:pt>
+    <dgm:pt modelId="{D612C802-1B52-4A74-B0DF-7F0C4927C501}" type="pres">
+      <dgm:prSet presAssocID="{D5EFE4EA-50E9-40F3-A018-5C6526F64256}" presName="hierChild5" presStyleCnt="0"/>
+      <dgm:spPr/>
+    </dgm:pt>
+    <dgm:pt modelId="{54931DDD-F304-478B-88A3-9074E622B5DB}" type="pres">
+      <dgm:prSet presAssocID="{5266D93B-0823-4966-9DF8-C8A72F7FADE2}" presName="hierChild3" presStyleCnt="0"/>
+      <dgm:spPr/>
+    </dgm:pt>
+    <dgm:pt modelId="{38C1A3EE-D839-4B57-990C-5D7B25388D6A}" type="pres">
+      <dgm:prSet presAssocID="{BE04F3BC-541E-4416-852C-CC4049979FED}" presName="hierRoot1" presStyleCnt="0">
+        <dgm:presLayoutVars>
+          <dgm:hierBranch val="init"/>
+        </dgm:presLayoutVars>
+      </dgm:prSet>
+      <dgm:spPr/>
+    </dgm:pt>
+    <dgm:pt modelId="{2DC655FA-7068-41D0-9687-A2E919C4F8EF}" type="pres">
+      <dgm:prSet presAssocID="{BE04F3BC-541E-4416-852C-CC4049979FED}" presName="rootComposite1" presStyleCnt="0"/>
+      <dgm:spPr/>
+    </dgm:pt>
+    <dgm:pt modelId="{3BE0D231-CE92-45E6-B6B1-27FAAA28C435}" type="pres">
+      <dgm:prSet presAssocID="{BE04F3BC-541E-4416-852C-CC4049979FED}" presName="rootText1" presStyleLbl="node0" presStyleIdx="2" presStyleCnt="3">
+        <dgm:presLayoutVars>
+          <dgm:chPref val="3"/>
+        </dgm:presLayoutVars>
+      </dgm:prSet>
+      <dgm:spPr/>
+    </dgm:pt>
+    <dgm:pt modelId="{BB85119D-2F97-4234-8D6B-F19430DF4B3A}" type="pres">
+      <dgm:prSet presAssocID="{BE04F3BC-541E-4416-852C-CC4049979FED}" presName="rootConnector1" presStyleLbl="node1" presStyleIdx="0" presStyleCnt="0"/>
+      <dgm:spPr/>
+    </dgm:pt>
+    <dgm:pt modelId="{D433760D-AEC9-45BB-848A-FC32100A14E1}" type="pres">
+      <dgm:prSet presAssocID="{BE04F3BC-541E-4416-852C-CC4049979FED}" presName="hierChild2" presStyleCnt="0"/>
+      <dgm:spPr/>
+    </dgm:pt>
+    <dgm:pt modelId="{E10A2261-8BD1-457F-9E38-0D761DF17F5D}" type="pres">
+      <dgm:prSet presAssocID="{48443306-E7D7-47CC-8EF4-C7310436DB10}" presName="Name64" presStyleLbl="parChTrans1D2" presStyleIdx="4" presStyleCnt="5"/>
+      <dgm:spPr/>
+    </dgm:pt>
+    <dgm:pt modelId="{08FA5E28-D45D-440A-AFD1-069929269AB0}" type="pres">
+      <dgm:prSet presAssocID="{EC151C76-7EC3-492A-9B7A-567F60F3148A}" presName="hierRoot2" presStyleCnt="0">
+        <dgm:presLayoutVars>
+          <dgm:hierBranch val="init"/>
+        </dgm:presLayoutVars>
+      </dgm:prSet>
+      <dgm:spPr/>
+    </dgm:pt>
+    <dgm:pt modelId="{76982958-92F8-48DE-BA47-3BB606E41C36}" type="pres">
+      <dgm:prSet presAssocID="{EC151C76-7EC3-492A-9B7A-567F60F3148A}" presName="rootComposite" presStyleCnt="0"/>
+      <dgm:spPr/>
+    </dgm:pt>
+    <dgm:pt modelId="{00535EE0-8E36-40F5-889D-54C27CCA7E89}" type="pres">
+      <dgm:prSet presAssocID="{EC151C76-7EC3-492A-9B7A-567F60F3148A}" presName="rootText" presStyleLbl="node2" presStyleIdx="4" presStyleCnt="5">
+        <dgm:presLayoutVars>
+          <dgm:chPref val="3"/>
+        </dgm:presLayoutVars>
+      </dgm:prSet>
+      <dgm:spPr/>
+    </dgm:pt>
+    <dgm:pt modelId="{D721B350-011E-409A-AFFE-BD7FBA6AE205}" type="pres">
+      <dgm:prSet presAssocID="{EC151C76-7EC3-492A-9B7A-567F60F3148A}" presName="rootConnector" presStyleLbl="node2" presStyleIdx="4" presStyleCnt="5"/>
+      <dgm:spPr/>
+    </dgm:pt>
+    <dgm:pt modelId="{8F343E36-B581-4F71-AF28-89A0F4B45EBB}" type="pres">
+      <dgm:prSet presAssocID="{EC151C76-7EC3-492A-9B7A-567F60F3148A}" presName="hierChild4" presStyleCnt="0"/>
+      <dgm:spPr/>
+    </dgm:pt>
+    <dgm:pt modelId="{CD27BDE7-EF9A-4353-8DC5-09682B0BD44E}" type="pres">
+      <dgm:prSet presAssocID="{EC151C76-7EC3-492A-9B7A-567F60F3148A}" presName="hierChild5" presStyleCnt="0"/>
+      <dgm:spPr/>
+    </dgm:pt>
+    <dgm:pt modelId="{D2649717-5E2C-4CCB-A938-AD0EF63966FF}" type="pres">
+      <dgm:prSet presAssocID="{BE04F3BC-541E-4416-852C-CC4049979FED}" presName="hierChild3" presStyleCnt="0"/>
+      <dgm:spPr/>
+    </dgm:pt>
+  </dgm:ptLst>
+  <dgm:cxnLst>
+    <dgm:cxn modelId="{319C2418-F8AD-4FF7-9D30-30A87CBDAB86}" srcId="{A8A7AE3F-B95B-4F9E-AC08-2762A3868354}" destId="{5266D93B-0823-4966-9DF8-C8A72F7FADE2}" srcOrd="1" destOrd="0" parTransId="{1EF19966-D66B-4454-A097-A6AA030946D5}" sibTransId="{FD54C0F2-5BAD-4849-90F7-45AAEAB38699}"/>
+    <dgm:cxn modelId="{0B2E5A18-CCB8-497B-90D0-C77218D00B2D}" type="presOf" srcId="{32025D00-213A-4329-BDD1-24BB88F4F947}" destId="{5DB17ED1-0167-4D8E-BCFE-FBF80C3BB190}" srcOrd="0" destOrd="0" presId="urn:microsoft.com/office/officeart/2009/3/layout/HorizontalOrganizationChart"/>
+    <dgm:cxn modelId="{CDC3C71A-B0F1-49F0-9B80-0542F920D78E}" type="presOf" srcId="{1BC084C6-49D5-4535-B15C-C3F44F147941}" destId="{D87BA118-23D1-437D-ACBC-A36F4A5288FC}" srcOrd="1" destOrd="0" presId="urn:microsoft.com/office/officeart/2009/3/layout/HorizontalOrganizationChart"/>
+    <dgm:cxn modelId="{5D5AD61D-5659-45F0-AA2D-D9F4E0AEB37E}" type="presOf" srcId="{D5EFE4EA-50E9-40F3-A018-5C6526F64256}" destId="{095BE616-B43A-47D2-9F31-036477B5F0DD}" srcOrd="0" destOrd="0" presId="urn:microsoft.com/office/officeart/2009/3/layout/HorizontalOrganizationChart"/>
+    <dgm:cxn modelId="{0048D920-D7F9-4BAB-AC25-4D3DC5A1AB11}" type="presOf" srcId="{A8A7AE3F-B95B-4F9E-AC08-2762A3868354}" destId="{D247E2A1-0394-4BF6-A5BC-12416B161AB6}" srcOrd="0" destOrd="0" presId="urn:microsoft.com/office/officeart/2009/3/layout/HorizontalOrganizationChart"/>
+    <dgm:cxn modelId="{F164A522-E8B5-42A9-9BB9-DD3173E7D6E0}" type="presOf" srcId="{DDD661EB-3EE4-4889-9ED3-B44B90B75B1D}" destId="{E68980E7-A413-41B8-8469-B39DF2AE3644}" srcOrd="0" destOrd="0" presId="urn:microsoft.com/office/officeart/2009/3/layout/HorizontalOrganizationChart"/>
+    <dgm:cxn modelId="{045B7639-8876-4469-8841-84E93D2934AA}" type="presOf" srcId="{FE65366B-37B8-40F9-BF59-B9F6F92C7BA4}" destId="{542F5F80-E40E-4D3D-BAA6-2781D5BABF71}" srcOrd="0" destOrd="0" presId="urn:microsoft.com/office/officeart/2009/3/layout/HorizontalOrganizationChart"/>
+    <dgm:cxn modelId="{BF90C83C-C814-47BE-990B-A38C85578AF0}" srcId="{909BFFB9-5CAC-4F91-A8CB-4F2D3DEB6D69}" destId="{1BC084C6-49D5-4535-B15C-C3F44F147941}" srcOrd="1" destOrd="0" parTransId="{6BFFC412-79E9-42FA-8C39-4408D8A983DF}" sibTransId="{97094205-84CC-4352-A443-2C4B933C1F70}"/>
+    <dgm:cxn modelId="{CD4A223E-4A5B-4A42-B77D-3025F25EDEAE}" type="presOf" srcId="{FE65366B-37B8-40F9-BF59-B9F6F92C7BA4}" destId="{14555F57-BE3A-4D8E-AB7B-B0782B3C2C84}" srcOrd="1" destOrd="0" presId="urn:microsoft.com/office/officeart/2009/3/layout/HorizontalOrganizationChart"/>
+    <dgm:cxn modelId="{1F65D146-1C10-45B4-BB15-1256A3C7CC32}" type="presOf" srcId="{1BC084C6-49D5-4535-B15C-C3F44F147941}" destId="{595B0202-C3A7-4D22-AB64-F5AA4FE3EED8}" srcOrd="0" destOrd="0" presId="urn:microsoft.com/office/officeart/2009/3/layout/HorizontalOrganizationChart"/>
+    <dgm:cxn modelId="{AE444E6D-5C44-4699-B009-BB4C6E8EDD99}" type="presOf" srcId="{CE3C51ED-6B39-455E-B36A-E458CA3BD755}" destId="{3C4BAA84-678F-4056-9522-D5A7566B9ABA}" srcOrd="0" destOrd="0" presId="urn:microsoft.com/office/officeart/2009/3/layout/HorizontalOrganizationChart"/>
+    <dgm:cxn modelId="{3F6A0173-F6C5-42D1-87CF-45E5AA22DEEE}" srcId="{5266D93B-0823-4966-9DF8-C8A72F7FADE2}" destId="{3A6BA297-9FE8-4013-ACE8-DAE747D0A8C1}" srcOrd="0" destOrd="0" parTransId="{DDD661EB-3EE4-4889-9ED3-B44B90B75B1D}" sibTransId="{095B51CD-6E92-40E4-90DE-7D7302EC4D92}"/>
+    <dgm:cxn modelId="{DA724C88-367E-44D1-9C3B-40AD87B4EC14}" type="presOf" srcId="{BE04F3BC-541E-4416-852C-CC4049979FED}" destId="{3BE0D231-CE92-45E6-B6B1-27FAAA28C435}" srcOrd="0" destOrd="0" presId="urn:microsoft.com/office/officeart/2009/3/layout/HorizontalOrganizationChart"/>
+    <dgm:cxn modelId="{8882028E-7574-4E7B-B499-A1568E2E3F6D}" type="presOf" srcId="{5266D93B-0823-4966-9DF8-C8A72F7FADE2}" destId="{4348D112-5513-4404-A4AD-FEFBA5016D1B}" srcOrd="1" destOrd="0" presId="urn:microsoft.com/office/officeart/2009/3/layout/HorizontalOrganizationChart"/>
+    <dgm:cxn modelId="{DB61D096-3170-462E-922A-D31ECD514E0C}" type="presOf" srcId="{48443306-E7D7-47CC-8EF4-C7310436DB10}" destId="{E10A2261-8BD1-457F-9E38-0D761DF17F5D}" srcOrd="0" destOrd="0" presId="urn:microsoft.com/office/officeart/2009/3/layout/HorizontalOrganizationChart"/>
+    <dgm:cxn modelId="{1800739C-93DC-4838-B34D-8E4051949A63}" type="presOf" srcId="{3A6BA297-9FE8-4013-ACE8-DAE747D0A8C1}" destId="{3AD9A987-89F8-4969-ADF0-D0F6802EE6C3}" srcOrd="0" destOrd="0" presId="urn:microsoft.com/office/officeart/2009/3/layout/HorizontalOrganizationChart"/>
+    <dgm:cxn modelId="{84DFB7A2-A330-4458-A50C-DD22E4682CD3}" srcId="{909BFFB9-5CAC-4F91-A8CB-4F2D3DEB6D69}" destId="{FE65366B-37B8-40F9-BF59-B9F6F92C7BA4}" srcOrd="0" destOrd="0" parTransId="{CE3C51ED-6B39-455E-B36A-E458CA3BD755}" sibTransId="{6B76DBDD-BAED-4EBA-B031-4D7B759CDF34}"/>
+    <dgm:cxn modelId="{8F3DACA4-E182-4C23-85D2-258366762337}" srcId="{5266D93B-0823-4966-9DF8-C8A72F7FADE2}" destId="{D5EFE4EA-50E9-40F3-A018-5C6526F64256}" srcOrd="1" destOrd="0" parTransId="{32025D00-213A-4329-BDD1-24BB88F4F947}" sibTransId="{474CF5F1-1460-4AC9-B6D8-7F7D35262B49}"/>
+    <dgm:cxn modelId="{D3D109B0-C463-4436-9950-E5AD4EFE114F}" type="presOf" srcId="{EC151C76-7EC3-492A-9B7A-567F60F3148A}" destId="{00535EE0-8E36-40F5-889D-54C27CCA7E89}" srcOrd="0" destOrd="0" presId="urn:microsoft.com/office/officeart/2009/3/layout/HorizontalOrganizationChart"/>
+    <dgm:cxn modelId="{7E271FC0-D732-4672-93C0-345657315286}" type="presOf" srcId="{EC151C76-7EC3-492A-9B7A-567F60F3148A}" destId="{D721B350-011E-409A-AFFE-BD7FBA6AE205}" srcOrd="1" destOrd="0" presId="urn:microsoft.com/office/officeart/2009/3/layout/HorizontalOrganizationChart"/>
+    <dgm:cxn modelId="{5FEB0BC3-80A3-43C4-817C-3BAB2D4AA323}" srcId="{A8A7AE3F-B95B-4F9E-AC08-2762A3868354}" destId="{909BFFB9-5CAC-4F91-A8CB-4F2D3DEB6D69}" srcOrd="0" destOrd="0" parTransId="{394CB883-F72C-4989-966E-AC553FD81DE9}" sibTransId="{44A46CE5-BB4A-4A71-B864-C1220EB2D3E3}"/>
+    <dgm:cxn modelId="{B29975CB-F66F-4AFB-B7D7-FB4902CC0BE2}" srcId="{A8A7AE3F-B95B-4F9E-AC08-2762A3868354}" destId="{BE04F3BC-541E-4416-852C-CC4049979FED}" srcOrd="2" destOrd="0" parTransId="{2D006653-65A3-4451-AA04-07809DD09611}" sibTransId="{B350D379-15F7-4BF4-9E12-96192FA7D22F}"/>
+    <dgm:cxn modelId="{B15B40D5-4F40-49C3-BD1D-220F96FE4A6A}" srcId="{BE04F3BC-541E-4416-852C-CC4049979FED}" destId="{EC151C76-7EC3-492A-9B7A-567F60F3148A}" srcOrd="0" destOrd="0" parTransId="{48443306-E7D7-47CC-8EF4-C7310436DB10}" sibTransId="{4E643151-3CF9-417C-8622-5E0D0958942D}"/>
+    <dgm:cxn modelId="{1EC716D9-E2AA-4B0D-90A4-EF53E7A3DEA6}" type="presOf" srcId="{909BFFB9-5CAC-4F91-A8CB-4F2D3DEB6D69}" destId="{528C94ED-A841-4F32-8D3A-1F3594E05A30}" srcOrd="0" destOrd="0" presId="urn:microsoft.com/office/officeart/2009/3/layout/HorizontalOrganizationChart"/>
+    <dgm:cxn modelId="{77A1F3DC-5929-476E-A5F1-58561A2F9D1A}" type="presOf" srcId="{D5EFE4EA-50E9-40F3-A018-5C6526F64256}" destId="{696B9C03-F514-4DF6-8B22-6E343CC4372D}" srcOrd="1" destOrd="0" presId="urn:microsoft.com/office/officeart/2009/3/layout/HorizontalOrganizationChart"/>
+    <dgm:cxn modelId="{0F2F01E0-374F-4EF6-9606-3246CC86FC05}" type="presOf" srcId="{909BFFB9-5CAC-4F91-A8CB-4F2D3DEB6D69}" destId="{F7B9571B-01C1-4C31-9DBD-8E4A9C9EDEA7}" srcOrd="1" destOrd="0" presId="urn:microsoft.com/office/officeart/2009/3/layout/HorizontalOrganizationChart"/>
+    <dgm:cxn modelId="{BABBC8E1-D798-48E1-8E29-06EF837AA4B7}" type="presOf" srcId="{3A6BA297-9FE8-4013-ACE8-DAE747D0A8C1}" destId="{1B6F17AA-A781-436A-ACDB-15EB548243BB}" srcOrd="1" destOrd="0" presId="urn:microsoft.com/office/officeart/2009/3/layout/HorizontalOrganizationChart"/>
+    <dgm:cxn modelId="{9143D4F8-67A3-4A0D-82C4-8428B53C8F93}" type="presOf" srcId="{BE04F3BC-541E-4416-852C-CC4049979FED}" destId="{BB85119D-2F97-4234-8D6B-F19430DF4B3A}" srcOrd="1" destOrd="0" presId="urn:microsoft.com/office/officeart/2009/3/layout/HorizontalOrganizationChart"/>
+    <dgm:cxn modelId="{ED1610F9-733F-47A9-9FE9-6470AA8CC06B}" type="presOf" srcId="{5266D93B-0823-4966-9DF8-C8A72F7FADE2}" destId="{76E91E6C-71DF-4AD6-A091-B7BB8DD871A9}" srcOrd="0" destOrd="0" presId="urn:microsoft.com/office/officeart/2009/3/layout/HorizontalOrganizationChart"/>
+    <dgm:cxn modelId="{78AD0FFD-DAF0-4AAC-8AB5-2CA32262CEBB}" type="presOf" srcId="{6BFFC412-79E9-42FA-8C39-4408D8A983DF}" destId="{5C5C2B8F-7410-48A6-8B6B-52BF0FBACF83}" srcOrd="0" destOrd="0" presId="urn:microsoft.com/office/officeart/2009/3/layout/HorizontalOrganizationChart"/>
+    <dgm:cxn modelId="{E9BE5FDE-B799-45F9-AC62-89007647DE7D}" type="presParOf" srcId="{D247E2A1-0394-4BF6-A5BC-12416B161AB6}" destId="{27EFA65C-C060-4729-912E-DBB614C5B5E2}" srcOrd="0" destOrd="0" presId="urn:microsoft.com/office/officeart/2009/3/layout/HorizontalOrganizationChart"/>
+    <dgm:cxn modelId="{CD584D4F-C8BC-41E6-A7D2-474296A6FF9E}" type="presParOf" srcId="{27EFA65C-C060-4729-912E-DBB614C5B5E2}" destId="{72D256D4-3722-4530-A9CD-749123A3E175}" srcOrd="0" destOrd="0" presId="urn:microsoft.com/office/officeart/2009/3/layout/HorizontalOrganizationChart"/>
+    <dgm:cxn modelId="{A44DE9C8-1E30-4A2C-A957-E8B9343FDD75}" type="presParOf" srcId="{72D256D4-3722-4530-A9CD-749123A3E175}" destId="{528C94ED-A841-4F32-8D3A-1F3594E05A30}" srcOrd="0" destOrd="0" presId="urn:microsoft.com/office/officeart/2009/3/layout/HorizontalOrganizationChart"/>
+    <dgm:cxn modelId="{B642BB0B-BE5C-4811-8193-1562ED0ACA0C}" type="presParOf" srcId="{72D256D4-3722-4530-A9CD-749123A3E175}" destId="{F7B9571B-01C1-4C31-9DBD-8E4A9C9EDEA7}" srcOrd="1" destOrd="0" presId="urn:microsoft.com/office/officeart/2009/3/layout/HorizontalOrganizationChart"/>
+    <dgm:cxn modelId="{1DCF403D-7CFF-4F10-BD78-AAA86A2B3B36}" type="presParOf" srcId="{27EFA65C-C060-4729-912E-DBB614C5B5E2}" destId="{6AE64B4C-1B0A-44C5-A38A-9463B1D8D4DE}" srcOrd="1" destOrd="0" presId="urn:microsoft.com/office/officeart/2009/3/layout/HorizontalOrganizationChart"/>
+    <dgm:cxn modelId="{94192717-199A-485D-A5DA-195707DFEF12}" type="presParOf" srcId="{6AE64B4C-1B0A-44C5-A38A-9463B1D8D4DE}" destId="{3C4BAA84-678F-4056-9522-D5A7566B9ABA}" srcOrd="0" destOrd="0" presId="urn:microsoft.com/office/officeart/2009/3/layout/HorizontalOrganizationChart"/>
+    <dgm:cxn modelId="{48DE5A0A-CA1D-4FB7-9336-AC6687C4ADC6}" type="presParOf" srcId="{6AE64B4C-1B0A-44C5-A38A-9463B1D8D4DE}" destId="{37BDFD3D-CC15-4681-8A47-5290069D4572}" srcOrd="1" destOrd="0" presId="urn:microsoft.com/office/officeart/2009/3/layout/HorizontalOrganizationChart"/>
+    <dgm:cxn modelId="{4F723B37-0DF8-4EB7-A62D-42B218BE9200}" type="presParOf" srcId="{37BDFD3D-CC15-4681-8A47-5290069D4572}" destId="{B204AF8B-0F0A-455F-BC67-3DC7B594F544}" srcOrd="0" destOrd="0" presId="urn:microsoft.com/office/officeart/2009/3/layout/HorizontalOrganizationChart"/>
+    <dgm:cxn modelId="{4B9A2776-E3D7-4617-9FF5-929D26B1275E}" type="presParOf" srcId="{B204AF8B-0F0A-455F-BC67-3DC7B594F544}" destId="{542F5F80-E40E-4D3D-BAA6-2781D5BABF71}" srcOrd="0" destOrd="0" presId="urn:microsoft.com/office/officeart/2009/3/layout/HorizontalOrganizationChart"/>
+    <dgm:cxn modelId="{A2D9EBE3-9442-4726-9DC9-2AEAD7797755}" type="presParOf" srcId="{B204AF8B-0F0A-455F-BC67-3DC7B594F544}" destId="{14555F57-BE3A-4D8E-AB7B-B0782B3C2C84}" srcOrd="1" destOrd="0" presId="urn:microsoft.com/office/officeart/2009/3/layout/HorizontalOrganizationChart"/>
+    <dgm:cxn modelId="{14E992B6-7B9B-4504-9573-B0AC13965454}" type="presParOf" srcId="{37BDFD3D-CC15-4681-8A47-5290069D4572}" destId="{ABCBC13A-4D90-4187-8F57-9230E4F6C83E}" srcOrd="1" destOrd="0" presId="urn:microsoft.com/office/officeart/2009/3/layout/HorizontalOrganizationChart"/>
+    <dgm:cxn modelId="{EC9CC98B-630F-4DDF-9BD2-ADE5961B8FA1}" type="presParOf" srcId="{37BDFD3D-CC15-4681-8A47-5290069D4572}" destId="{8C3603D9-6FFC-43A3-A15D-F15D09C0FD59}" srcOrd="2" destOrd="0" presId="urn:microsoft.com/office/officeart/2009/3/layout/HorizontalOrganizationChart"/>
+    <dgm:cxn modelId="{EBE22A85-171B-4A5C-A8CE-6939FD98C6D1}" type="presParOf" srcId="{6AE64B4C-1B0A-44C5-A38A-9463B1D8D4DE}" destId="{5C5C2B8F-7410-48A6-8B6B-52BF0FBACF83}" srcOrd="2" destOrd="0" presId="urn:microsoft.com/office/officeart/2009/3/layout/HorizontalOrganizationChart"/>
+    <dgm:cxn modelId="{9A05EC23-C356-4CE9-8E92-C0C819D3B730}" type="presParOf" srcId="{6AE64B4C-1B0A-44C5-A38A-9463B1D8D4DE}" destId="{5481BD7D-CED9-4974-AA08-743144F62C64}" srcOrd="3" destOrd="0" presId="urn:microsoft.com/office/officeart/2009/3/layout/HorizontalOrganizationChart"/>
+    <dgm:cxn modelId="{2ADBF480-0275-4386-AB9E-025EDD56915C}" type="presParOf" srcId="{5481BD7D-CED9-4974-AA08-743144F62C64}" destId="{307EFA23-A0AF-4F41-931B-92BA7DEB994E}" srcOrd="0" destOrd="0" presId="urn:microsoft.com/office/officeart/2009/3/layout/HorizontalOrganizationChart"/>
+    <dgm:cxn modelId="{29C4AD8D-2DA5-4F0D-9FF4-89B2162F4B1E}" type="presParOf" srcId="{307EFA23-A0AF-4F41-931B-92BA7DEB994E}" destId="{595B0202-C3A7-4D22-AB64-F5AA4FE3EED8}" srcOrd="0" destOrd="0" presId="urn:microsoft.com/office/officeart/2009/3/layout/HorizontalOrganizationChart"/>
+    <dgm:cxn modelId="{86B16F1F-36FB-4EBB-A412-425DCD781E99}" type="presParOf" srcId="{307EFA23-A0AF-4F41-931B-92BA7DEB994E}" destId="{D87BA118-23D1-437D-ACBC-A36F4A5288FC}" srcOrd="1" destOrd="0" presId="urn:microsoft.com/office/officeart/2009/3/layout/HorizontalOrganizationChart"/>
+    <dgm:cxn modelId="{45C573C2-B209-4A7B-AFC8-92218BDE154D}" type="presParOf" srcId="{5481BD7D-CED9-4974-AA08-743144F62C64}" destId="{7714AAC1-1F22-49A3-9586-DE804686850B}" srcOrd="1" destOrd="0" presId="urn:microsoft.com/office/officeart/2009/3/layout/HorizontalOrganizationChart"/>
+    <dgm:cxn modelId="{33CE7C76-A0A1-4511-AF0F-12A5C4A45FD9}" type="presParOf" srcId="{5481BD7D-CED9-4974-AA08-743144F62C64}" destId="{51D2CE42-0647-4A6B-97F4-6187C4DB9495}" srcOrd="2" destOrd="0" presId="urn:microsoft.com/office/officeart/2009/3/layout/HorizontalOrganizationChart"/>
+    <dgm:cxn modelId="{8BB398A5-761D-4276-84C8-D83C7A37B393}" type="presParOf" srcId="{27EFA65C-C060-4729-912E-DBB614C5B5E2}" destId="{9281594A-AAB1-4489-90D7-3BB665FD3856}" srcOrd="2" destOrd="0" presId="urn:microsoft.com/office/officeart/2009/3/layout/HorizontalOrganizationChart"/>
+    <dgm:cxn modelId="{ADB558BD-AC62-4E24-8BDC-6230725C6D53}" type="presParOf" srcId="{D247E2A1-0394-4BF6-A5BC-12416B161AB6}" destId="{5AB8B902-AB16-410B-B186-1B402CFE90DC}" srcOrd="1" destOrd="0" presId="urn:microsoft.com/office/officeart/2009/3/layout/HorizontalOrganizationChart"/>
+    <dgm:cxn modelId="{263D7191-F63F-4D9A-AF1B-CA887C5339EF}" type="presParOf" srcId="{5AB8B902-AB16-410B-B186-1B402CFE90DC}" destId="{936A6B01-D1F2-4247-80B1-FDA2B3E96C38}" srcOrd="0" destOrd="0" presId="urn:microsoft.com/office/officeart/2009/3/layout/HorizontalOrganizationChart"/>
+    <dgm:cxn modelId="{08ACC306-86AF-4408-A2CD-EF569B1C563D}" type="presParOf" srcId="{936A6B01-D1F2-4247-80B1-FDA2B3E96C38}" destId="{76E91E6C-71DF-4AD6-A091-B7BB8DD871A9}" srcOrd="0" destOrd="0" presId="urn:microsoft.com/office/officeart/2009/3/layout/HorizontalOrganizationChart"/>
+    <dgm:cxn modelId="{C60BFB05-46EE-48B1-AB94-E1702B0133AC}" type="presParOf" srcId="{936A6B01-D1F2-4247-80B1-FDA2B3E96C38}" destId="{4348D112-5513-4404-A4AD-FEFBA5016D1B}" srcOrd="1" destOrd="0" presId="urn:microsoft.com/office/officeart/2009/3/layout/HorizontalOrganizationChart"/>
+    <dgm:cxn modelId="{A2027B4D-5013-4F3C-82A3-DECCE70B63BA}" type="presParOf" srcId="{5AB8B902-AB16-410B-B186-1B402CFE90DC}" destId="{1A96B6A1-181C-42E5-96E3-5C42629CAACD}" srcOrd="1" destOrd="0" presId="urn:microsoft.com/office/officeart/2009/3/layout/HorizontalOrganizationChart"/>
+    <dgm:cxn modelId="{46AFE06E-270C-4926-BAA4-1B89ADEEC1E5}" type="presParOf" srcId="{1A96B6A1-181C-42E5-96E3-5C42629CAACD}" destId="{E68980E7-A413-41B8-8469-B39DF2AE3644}" srcOrd="0" destOrd="0" presId="urn:microsoft.com/office/officeart/2009/3/layout/HorizontalOrganizationChart"/>
+    <dgm:cxn modelId="{A8BAD4D2-2EDD-4B18-9B03-3594B4008B00}" type="presParOf" srcId="{1A96B6A1-181C-42E5-96E3-5C42629CAACD}" destId="{B986CCC9-F995-459E-A4FF-9A6FE06BBD17}" srcOrd="1" destOrd="0" presId="urn:microsoft.com/office/officeart/2009/3/layout/HorizontalOrganizationChart"/>
+    <dgm:cxn modelId="{4D0030D2-1574-42BC-9B8A-7F87F7E92BE9}" type="presParOf" srcId="{B986CCC9-F995-459E-A4FF-9A6FE06BBD17}" destId="{67737C79-D829-4148-8C5B-3E37BC8B8F9F}" srcOrd="0" destOrd="0" presId="urn:microsoft.com/office/officeart/2009/3/layout/HorizontalOrganizationChart"/>
+    <dgm:cxn modelId="{C2904805-77CC-472C-897B-DBDD2DB50878}" type="presParOf" srcId="{67737C79-D829-4148-8C5B-3E37BC8B8F9F}" destId="{3AD9A987-89F8-4969-ADF0-D0F6802EE6C3}" srcOrd="0" destOrd="0" presId="urn:microsoft.com/office/officeart/2009/3/layout/HorizontalOrganizationChart"/>
+    <dgm:cxn modelId="{1BDD2D47-1A26-4B7D-A038-29AFCD52725B}" type="presParOf" srcId="{67737C79-D829-4148-8C5B-3E37BC8B8F9F}" destId="{1B6F17AA-A781-436A-ACDB-15EB548243BB}" srcOrd="1" destOrd="0" presId="urn:microsoft.com/office/officeart/2009/3/layout/HorizontalOrganizationChart"/>
+    <dgm:cxn modelId="{3B43B1D0-1A1D-4D04-B778-BB24A8AE7181}" type="presParOf" srcId="{B986CCC9-F995-459E-A4FF-9A6FE06BBD17}" destId="{C0DF0200-03A5-4476-9B94-2579B36435FF}" srcOrd="1" destOrd="0" presId="urn:microsoft.com/office/officeart/2009/3/layout/HorizontalOrganizationChart"/>
+    <dgm:cxn modelId="{C4DBDDB4-CE75-413F-8564-03371C18B61A}" type="presParOf" srcId="{B986CCC9-F995-459E-A4FF-9A6FE06BBD17}" destId="{4738FC42-B8BD-4BB2-9C5A-D6D10C9C3586}" srcOrd="2" destOrd="0" presId="urn:microsoft.com/office/officeart/2009/3/layout/HorizontalOrganizationChart"/>
+    <dgm:cxn modelId="{55E7F3BD-BF34-4012-8DD6-F37FEFB3AC89}" type="presParOf" srcId="{1A96B6A1-181C-42E5-96E3-5C42629CAACD}" destId="{5DB17ED1-0167-4D8E-BCFE-FBF80C3BB190}" srcOrd="2" destOrd="0" presId="urn:microsoft.com/office/officeart/2009/3/layout/HorizontalOrganizationChart"/>
+    <dgm:cxn modelId="{D7F40AF0-B248-4B99-9E9F-E3E27EF726C4}" type="presParOf" srcId="{1A96B6A1-181C-42E5-96E3-5C42629CAACD}" destId="{4BE8589B-880B-4633-96DF-44E21DDD080B}" srcOrd="3" destOrd="0" presId="urn:microsoft.com/office/officeart/2009/3/layout/HorizontalOrganizationChart"/>
+    <dgm:cxn modelId="{6EE8103C-C138-47C2-9BC0-21D8E0C94440}" type="presParOf" srcId="{4BE8589B-880B-4633-96DF-44E21DDD080B}" destId="{3768028F-1017-411E-B3CD-5DDA8A2F9572}" srcOrd="0" destOrd="0" presId="urn:microsoft.com/office/officeart/2009/3/layout/HorizontalOrganizationChart"/>
+    <dgm:cxn modelId="{0A64B66C-E5B3-401C-91A3-A2A04B2C43F9}" type="presParOf" srcId="{3768028F-1017-411E-B3CD-5DDA8A2F9572}" destId="{095BE616-B43A-47D2-9F31-036477B5F0DD}" srcOrd="0" destOrd="0" presId="urn:microsoft.com/office/officeart/2009/3/layout/HorizontalOrganizationChart"/>
+    <dgm:cxn modelId="{63FB05D7-FEBF-473F-934C-9E86ADE26213}" type="presParOf" srcId="{3768028F-1017-411E-B3CD-5DDA8A2F9572}" destId="{696B9C03-F514-4DF6-8B22-6E343CC4372D}" srcOrd="1" destOrd="0" presId="urn:microsoft.com/office/officeart/2009/3/layout/HorizontalOrganizationChart"/>
+    <dgm:cxn modelId="{22FE7586-2C57-41D6-A97C-52585DD66DBE}" type="presParOf" srcId="{4BE8589B-880B-4633-96DF-44E21DDD080B}" destId="{52B3C921-DEC3-40A6-BE84-E38B152E27CB}" srcOrd="1" destOrd="0" presId="urn:microsoft.com/office/officeart/2009/3/layout/HorizontalOrganizationChart"/>
+    <dgm:cxn modelId="{6101A507-4EEF-4F8C-A12D-218ABD4A1CD9}" type="presParOf" srcId="{4BE8589B-880B-4633-96DF-44E21DDD080B}" destId="{D612C802-1B52-4A74-B0DF-7F0C4927C501}" srcOrd="2" destOrd="0" presId="urn:microsoft.com/office/officeart/2009/3/layout/HorizontalOrganizationChart"/>
+    <dgm:cxn modelId="{CFAA2D90-386E-414D-871A-063985516D83}" type="presParOf" srcId="{5AB8B902-AB16-410B-B186-1B402CFE90DC}" destId="{54931DDD-F304-478B-88A3-9074E622B5DB}" srcOrd="2" destOrd="0" presId="urn:microsoft.com/office/officeart/2009/3/layout/HorizontalOrganizationChart"/>
+    <dgm:cxn modelId="{3962464E-3665-4723-B6D3-B189F1796769}" type="presParOf" srcId="{D247E2A1-0394-4BF6-A5BC-12416B161AB6}" destId="{38C1A3EE-D839-4B57-990C-5D7B25388D6A}" srcOrd="2" destOrd="0" presId="urn:microsoft.com/office/officeart/2009/3/layout/HorizontalOrganizationChart"/>
+    <dgm:cxn modelId="{C5F0F0A9-229F-4070-8EB3-D51D47DF799C}" type="presParOf" srcId="{38C1A3EE-D839-4B57-990C-5D7B25388D6A}" destId="{2DC655FA-7068-41D0-9687-A2E919C4F8EF}" srcOrd="0" destOrd="0" presId="urn:microsoft.com/office/officeart/2009/3/layout/HorizontalOrganizationChart"/>
+    <dgm:cxn modelId="{0CEB404F-0215-41A3-AE11-4E3ABA7B8702}" type="presParOf" srcId="{2DC655FA-7068-41D0-9687-A2E919C4F8EF}" destId="{3BE0D231-CE92-45E6-B6B1-27FAAA28C435}" srcOrd="0" destOrd="0" presId="urn:microsoft.com/office/officeart/2009/3/layout/HorizontalOrganizationChart"/>
+    <dgm:cxn modelId="{B606E2BD-3352-433F-8121-5A444761D0EC}" type="presParOf" srcId="{2DC655FA-7068-41D0-9687-A2E919C4F8EF}" destId="{BB85119D-2F97-4234-8D6B-F19430DF4B3A}" srcOrd="1" destOrd="0" presId="urn:microsoft.com/office/officeart/2009/3/layout/HorizontalOrganizationChart"/>
+    <dgm:cxn modelId="{D0D7E05C-30F5-4410-BCA0-D717A380DD63}" type="presParOf" srcId="{38C1A3EE-D839-4B57-990C-5D7B25388D6A}" destId="{D433760D-AEC9-45BB-848A-FC32100A14E1}" srcOrd="1" destOrd="0" presId="urn:microsoft.com/office/officeart/2009/3/layout/HorizontalOrganizationChart"/>
+    <dgm:cxn modelId="{ED0B6789-AA1B-4FF8-ABE2-F59746D6822A}" type="presParOf" srcId="{D433760D-AEC9-45BB-848A-FC32100A14E1}" destId="{E10A2261-8BD1-457F-9E38-0D761DF17F5D}" srcOrd="0" destOrd="0" presId="urn:microsoft.com/office/officeart/2009/3/layout/HorizontalOrganizationChart"/>
+    <dgm:cxn modelId="{B48AB27F-A023-47C2-AD77-461F7C16E480}" type="presParOf" srcId="{D433760D-AEC9-45BB-848A-FC32100A14E1}" destId="{08FA5E28-D45D-440A-AFD1-069929269AB0}" srcOrd="1" destOrd="0" presId="urn:microsoft.com/office/officeart/2009/3/layout/HorizontalOrganizationChart"/>
+    <dgm:cxn modelId="{121E5448-D38B-4B4D-8BDD-D5064C371ADD}" type="presParOf" srcId="{08FA5E28-D45D-440A-AFD1-069929269AB0}" destId="{76982958-92F8-48DE-BA47-3BB606E41C36}" srcOrd="0" destOrd="0" presId="urn:microsoft.com/office/officeart/2009/3/layout/HorizontalOrganizationChart"/>
+    <dgm:cxn modelId="{14E70711-C06B-49B4-8EA6-63E564FEB643}" type="presParOf" srcId="{76982958-92F8-48DE-BA47-3BB606E41C36}" destId="{00535EE0-8E36-40F5-889D-54C27CCA7E89}" srcOrd="0" destOrd="0" presId="urn:microsoft.com/office/officeart/2009/3/layout/HorizontalOrganizationChart"/>
+    <dgm:cxn modelId="{93543A12-06C1-4EF8-87F8-33C48334D854}" type="presParOf" srcId="{76982958-92F8-48DE-BA47-3BB606E41C36}" destId="{D721B350-011E-409A-AFFE-BD7FBA6AE205}" srcOrd="1" destOrd="0" presId="urn:microsoft.com/office/officeart/2009/3/layout/HorizontalOrganizationChart"/>
+    <dgm:cxn modelId="{6EAAA112-2869-4885-9B19-489317C4FB46}" type="presParOf" srcId="{08FA5E28-D45D-440A-AFD1-069929269AB0}" destId="{8F343E36-B581-4F71-AF28-89A0F4B45EBB}" srcOrd="1" destOrd="0" presId="urn:microsoft.com/office/officeart/2009/3/layout/HorizontalOrganizationChart"/>
+    <dgm:cxn modelId="{81DBE602-86FB-41BC-84C4-59827C6C9DB0}" type="presParOf" srcId="{08FA5E28-D45D-440A-AFD1-069929269AB0}" destId="{CD27BDE7-EF9A-4353-8DC5-09682B0BD44E}" srcOrd="2" destOrd="0" presId="urn:microsoft.com/office/officeart/2009/3/layout/HorizontalOrganizationChart"/>
+    <dgm:cxn modelId="{6829A5CA-6590-48C5-A33F-5590864C1E95}" type="presParOf" srcId="{38C1A3EE-D839-4B57-990C-5D7B25388D6A}" destId="{D2649717-5E2C-4CCB-A938-AD0EF63966FF}" srcOrd="2" destOrd="0" presId="urn:microsoft.com/office/officeart/2009/3/layout/HorizontalOrganizationChart"/>
+  </dgm:cxnLst>
+  <dgm:bg/>
+  <dgm:whole/>
+  <dgm:extLst>
+    <a:ext uri="http://schemas.microsoft.com/office/drawing/2008/diagram">
+      <dsp:dataModelExt xmlns:dsp="http://schemas.microsoft.com/office/drawing/2008/diagram" relId="rId6" minVer="http://schemas.openxmlformats.org/drawingml/2006/diagram"/>
+    </a:ext>
+    <a:ext uri="{C62137D5-CB1D-491B-B009-E17868A290BF}">
+      <dgm14:recolorImg xmlns:dgm14="http://schemas.microsoft.com/office/drawing/2010/diagram" val="1"/>
+    </a:ext>
+  </dgm:extLst>
+</dgm:dataModel>
+</file>
+
+<file path=ppt/diagrams/drawing1.xml><?xml version="1.0" encoding="utf-8"?>
+<dsp:drawing xmlns:dgm="http://schemas.openxmlformats.org/drawingml/2006/diagram" xmlns:dsp="http://schemas.microsoft.com/office/drawing/2008/diagram" xmlns:a="http://schemas.openxmlformats.org/drawingml/2006/main">
+  <dsp:spTree>
+    <dsp:nvGrpSpPr>
+      <dsp:cNvPr id="0" name=""/>
+      <dsp:cNvGrpSpPr/>
+    </dsp:nvGrpSpPr>
+    <dsp:grpSpPr/>
+    <dsp:sp modelId="{E10A2261-8BD1-457F-9E38-0D761DF17F5D}">
+      <dsp:nvSpPr>
+        <dsp:cNvPr id="0" name=""/>
+        <dsp:cNvSpPr/>
+      </dsp:nvSpPr>
+      <dsp:spPr>
+        <a:xfrm>
+          <a:off x="4418996" y="4817589"/>
+          <a:ext cx="519383" cy="91440"/>
+        </a:xfrm>
+        <a:custGeom>
+          <a:avLst/>
+          <a:gdLst/>
+          <a:ahLst/>
+          <a:cxnLst/>
+          <a:rect l="0" t="0" r="0" b="0"/>
+          <a:pathLst>
+            <a:path>
+              <a:moveTo>
+                <a:pt x="0" y="45720"/>
+              </a:moveTo>
+              <a:lnTo>
+                <a:pt x="519383" y="45720"/>
+              </a:lnTo>
+            </a:path>
+          </a:pathLst>
+        </a:custGeom>
+        <a:noFill/>
+        <a:ln w="76200" cap="flat" cmpd="sng" algn="ctr">
+          <a:solidFill>
+            <a:schemeClr val="tx1"/>
+          </a:solidFill>
+          <a:prstDash val="solid"/>
+          <a:miter lim="800000"/>
+        </a:ln>
+        <a:effectLst/>
+      </dsp:spPr>
+      <dsp:style>
+        <a:lnRef idx="2">
+          <a:scrgbClr r="0" g="0" b="0"/>
+        </a:lnRef>
+        <a:fillRef idx="0">
+          <a:scrgbClr r="0" g="0" b="0"/>
+        </a:fillRef>
+        <a:effectRef idx="0">
+          <a:scrgbClr r="0" g="0" b="0"/>
+        </a:effectRef>
+        <a:fontRef idx="minor"/>
+      </dsp:style>
+    </dsp:sp>
+    <dsp:sp modelId="{5DB17ED1-0167-4D8E-BCFE-FBF80C3BB190}">
+      <dsp:nvSpPr>
+        <dsp:cNvPr id="0" name=""/>
+        <dsp:cNvSpPr/>
+      </dsp:nvSpPr>
+      <dsp:spPr>
+        <a:xfrm>
+          <a:off x="4418996" y="3188296"/>
+          <a:ext cx="519383" cy="558337"/>
+        </a:xfrm>
+        <a:custGeom>
+          <a:avLst/>
+          <a:gdLst/>
+          <a:ahLst/>
+          <a:cxnLst/>
+          <a:rect l="0" t="0" r="0" b="0"/>
+          <a:pathLst>
+            <a:path>
+              <a:moveTo>
+                <a:pt x="0" y="0"/>
+              </a:moveTo>
+              <a:lnTo>
+                <a:pt x="259691" y="0"/>
+              </a:lnTo>
+              <a:lnTo>
+                <a:pt x="259691" y="558337"/>
+              </a:lnTo>
+              <a:lnTo>
+                <a:pt x="519383" y="558337"/>
+              </a:lnTo>
+            </a:path>
+          </a:pathLst>
+        </a:custGeom>
+        <a:noFill/>
+        <a:ln w="76200" cap="flat" cmpd="sng" algn="ctr">
+          <a:solidFill>
+            <a:schemeClr val="tx1"/>
+          </a:solidFill>
+          <a:prstDash val="solid"/>
+          <a:miter lim="800000"/>
+        </a:ln>
+        <a:effectLst/>
+      </dsp:spPr>
+      <dsp:style>
+        <a:lnRef idx="2">
+          <a:scrgbClr r="0" g="0" b="0"/>
+        </a:lnRef>
+        <a:fillRef idx="0">
+          <a:scrgbClr r="0" g="0" b="0"/>
+        </a:fillRef>
+        <a:effectRef idx="0">
+          <a:scrgbClr r="0" g="0" b="0"/>
+        </a:effectRef>
+        <a:fontRef idx="minor"/>
+      </dsp:style>
+    </dsp:sp>
+    <dsp:sp modelId="{E68980E7-A413-41B8-8469-B39DF2AE3644}">
+      <dsp:nvSpPr>
+        <dsp:cNvPr id="0" name=""/>
+        <dsp:cNvSpPr/>
+      </dsp:nvSpPr>
+      <dsp:spPr>
+        <a:xfrm>
+          <a:off x="4418996" y="2629958"/>
+          <a:ext cx="519383" cy="558337"/>
+        </a:xfrm>
+        <a:custGeom>
+          <a:avLst/>
+          <a:gdLst/>
+          <a:ahLst/>
+          <a:cxnLst/>
+          <a:rect l="0" t="0" r="0" b="0"/>
+          <a:pathLst>
+            <a:path>
+              <a:moveTo>
+                <a:pt x="0" y="558337"/>
+              </a:moveTo>
+              <a:lnTo>
+                <a:pt x="259691" y="558337"/>
+              </a:lnTo>
+              <a:lnTo>
+                <a:pt x="259691" y="0"/>
+              </a:lnTo>
+              <a:lnTo>
+                <a:pt x="519383" y="0"/>
+              </a:lnTo>
+            </a:path>
+          </a:pathLst>
+        </a:custGeom>
+        <a:noFill/>
+        <a:ln w="76200" cap="flat" cmpd="sng" algn="ctr">
+          <a:solidFill>
+            <a:schemeClr val="tx1"/>
+          </a:solidFill>
+          <a:prstDash val="solid"/>
+          <a:miter lim="800000"/>
+        </a:ln>
+        <a:effectLst/>
+      </dsp:spPr>
+      <dsp:style>
+        <a:lnRef idx="2">
+          <a:scrgbClr r="0" g="0" b="0"/>
+        </a:lnRef>
+        <a:fillRef idx="0">
+          <a:scrgbClr r="0" g="0" b="0"/>
+        </a:fillRef>
+        <a:effectRef idx="0">
+          <a:scrgbClr r="0" g="0" b="0"/>
+        </a:effectRef>
+        <a:fontRef idx="minor"/>
+      </dsp:style>
+    </dsp:sp>
+    <dsp:sp modelId="{5C5C2B8F-7410-48A6-8B6B-52BF0FBACF83}">
+      <dsp:nvSpPr>
+        <dsp:cNvPr id="0" name=""/>
+        <dsp:cNvSpPr/>
+      </dsp:nvSpPr>
+      <dsp:spPr>
+        <a:xfrm>
+          <a:off x="4443744" y="954945"/>
+          <a:ext cx="519383" cy="558337"/>
+        </a:xfrm>
+        <a:custGeom>
+          <a:avLst/>
+          <a:gdLst/>
+          <a:ahLst/>
+          <a:cxnLst/>
+          <a:rect l="0" t="0" r="0" b="0"/>
+          <a:pathLst>
+            <a:path>
+              <a:moveTo>
+                <a:pt x="0" y="0"/>
+              </a:moveTo>
+              <a:lnTo>
+                <a:pt x="259691" y="0"/>
+              </a:lnTo>
+              <a:lnTo>
+                <a:pt x="259691" y="558337"/>
+              </a:lnTo>
+              <a:lnTo>
+                <a:pt x="519383" y="558337"/>
+              </a:lnTo>
+            </a:path>
+          </a:pathLst>
+        </a:custGeom>
+        <a:noFill/>
+        <a:ln w="76200" cap="flat" cmpd="sng" algn="ctr">
+          <a:solidFill>
+            <a:schemeClr val="tx1"/>
+          </a:solidFill>
+          <a:prstDash val="solid"/>
+          <a:miter lim="800000"/>
+        </a:ln>
+        <a:effectLst/>
+      </dsp:spPr>
+      <dsp:style>
+        <a:lnRef idx="2">
+          <a:scrgbClr r="0" g="0" b="0"/>
+        </a:lnRef>
+        <a:fillRef idx="0">
+          <a:scrgbClr r="0" g="0" b="0"/>
+        </a:fillRef>
+        <a:effectRef idx="0">
+          <a:scrgbClr r="0" g="0" b="0"/>
+        </a:effectRef>
+        <a:fontRef idx="minor"/>
+      </dsp:style>
+    </dsp:sp>
+    <dsp:sp modelId="{3C4BAA84-678F-4056-9522-D5A7566B9ABA}">
+      <dsp:nvSpPr>
+        <dsp:cNvPr id="0" name=""/>
+        <dsp:cNvSpPr/>
+      </dsp:nvSpPr>
+      <dsp:spPr>
+        <a:xfrm>
+          <a:off x="4443744" y="396607"/>
+          <a:ext cx="519383" cy="558337"/>
+        </a:xfrm>
+        <a:custGeom>
+          <a:avLst/>
+          <a:gdLst/>
+          <a:ahLst/>
+          <a:cxnLst/>
+          <a:rect l="0" t="0" r="0" b="0"/>
+          <a:pathLst>
+            <a:path>
+              <a:moveTo>
+                <a:pt x="0" y="558337"/>
+              </a:moveTo>
+              <a:lnTo>
+                <a:pt x="259691" y="558337"/>
+              </a:lnTo>
+              <a:lnTo>
+                <a:pt x="259691" y="0"/>
+              </a:lnTo>
+              <a:lnTo>
+                <a:pt x="519383" y="0"/>
+              </a:lnTo>
+            </a:path>
+          </a:pathLst>
+        </a:custGeom>
+        <a:noFill/>
+        <a:ln w="76200" cap="flat" cmpd="sng" algn="ctr">
+          <a:solidFill>
+            <a:schemeClr val="tx1"/>
+          </a:solidFill>
+          <a:prstDash val="solid"/>
+          <a:miter lim="800000"/>
+        </a:ln>
+        <a:effectLst/>
+      </dsp:spPr>
+      <dsp:style>
+        <a:lnRef idx="2">
+          <a:scrgbClr r="0" g="0" b="0"/>
+        </a:lnRef>
+        <a:fillRef idx="0">
+          <a:scrgbClr r="0" g="0" b="0"/>
+        </a:fillRef>
+        <a:effectRef idx="0">
+          <a:scrgbClr r="0" g="0" b="0"/>
+        </a:effectRef>
+        <a:fontRef idx="minor"/>
+      </dsp:style>
+    </dsp:sp>
+    <dsp:sp modelId="{528C94ED-A841-4F32-8D3A-1F3594E05A30}">
+      <dsp:nvSpPr>
+        <dsp:cNvPr id="0" name=""/>
+        <dsp:cNvSpPr/>
+      </dsp:nvSpPr>
+      <dsp:spPr>
+        <a:xfrm>
+          <a:off x="1822076" y="558914"/>
+          <a:ext cx="2621668" cy="792060"/>
+        </a:xfrm>
+        <a:prstGeom prst="rect">
+          <a:avLst/>
+        </a:prstGeom>
+        <a:solidFill>
+          <a:srgbClr val="E6F0FF"/>
+        </a:solidFill>
+        <a:ln w="76200" cap="flat" cmpd="sng" algn="ctr">
+          <a:solidFill>
+            <a:schemeClr val="tx1"/>
+          </a:solidFill>
+          <a:prstDash val="solid"/>
+          <a:miter lim="800000"/>
+        </a:ln>
+        <a:effectLst/>
+      </dsp:spPr>
+      <dsp:style>
+        <a:lnRef idx="2">
+          <a:scrgbClr r="0" g="0" b="0"/>
+        </a:lnRef>
+        <a:fillRef idx="1">
+          <a:scrgbClr r="0" g="0" b="0"/>
+        </a:fillRef>
+        <a:effectRef idx="0">
+          <a:scrgbClr r="0" g="0" b="0"/>
+        </a:effectRef>
+        <a:fontRef idx="minor">
+          <a:schemeClr val="lt1"/>
+        </a:fontRef>
+      </dsp:style>
+      <dsp:txBody>
+        <a:bodyPr spcFirstLastPara="0" vert="horz" wrap="square" lIns="22225" tIns="22225" rIns="22225" bIns="22225" numCol="1" spcCol="1270" anchor="ctr" anchorCtr="0">
+          <a:noAutofit/>
+        </a:bodyPr>
+        <a:lstStyle/>
+        <a:p>
+          <a:pPr marL="0" lvl="0" indent="0" algn="ctr" defTabSz="1555750">
+            <a:lnSpc>
+              <a:spcPct val="90000"/>
+            </a:lnSpc>
+            <a:spcBef>
+              <a:spcPct val="0"/>
+            </a:spcBef>
+            <a:spcAft>
+              <a:spcPct val="35000"/>
+            </a:spcAft>
+            <a:buNone/>
+          </a:pPr>
+          <a:r>
+            <a:rPr lang="en-US" sz="3500" kern="1200" dirty="0">
+              <a:solidFill>
+                <a:schemeClr val="tx1"/>
+              </a:solidFill>
+              <a:latin typeface="Times New Roman" panose="02020603050405020304" pitchFamily="18" charset="0"/>
+              <a:cs typeface="Times New Roman" panose="02020603050405020304" pitchFamily="18" charset="0"/>
+            </a:rPr>
+            <a:t>Autonomy</a:t>
+          </a:r>
+        </a:p>
+      </dsp:txBody>
+      <dsp:txXfrm>
+        <a:off x="1822076" y="558914"/>
+        <a:ext cx="2621668" cy="792060"/>
+      </dsp:txXfrm>
+    </dsp:sp>
+    <dsp:sp modelId="{542F5F80-E40E-4D3D-BAA6-2781D5BABF71}">
+      <dsp:nvSpPr>
+        <dsp:cNvPr id="0" name=""/>
+        <dsp:cNvSpPr/>
+      </dsp:nvSpPr>
+      <dsp:spPr>
+        <a:xfrm>
+          <a:off x="4963128" y="577"/>
+          <a:ext cx="2596919" cy="792060"/>
+        </a:xfrm>
+        <a:prstGeom prst="rect">
+          <a:avLst/>
+        </a:prstGeom>
+        <a:solidFill>
+          <a:srgbClr val="EDEDED"/>
+        </a:solidFill>
+        <a:ln w="76200" cap="flat" cmpd="sng" algn="ctr">
+          <a:solidFill>
+            <a:schemeClr val="tx1"/>
+          </a:solidFill>
+          <a:prstDash val="solid"/>
+          <a:miter lim="800000"/>
+        </a:ln>
+        <a:effectLst/>
+      </dsp:spPr>
+      <dsp:style>
+        <a:lnRef idx="2">
+          <a:scrgbClr r="0" g="0" b="0"/>
+        </a:lnRef>
+        <a:fillRef idx="1">
+          <a:scrgbClr r="0" g="0" b="0"/>
+        </a:fillRef>
+        <a:effectRef idx="0">
+          <a:scrgbClr r="0" g="0" b="0"/>
+        </a:effectRef>
+        <a:fontRef idx="minor">
+          <a:schemeClr val="lt1"/>
+        </a:fontRef>
+      </dsp:style>
+      <dsp:txBody>
+        <a:bodyPr spcFirstLastPara="0" vert="horz" wrap="square" lIns="22225" tIns="22225" rIns="22225" bIns="22225" numCol="1" spcCol="1270" anchor="ctr" anchorCtr="0">
+          <a:noAutofit/>
+        </a:bodyPr>
+        <a:lstStyle/>
+        <a:p>
+          <a:pPr marL="0" lvl="0" indent="0" algn="ctr" defTabSz="1555750">
+            <a:lnSpc>
+              <a:spcPct val="90000"/>
+            </a:lnSpc>
+            <a:spcBef>
+              <a:spcPct val="0"/>
+            </a:spcBef>
+            <a:spcAft>
+              <a:spcPct val="35000"/>
+            </a:spcAft>
+            <a:buNone/>
+          </a:pPr>
+          <a:r>
+            <a:rPr lang="en-US" sz="3500" kern="1200" dirty="0">
+              <a:solidFill>
+                <a:schemeClr val="tx1"/>
+              </a:solidFill>
+              <a:latin typeface="Times New Roman" panose="02020603050405020304" pitchFamily="18" charset="0"/>
+              <a:cs typeface="Times New Roman" panose="02020603050405020304" pitchFamily="18" charset="0"/>
+            </a:rPr>
+            <a:t>Care/harm</a:t>
+          </a:r>
+        </a:p>
+      </dsp:txBody>
+      <dsp:txXfrm>
+        <a:off x="4963128" y="577"/>
+        <a:ext cx="2596919" cy="792060"/>
+      </dsp:txXfrm>
+    </dsp:sp>
+    <dsp:sp modelId="{595B0202-C3A7-4D22-AB64-F5AA4FE3EED8}">
+      <dsp:nvSpPr>
+        <dsp:cNvPr id="0" name=""/>
+        <dsp:cNvSpPr/>
+      </dsp:nvSpPr>
+      <dsp:spPr>
+        <a:xfrm>
+          <a:off x="4963128" y="1117252"/>
+          <a:ext cx="2596919" cy="792060"/>
+        </a:xfrm>
+        <a:prstGeom prst="rect">
+          <a:avLst/>
+        </a:prstGeom>
+        <a:solidFill>
+          <a:srgbClr val="EDEDED"/>
+        </a:solidFill>
+        <a:ln w="76200" cap="flat" cmpd="sng" algn="ctr">
+          <a:solidFill>
+            <a:schemeClr val="tx1"/>
+          </a:solidFill>
+          <a:prstDash val="solid"/>
+          <a:miter lim="800000"/>
+        </a:ln>
+        <a:effectLst/>
+      </dsp:spPr>
+      <dsp:style>
+        <a:lnRef idx="2">
+          <a:scrgbClr r="0" g="0" b="0"/>
+        </a:lnRef>
+        <a:fillRef idx="1">
+          <a:scrgbClr r="0" g="0" b="0"/>
+        </a:fillRef>
+        <a:effectRef idx="0">
+          <a:scrgbClr r="0" g="0" b="0"/>
+        </a:effectRef>
+        <a:fontRef idx="minor">
+          <a:schemeClr val="lt1"/>
+        </a:fontRef>
+      </dsp:style>
+      <dsp:txBody>
+        <a:bodyPr spcFirstLastPara="0" vert="horz" wrap="square" lIns="22225" tIns="22225" rIns="22225" bIns="22225" numCol="1" spcCol="1270" anchor="ctr" anchorCtr="0">
+          <a:noAutofit/>
+        </a:bodyPr>
+        <a:lstStyle/>
+        <a:p>
+          <a:pPr marL="0" lvl="0" indent="0" algn="ctr" defTabSz="1555750">
+            <a:lnSpc>
+              <a:spcPct val="90000"/>
+            </a:lnSpc>
+            <a:spcBef>
+              <a:spcPct val="0"/>
+            </a:spcBef>
+            <a:spcAft>
+              <a:spcPct val="35000"/>
+            </a:spcAft>
+            <a:buNone/>
+          </a:pPr>
+          <a:r>
+            <a:rPr lang="en-US" sz="3500" kern="1200" dirty="0">
+              <a:solidFill>
+                <a:schemeClr val="tx1"/>
+              </a:solidFill>
+              <a:latin typeface="Times New Roman" panose="02020603050405020304" pitchFamily="18" charset="0"/>
+              <a:cs typeface="Times New Roman" panose="02020603050405020304" pitchFamily="18" charset="0"/>
+            </a:rPr>
+            <a:t>Fairness</a:t>
+          </a:r>
+        </a:p>
+      </dsp:txBody>
+      <dsp:txXfrm>
+        <a:off x="4963128" y="1117252"/>
+        <a:ext cx="2596919" cy="792060"/>
+      </dsp:txXfrm>
+    </dsp:sp>
+    <dsp:sp modelId="{76E91E6C-71DF-4AD6-A091-B7BB8DD871A9}">
+      <dsp:nvSpPr>
+        <dsp:cNvPr id="0" name=""/>
+        <dsp:cNvSpPr/>
+      </dsp:nvSpPr>
+      <dsp:spPr>
+        <a:xfrm>
+          <a:off x="1822076" y="2792265"/>
+          <a:ext cx="2596919" cy="792060"/>
+        </a:xfrm>
+        <a:prstGeom prst="rect">
+          <a:avLst/>
+        </a:prstGeom>
+        <a:solidFill>
+          <a:srgbClr val="E6F0FF"/>
+        </a:solidFill>
+        <a:ln w="76200" cap="flat" cmpd="sng" algn="ctr">
+          <a:solidFill>
+            <a:schemeClr val="tx1"/>
+          </a:solidFill>
+          <a:prstDash val="solid"/>
+          <a:miter lim="800000"/>
+        </a:ln>
+        <a:effectLst/>
+      </dsp:spPr>
+      <dsp:style>
+        <a:lnRef idx="2">
+          <a:scrgbClr r="0" g="0" b="0"/>
+        </a:lnRef>
+        <a:fillRef idx="1">
+          <a:scrgbClr r="0" g="0" b="0"/>
+        </a:fillRef>
+        <a:effectRef idx="0">
+          <a:scrgbClr r="0" g="0" b="0"/>
+        </a:effectRef>
+        <a:fontRef idx="minor">
+          <a:schemeClr val="lt1"/>
+        </a:fontRef>
+      </dsp:style>
+      <dsp:txBody>
+        <a:bodyPr spcFirstLastPara="0" vert="horz" wrap="square" lIns="22225" tIns="22225" rIns="22225" bIns="22225" numCol="1" spcCol="1270" anchor="ctr" anchorCtr="0">
+          <a:noAutofit/>
+        </a:bodyPr>
+        <a:lstStyle/>
+        <a:p>
+          <a:pPr marL="0" lvl="0" indent="0" algn="ctr" defTabSz="1555750">
+            <a:lnSpc>
+              <a:spcPct val="90000"/>
+            </a:lnSpc>
+            <a:spcBef>
+              <a:spcPct val="0"/>
+            </a:spcBef>
+            <a:spcAft>
+              <a:spcPct val="35000"/>
+            </a:spcAft>
+            <a:buNone/>
+          </a:pPr>
+          <a:r>
+            <a:rPr lang="en-US" sz="3500" kern="1200" dirty="0">
+              <a:solidFill>
+                <a:schemeClr val="tx1"/>
+              </a:solidFill>
+              <a:latin typeface="Times New Roman" panose="02020603050405020304" pitchFamily="18" charset="0"/>
+              <a:cs typeface="Times New Roman" panose="02020603050405020304" pitchFamily="18" charset="0"/>
+            </a:rPr>
+            <a:t>Community</a:t>
+          </a:r>
+        </a:p>
+      </dsp:txBody>
+      <dsp:txXfrm>
+        <a:off x="1822076" y="2792265"/>
+        <a:ext cx="2596919" cy="792060"/>
+      </dsp:txXfrm>
+    </dsp:sp>
+    <dsp:sp modelId="{3AD9A987-89F8-4969-ADF0-D0F6802EE6C3}">
+      <dsp:nvSpPr>
+        <dsp:cNvPr id="0" name=""/>
+        <dsp:cNvSpPr/>
+      </dsp:nvSpPr>
+      <dsp:spPr>
+        <a:xfrm>
+          <a:off x="4938380" y="2233928"/>
+          <a:ext cx="2596919" cy="792060"/>
+        </a:xfrm>
+        <a:prstGeom prst="rect">
+          <a:avLst/>
+        </a:prstGeom>
+        <a:solidFill>
+          <a:srgbClr val="EDEDED"/>
+        </a:solidFill>
+        <a:ln w="76200" cap="flat" cmpd="sng" algn="ctr">
+          <a:solidFill>
+            <a:schemeClr val="tx1"/>
+          </a:solidFill>
+          <a:prstDash val="solid"/>
+          <a:miter lim="800000"/>
+        </a:ln>
+        <a:effectLst/>
+      </dsp:spPr>
+      <dsp:style>
+        <a:lnRef idx="2">
+          <a:scrgbClr r="0" g="0" b="0"/>
+        </a:lnRef>
+        <a:fillRef idx="1">
+          <a:scrgbClr r="0" g="0" b="0"/>
+        </a:fillRef>
+        <a:effectRef idx="0">
+          <a:scrgbClr r="0" g="0" b="0"/>
+        </a:effectRef>
+        <a:fontRef idx="minor">
+          <a:schemeClr val="lt1"/>
+        </a:fontRef>
+      </dsp:style>
+      <dsp:txBody>
+        <a:bodyPr spcFirstLastPara="0" vert="horz" wrap="square" lIns="22225" tIns="22225" rIns="22225" bIns="22225" numCol="1" spcCol="1270" anchor="ctr" anchorCtr="0">
+          <a:noAutofit/>
+        </a:bodyPr>
+        <a:lstStyle/>
+        <a:p>
+          <a:pPr marL="0" lvl="0" indent="0" algn="ctr" defTabSz="1555750">
+            <a:lnSpc>
+              <a:spcPct val="90000"/>
+            </a:lnSpc>
+            <a:spcBef>
+              <a:spcPct val="0"/>
+            </a:spcBef>
+            <a:spcAft>
+              <a:spcPct val="35000"/>
+            </a:spcAft>
+            <a:buNone/>
+          </a:pPr>
+          <a:r>
+            <a:rPr lang="en-US" sz="3500" kern="1200" dirty="0">
+              <a:solidFill>
+                <a:schemeClr val="tx1"/>
+              </a:solidFill>
+              <a:latin typeface="Times New Roman" panose="02020603050405020304" pitchFamily="18" charset="0"/>
+              <a:cs typeface="Times New Roman" panose="02020603050405020304" pitchFamily="18" charset="0"/>
+            </a:rPr>
+            <a:t>Loyalty</a:t>
+          </a:r>
+        </a:p>
+      </dsp:txBody>
+      <dsp:txXfrm>
+        <a:off x="4938380" y="2233928"/>
+        <a:ext cx="2596919" cy="792060"/>
+      </dsp:txXfrm>
+    </dsp:sp>
+    <dsp:sp modelId="{095BE616-B43A-47D2-9F31-036477B5F0DD}">
+      <dsp:nvSpPr>
+        <dsp:cNvPr id="0" name=""/>
+        <dsp:cNvSpPr/>
+      </dsp:nvSpPr>
+      <dsp:spPr>
+        <a:xfrm>
+          <a:off x="4938380" y="3350603"/>
+          <a:ext cx="2596919" cy="792060"/>
+        </a:xfrm>
+        <a:prstGeom prst="rect">
+          <a:avLst/>
+        </a:prstGeom>
+        <a:solidFill>
+          <a:srgbClr val="EDEDED"/>
+        </a:solidFill>
+        <a:ln w="76200" cap="flat" cmpd="sng" algn="ctr">
+          <a:solidFill>
+            <a:schemeClr val="tx1"/>
+          </a:solidFill>
+          <a:prstDash val="solid"/>
+          <a:miter lim="800000"/>
+        </a:ln>
+        <a:effectLst/>
+      </dsp:spPr>
+      <dsp:style>
+        <a:lnRef idx="2">
+          <a:scrgbClr r="0" g="0" b="0"/>
+        </a:lnRef>
+        <a:fillRef idx="1">
+          <a:scrgbClr r="0" g="0" b="0"/>
+        </a:fillRef>
+        <a:effectRef idx="0">
+          <a:scrgbClr r="0" g="0" b="0"/>
+        </a:effectRef>
+        <a:fontRef idx="minor">
+          <a:schemeClr val="lt1"/>
+        </a:fontRef>
+      </dsp:style>
+      <dsp:txBody>
+        <a:bodyPr spcFirstLastPara="0" vert="horz" wrap="square" lIns="22225" tIns="22225" rIns="22225" bIns="22225" numCol="1" spcCol="1270" anchor="ctr" anchorCtr="0">
+          <a:noAutofit/>
+        </a:bodyPr>
+        <a:lstStyle/>
+        <a:p>
+          <a:pPr marL="0" lvl="0" indent="0" algn="ctr" defTabSz="1555750">
+            <a:lnSpc>
+              <a:spcPct val="90000"/>
+            </a:lnSpc>
+            <a:spcBef>
+              <a:spcPct val="0"/>
+            </a:spcBef>
+            <a:spcAft>
+              <a:spcPct val="35000"/>
+            </a:spcAft>
+            <a:buNone/>
+          </a:pPr>
+          <a:r>
+            <a:rPr lang="en-US" sz="3500" kern="1200" dirty="0">
+              <a:solidFill>
+                <a:schemeClr val="tx1"/>
+              </a:solidFill>
+              <a:latin typeface="Times New Roman" panose="02020603050405020304" pitchFamily="18" charset="0"/>
+              <a:cs typeface="Times New Roman" panose="02020603050405020304" pitchFamily="18" charset="0"/>
+            </a:rPr>
+            <a:t>Authority</a:t>
+          </a:r>
+        </a:p>
+      </dsp:txBody>
+      <dsp:txXfrm>
+        <a:off x="4938380" y="3350603"/>
+        <a:ext cx="2596919" cy="792060"/>
+      </dsp:txXfrm>
+    </dsp:sp>
+    <dsp:sp modelId="{3BE0D231-CE92-45E6-B6B1-27FAAA28C435}">
+      <dsp:nvSpPr>
+        <dsp:cNvPr id="0" name=""/>
+        <dsp:cNvSpPr/>
+      </dsp:nvSpPr>
+      <dsp:spPr>
+        <a:xfrm>
+          <a:off x="1822076" y="4467279"/>
+          <a:ext cx="2596919" cy="792060"/>
+        </a:xfrm>
+        <a:prstGeom prst="rect">
+          <a:avLst/>
+        </a:prstGeom>
+        <a:solidFill>
+          <a:srgbClr val="E6F0FF"/>
+        </a:solidFill>
+        <a:ln w="76200" cap="flat" cmpd="sng" algn="ctr">
+          <a:solidFill>
+            <a:schemeClr val="tx1"/>
+          </a:solidFill>
+          <a:prstDash val="solid"/>
+          <a:miter lim="800000"/>
+        </a:ln>
+        <a:effectLst/>
+      </dsp:spPr>
+      <dsp:style>
+        <a:lnRef idx="2">
+          <a:scrgbClr r="0" g="0" b="0"/>
+        </a:lnRef>
+        <a:fillRef idx="1">
+          <a:scrgbClr r="0" g="0" b="0"/>
+        </a:fillRef>
+        <a:effectRef idx="0">
+          <a:scrgbClr r="0" g="0" b="0"/>
+        </a:effectRef>
+        <a:fontRef idx="minor">
+          <a:schemeClr val="lt1"/>
+        </a:fontRef>
+      </dsp:style>
+      <dsp:txBody>
+        <a:bodyPr spcFirstLastPara="0" vert="horz" wrap="square" lIns="22225" tIns="22225" rIns="22225" bIns="22225" numCol="1" spcCol="1270" anchor="ctr" anchorCtr="0">
+          <a:noAutofit/>
+        </a:bodyPr>
+        <a:lstStyle/>
+        <a:p>
+          <a:pPr marL="0" lvl="0" indent="0" algn="ctr" defTabSz="1555750">
+            <a:lnSpc>
+              <a:spcPct val="90000"/>
+            </a:lnSpc>
+            <a:spcBef>
+              <a:spcPct val="0"/>
+            </a:spcBef>
+            <a:spcAft>
+              <a:spcPct val="35000"/>
+            </a:spcAft>
+            <a:buNone/>
+          </a:pPr>
+          <a:r>
+            <a:rPr lang="en-US" sz="3500" kern="1200" dirty="0">
+              <a:solidFill>
+                <a:schemeClr val="tx1"/>
+              </a:solidFill>
+              <a:latin typeface="Times New Roman" panose="02020603050405020304" pitchFamily="18" charset="0"/>
+              <a:cs typeface="Times New Roman" panose="02020603050405020304" pitchFamily="18" charset="0"/>
+            </a:rPr>
+            <a:t>Divinity</a:t>
+          </a:r>
+        </a:p>
+      </dsp:txBody>
+      <dsp:txXfrm>
+        <a:off x="1822076" y="4467279"/>
+        <a:ext cx="2596919" cy="792060"/>
+      </dsp:txXfrm>
+    </dsp:sp>
+    <dsp:sp modelId="{00535EE0-8E36-40F5-889D-54C27CCA7E89}">
+      <dsp:nvSpPr>
+        <dsp:cNvPr id="0" name=""/>
+        <dsp:cNvSpPr/>
+      </dsp:nvSpPr>
+      <dsp:spPr>
+        <a:xfrm>
+          <a:off x="4938380" y="4467279"/>
+          <a:ext cx="2596919" cy="792060"/>
+        </a:xfrm>
+        <a:prstGeom prst="rect">
+          <a:avLst/>
+        </a:prstGeom>
+        <a:solidFill>
+          <a:srgbClr val="EDEDED"/>
+        </a:solidFill>
+        <a:ln w="76200" cap="flat" cmpd="sng" algn="ctr">
+          <a:solidFill>
+            <a:schemeClr val="tx1"/>
+          </a:solidFill>
+          <a:prstDash val="solid"/>
+          <a:miter lim="800000"/>
+        </a:ln>
+        <a:effectLst/>
+      </dsp:spPr>
+      <dsp:style>
+        <a:lnRef idx="2">
+          <a:scrgbClr r="0" g="0" b="0"/>
+        </a:lnRef>
+        <a:fillRef idx="1">
+          <a:scrgbClr r="0" g="0" b="0"/>
+        </a:fillRef>
+        <a:effectRef idx="0">
+          <a:scrgbClr r="0" g="0" b="0"/>
+        </a:effectRef>
+        <a:fontRef idx="minor">
+          <a:schemeClr val="lt1"/>
+        </a:fontRef>
+      </dsp:style>
+      <dsp:txBody>
+        <a:bodyPr spcFirstLastPara="0" vert="horz" wrap="square" lIns="22225" tIns="22225" rIns="22225" bIns="22225" numCol="1" spcCol="1270" anchor="ctr" anchorCtr="0">
+          <a:noAutofit/>
+        </a:bodyPr>
+        <a:lstStyle/>
+        <a:p>
+          <a:pPr marL="0" lvl="0" indent="0" algn="ctr" defTabSz="1555750">
+            <a:lnSpc>
+              <a:spcPct val="90000"/>
+            </a:lnSpc>
+            <a:spcBef>
+              <a:spcPct val="0"/>
+            </a:spcBef>
+            <a:spcAft>
+              <a:spcPct val="35000"/>
+            </a:spcAft>
+            <a:buNone/>
+          </a:pPr>
+          <a:r>
+            <a:rPr lang="en-US" sz="3500" kern="1200" dirty="0">
+              <a:solidFill>
+                <a:schemeClr val="tx1"/>
+              </a:solidFill>
+              <a:latin typeface="Times New Roman" panose="02020603050405020304" pitchFamily="18" charset="0"/>
+              <a:cs typeface="Times New Roman" panose="02020603050405020304" pitchFamily="18" charset="0"/>
+            </a:rPr>
+            <a:t>Purity</a:t>
+          </a:r>
+        </a:p>
+      </dsp:txBody>
+      <dsp:txXfrm>
+        <a:off x="4938380" y="4467279"/>
+        <a:ext cx="2596919" cy="792060"/>
+      </dsp:txXfrm>
+    </dsp:sp>
+  </dsp:spTree>
+</dsp:drawing>
+</file>
+
+<file path=ppt/diagrams/layout1.xml><?xml version="1.0" encoding="utf-8"?>
+<dgm:layoutDef xmlns:dgm="http://schemas.openxmlformats.org/drawingml/2006/diagram" xmlns:a="http://schemas.openxmlformats.org/drawingml/2006/main" uniqueId="urn:microsoft.com/office/officeart/2009/3/layout/HorizontalOrganizationChart">
+  <dgm:title val=""/>
+  <dgm:desc val=""/>
+  <dgm:catLst>
+    <dgm:cat type="hierarchy" pri="4300"/>
+  </dgm:catLst>
+  <dgm:sampData>
+    <dgm:dataModel>
+      <dgm:ptLst>
+        <dgm:pt modelId="0" type="doc"/>
+        <dgm:pt modelId="1">
+          <dgm:prSet phldr="1"/>
+        </dgm:pt>
+        <dgm:pt modelId="2" type="asst">
+          <dgm:prSet phldr="1"/>
+        </dgm:pt>
+        <dgm:pt modelId="3">
+          <dgm:prSet phldr="1"/>
+        </dgm:pt>
+        <dgm:pt modelId="4">
+          <dgm:prSet phldr="1"/>
+        </dgm:pt>
+        <dgm:pt modelId="5">
+          <dgm:prSet phldr="1"/>
+        </dgm:pt>
+      </dgm:ptLst>
+      <dgm:cxnLst>
+        <dgm:cxn modelId="5" srcId="0" destId="1" srcOrd="0" destOrd="0"/>
+        <dgm:cxn modelId="6" srcId="1" destId="2" srcOrd="0" destOrd="0"/>
+        <dgm:cxn modelId="7" srcId="1" destId="3" srcOrd="1" destOrd="0"/>
+        <dgm:cxn modelId="8" srcId="1" destId="4" srcOrd="2" destOrd="0"/>
+        <dgm:cxn modelId="9" srcId="1" destId="5" srcOrd="3" destOrd="0"/>
+      </dgm:cxnLst>
+      <dgm:bg/>
+      <dgm:whole/>
+    </dgm:dataModel>
+  </dgm:sampData>
+  <dgm:styleData>
+    <dgm:dataModel>
+      <dgm:ptLst>
+        <dgm:pt modelId="0" type="doc"/>
+        <dgm:pt modelId="1"/>
+        <dgm:pt modelId="12"/>
+        <dgm:pt modelId="13"/>
+      </dgm:ptLst>
+      <dgm:cxnLst>
+        <dgm:cxn modelId="2" srcId="0" destId="1" srcOrd="0" destOrd="0"/>
+        <dgm:cxn modelId="16" srcId="1" destId="12" srcOrd="1" destOrd="0"/>
+        <dgm:cxn modelId="17" srcId="1" destId="13" srcOrd="2" destOrd="0"/>
+      </dgm:cxnLst>
+      <dgm:bg/>
+      <dgm:whole/>
+    </dgm:dataModel>
+  </dgm:styleData>
+  <dgm:clrData>
+    <dgm:dataModel>
+      <dgm:ptLst>
+        <dgm:pt modelId="0" type="doc"/>
+        <dgm:pt modelId="1"/>
+        <dgm:pt modelId="11" type="asst"/>
+        <dgm:pt modelId="12"/>
+        <dgm:pt modelId="13"/>
+        <dgm:pt modelId="14"/>
+      </dgm:ptLst>
+      <dgm:cxnLst>
+        <dgm:cxn modelId="2" srcId="0" destId="1" srcOrd="0" destOrd="0"/>
+        <dgm:cxn modelId="15" srcId="1" destId="11" srcOrd="0" destOrd="0"/>
+        <dgm:cxn modelId="16" srcId="1" destId="12" srcOrd="1" destOrd="0"/>
+        <dgm:cxn modelId="17" srcId="1" destId="13" srcOrd="2" destOrd="0"/>
+        <dgm:cxn modelId="18" srcId="1" destId="14" srcOrd="2" destOrd="0"/>
+      </dgm:cxnLst>
+      <dgm:bg/>
+      <dgm:whole/>
+    </dgm:dataModel>
+  </dgm:clrData>
+  <dgm:layoutNode name="hierChild1">
+    <dgm:varLst>
+      <dgm:orgChart val="1"/>
+      <dgm:chPref val="1"/>
+      <dgm:dir/>
+      <dgm:animOne val="branch"/>
+      <dgm:animLvl val="lvl"/>
+      <dgm:resizeHandles/>
+    </dgm:varLst>
+    <dgm:choose name="Name0">
+      <dgm:if name="Name1" func="var" arg="dir" op="equ" val="norm">
+        <dgm:alg type="hierChild">
+          <dgm:param type="linDir" val="fromT"/>
+          <dgm:param type="chAlign" val="l"/>
+        </dgm:alg>
+      </dgm:if>
+      <dgm:else name="Name2">
+        <dgm:alg type="hierChild">
+          <dgm:param type="linDir" val="fromT"/>
+          <dgm:param type="chAlign" val="r"/>
+        </dgm:alg>
+      </dgm:else>
+    </dgm:choose>
+    <dgm:shape xmlns:r="http://schemas.openxmlformats.org/officeDocument/2006/relationships" r:blip="">
+      <dgm:adjLst/>
+    </dgm:shape>
+    <dgm:presOf/>
+    <dgm:constrLst>
+      <dgm:constr type="w" for="des" forName="rootComposite1" refType="w" fact="10"/>
+      <dgm:constr type="h" for="des" forName="rootComposite1" refType="w" refFor="des" refForName="rootComposite1" fact="0.305"/>
+      <dgm:constr type="w" for="des" forName="rootComposite" refType="w" fact="10"/>
+      <dgm:constr type="h" for="des" forName="rootComposite" refType="w" refFor="des" refForName="rootComposite1" fact="0.305"/>
+      <dgm:constr type="w" for="des" forName="rootComposite3" refType="w" fact="10"/>
+      <dgm:constr type="h" for="des" forName="rootComposite3" refType="w" refFor="des" refForName="rootComposite1" fact="0.305"/>
+      <dgm:constr type="primFontSz" for="des" ptType="node" op="equ"/>
+      <dgm:constr type="sp" for="des" op="equ"/>
+      <dgm:constr type="sp" for="des" forName="hierRoot1" refType="w" refFor="des" refForName="rootComposite1" fact="0.2"/>
+      <dgm:constr type="sp" for="des" forName="hierRoot2" refType="sp" refFor="des" refForName="hierRoot1"/>
+      <dgm:constr type="sp" for="des" forName="hierRoot3" refType="sp" refFor="des" refForName="hierRoot1"/>
+      <dgm:constr type="sibSp" refType="w" refFor="des" refForName="rootComposite1" fact="0.125"/>
+      <dgm:constr type="sibSp" for="des" forName="hierChild2" refType="sibSp"/>
+      <dgm:constr type="sibSp" for="des" forName="hierChild3" refType="sibSp"/>
+      <dgm:constr type="sibSp" for="des" forName="hierChild4" refType="sibSp"/>
+      <dgm:constr type="sibSp" for="des" forName="hierChild5" refType="sibSp"/>
+      <dgm:constr type="sibSp" for="des" forName="hierChild6" refType="sibSp"/>
+      <dgm:constr type="sibSp" for="des" forName="hierChild7" refType="sibSp"/>
+      <dgm:constr type="secSibSp" refType="w" refFor="des" refForName="rootComposite1" fact="0.125"/>
+      <dgm:constr type="secSibSp" for="des" forName="hierChild2" refType="secSibSp"/>
+      <dgm:constr type="secSibSp" for="des" forName="hierChild3" refType="secSibSp"/>
+      <dgm:constr type="secSibSp" for="des" forName="hierChild4" refType="secSibSp"/>
+      <dgm:constr type="secSibSp" for="des" forName="hierChild5" refType="secSibSp"/>
+      <dgm:constr type="secSibSp" for="des" forName="hierChild6" refType="secSibSp"/>
+      <dgm:constr type="secSibSp" for="des" forName="hierChild7" refType="secSibSp"/>
+    </dgm:constrLst>
+    <dgm:ruleLst/>
+    <dgm:forEach name="Name3" axis="ch">
+      <dgm:forEach name="Name4" axis="self" ptType="node">
+        <dgm:layoutNode name="hierRoot1">
+          <dgm:varLst>
+            <dgm:hierBranch val="init"/>
+          </dgm:varLst>
+          <dgm:choose name="Name5">
+            <dgm:if name="Name6" func="var" arg="hierBranch" op="equ" val="l">
+              <dgm:choose name="Name7">
+                <dgm:if name="Name8" func="var" arg="dir" op="equ" val="norm">
+                  <dgm:alg type="hierRoot">
+                    <dgm:param type="hierAlign" val="lT"/>
+                  </dgm:alg>
+                  <dgm:constrLst>
+                    <dgm:constr type="alignOff" val="0.75"/>
+                  </dgm:constrLst>
+                </dgm:if>
+                <dgm:else name="Name9">
+                  <dgm:alg type="hierRoot">
+                    <dgm:param type="hierAlign" val="rT"/>
+                  </dgm:alg>
+                  <dgm:constrLst>
+                    <dgm:constr type="alignOff" val="0.75"/>
+                  </dgm:constrLst>
+                </dgm:else>
+              </dgm:choose>
+            </dgm:if>
+            <dgm:if name="Name10" func="var" arg="hierBranch" op="equ" val="r">
+              <dgm:choose name="Name11">
+                <dgm:if name="Name12" func="var" arg="dir" op="equ" val="norm">
+                  <dgm:alg type="hierRoot">
+                    <dgm:param type="hierAlign" val="lB"/>
+                  </dgm:alg>
+                  <dgm:constrLst>
+                    <dgm:constr type="alignOff" val="0.75"/>
+                  </dgm:constrLst>
+                </dgm:if>
+                <dgm:else name="Name13">
+                  <dgm:alg type="hierRoot">
+                    <dgm:param type="hierAlign" val="rB"/>
+                  </dgm:alg>
+                  <dgm:constrLst>
+                    <dgm:constr type="alignOff" val="0.75"/>
+                  </dgm:constrLst>
+                </dgm:else>
+              </dgm:choose>
+            </dgm:if>
+            <dgm:if name="Name14" func="var" arg="hierBranch" op="equ" val="hang">
+              <dgm:choose name="Name15">
+                <dgm:if name="Name16" func="var" arg="dir" op="equ" val="norm">
+                  <dgm:alg type="hierRoot">
+                    <dgm:param type="hierAlign" val="lCtrCh"/>
+                  </dgm:alg>
+                  <dgm:constrLst>
+                    <dgm:constr type="alignOff" val="0.65"/>
+                  </dgm:constrLst>
+                </dgm:if>
+                <dgm:else name="Name17">
+                  <dgm:alg type="hierRoot">
+                    <dgm:param type="hierAlign" val="rCtrCh"/>
+                  </dgm:alg>
+                  <dgm:constrLst>
+                    <dgm:constr type="alignOff" val="0.65"/>
+                  </dgm:constrLst>
+                </dgm:else>
+              </dgm:choose>
+            </dgm:if>
+            <dgm:else name="Name18">
+              <dgm:choose name="Name19">
+                <dgm:if name="Name20" func="var" arg="dir" op="equ" val="norm">
+                  <dgm:alg type="hierRoot">
+                    <dgm:param type="hierAlign" val="lCtrCh"/>
+                  </dgm:alg>
+                  <dgm:constrLst>
+                    <dgm:constr type="alignOff"/>
+                    <dgm:constr type="bendDist" for="des" ptType="parTrans" refType="sp" fact="0.5"/>
+                  </dgm:constrLst>
+                </dgm:if>
+                <dgm:else name="Name21">
+                  <dgm:alg type="hierRoot">
+                    <dgm:param type="hierAlign" val="rCtrCh"/>
+                  </dgm:alg>
+                  <dgm:constrLst>
+                    <dgm:constr type="alignOff"/>
+                    <dgm:constr type="bendDist" for="des" ptType="parTrans" refType="sp" fact="0.5"/>
+                  </dgm:constrLst>
+                </dgm:else>
+              </dgm:choose>
+            </dgm:else>
+          </dgm:choose>
+          <dgm:shape xmlns:r="http://schemas.openxmlformats.org/officeDocument/2006/relationships" r:blip="">
+            <dgm:adjLst/>
+          </dgm:shape>
+          <dgm:presOf/>
+          <dgm:ruleLst/>
+          <dgm:layoutNode name="rootComposite1">
+            <dgm:alg type="composite"/>
+            <dgm:shape xmlns:r="http://schemas.openxmlformats.org/officeDocument/2006/relationships" r:blip="">
+              <dgm:adjLst/>
+            </dgm:shape>
+            <dgm:presOf axis="self" ptType="node" cnt="1"/>
+            <dgm:choose name="Name22">
+              <dgm:if name="Name23" func="var" arg="hierBranch" op="equ" val="init">
+                <dgm:constrLst>
+                  <dgm:constr type="l" for="ch" forName="rootText1"/>
+                  <dgm:constr type="t" for="ch" forName="rootText1"/>
+                  <dgm:constr type="w" for="ch" forName="rootText1" refType="w"/>
+                  <dgm:constr type="h" for="ch" forName="rootText1" refType="h"/>
+                  <dgm:constr type="l" for="ch" forName="rootConnector1"/>
+                  <dgm:constr type="t" for="ch" forName="rootConnector1"/>
+                  <dgm:constr type="w" for="ch" forName="rootConnector1" refType="w" refFor="ch" refForName="rootText1" fact="0.2"/>
+                  <dgm:constr type="h" for="ch" forName="rootConnector1" refType="h" refFor="ch" refForName="rootText1"/>
+                </dgm:constrLst>
+              </dgm:if>
+              <dgm:if name="Name24" func="var" arg="hierBranch" op="equ" val="l">
+                <dgm:constrLst>
+                  <dgm:constr type="l" for="ch" forName="rootText1"/>
+                  <dgm:constr type="t" for="ch" forName="rootText1"/>
+                  <dgm:constr type="w" for="ch" forName="rootText1" refType="w"/>
+                  <dgm:constr type="h" for="ch" forName="rootText1" refType="h"/>
+                  <dgm:constr type="r" for="ch" forName="rootConnector1" refType="w"/>
+                  <dgm:constr type="t" for="ch" forName="rootConnector1"/>
+                  <dgm:constr type="w" for="ch" forName="rootConnector1" refType="w" refFor="ch" refForName="rootText1" fact="0.2"/>
+                  <dgm:constr type="h" for="ch" forName="rootConnector1" refType="h" refFor="ch" refForName="rootText1"/>
+                </dgm:constrLst>
+              </dgm:if>
+              <dgm:if name="Name25" func="var" arg="hierBranch" op="equ" val="r">
+                <dgm:constrLst>
+                  <dgm:constr type="l" for="ch" forName="rootText1"/>
+                  <dgm:constr type="t" for="ch" forName="rootText1"/>
+                  <dgm:constr type="w" for="ch" forName="rootText1" refType="w"/>
+                  <dgm:constr type="h" for="ch" forName="rootText1" refType="h"/>
+                  <dgm:constr type="l" for="ch" forName="rootConnector1"/>
+                  <dgm:constr type="t" for="ch" forName="rootConnector1"/>
+                  <dgm:constr type="w" for="ch" forName="rootConnector1" refType="w" refFor="ch" refForName="rootText1" fact="0.2"/>
+                  <dgm:constr type="h" for="ch" forName="rootConnector1" refType="h" refFor="ch" refForName="rootText1"/>
+                </dgm:constrLst>
+              </dgm:if>
+              <dgm:else name="Name26">
+                <dgm:constrLst>
+                  <dgm:constr type="l" for="ch" forName="rootText1"/>
+                  <dgm:constr type="t" for="ch" forName="rootText1"/>
+                  <dgm:constr type="w" for="ch" forName="rootText1" refType="w"/>
+                  <dgm:constr type="h" for="ch" forName="rootText1" refType="h"/>
+                  <dgm:constr type="r" for="ch" forName="rootConnector1" refType="w"/>
+                  <dgm:constr type="t" for="ch" forName="rootConnector1"/>
+                  <dgm:constr type="w" for="ch" forName="rootConnector1" refType="w" refFor="ch" refForName="rootText1" fact="0.2"/>
+                  <dgm:constr type="h" for="ch" forName="rootConnector1" refType="h" refFor="ch" refForName="rootText1"/>
+                </dgm:constrLst>
+              </dgm:else>
+            </dgm:choose>
+            <dgm:ruleLst/>
+            <dgm:layoutNode name="rootText1" styleLbl="node0">
+              <dgm:varLst>
+                <dgm:chPref val="3"/>
+              </dgm:varLst>
+              <dgm:alg type="tx"/>
+              <dgm:shape xmlns:r="http://schemas.openxmlformats.org/officeDocument/2006/relationships" type="rect" r:blip="">
+                <dgm:adjLst/>
+              </dgm:shape>
+              <dgm:presOf axis="self" ptType="node" cnt="1"/>
+              <dgm:constrLst>
+                <dgm:constr type="primFontSz" val="65"/>
+                <dgm:constr type="lMarg" refType="primFontSz" fact="0.05"/>
+                <dgm:constr type="rMarg" refType="primFontSz" fact="0.05"/>
+                <dgm:constr type="tMarg" refType="primFontSz" fact="0.05"/>
+                <dgm:constr type="bMarg" refType="primFontSz" fact="0.05"/>
+              </dgm:constrLst>
+              <dgm:ruleLst>
+                <dgm:rule type="primFontSz" val="5" fact="NaN" max="NaN"/>
+              </dgm:ruleLst>
+            </dgm:layoutNode>
+            <dgm:layoutNode name="rootConnector1" moveWith="rootText1">
+              <dgm:alg type="sp"/>
+              <dgm:shape xmlns:r="http://schemas.openxmlformats.org/officeDocument/2006/relationships" type="rect" r:blip="" hideGeom="1">
+                <dgm:adjLst/>
+              </dgm:shape>
+              <dgm:presOf axis="self" ptType="node" cnt="1"/>
+              <dgm:constrLst/>
+              <dgm:ruleLst/>
+            </dgm:layoutNode>
+          </dgm:layoutNode>
+          <dgm:layoutNode name="hierChild2">
+            <dgm:choose name="Name27">
+              <dgm:if name="Name28" func="var" arg="hierBranch" op="equ" val="l">
+                <dgm:choose name="Name29">
+                  <dgm:if name="Name30" func="var" arg="dir" op="equ" val="norm">
+                    <dgm:alg type="hierChild">
+                      <dgm:param type="chAlign" val="t"/>
+                      <dgm:param type="linDir" val="fromL"/>
+                    </dgm:alg>
+                  </dgm:if>
+                  <dgm:else name="Name31">
+                    <dgm:alg type="hierChild">
+                      <dgm:param type="chAlign" val="t"/>
+                      <dgm:param type="linDir" val="fromR"/>
+                    </dgm:alg>
+                  </dgm:else>
+                </dgm:choose>
+              </dgm:if>
+              <dgm:if name="Name32" func="var" arg="hierBranch" op="equ" val="r">
+                <dgm:choose name="Name33">
+                  <dgm:if name="Name34" func="var" arg="dir" op="equ" val="norm">
+                    <dgm:alg type="hierChild">
+                      <dgm:param type="chAlign" val="b"/>
+                      <dgm:param type="linDir" val="fromL"/>
+                    </dgm:alg>
+                  </dgm:if>
+                  <dgm:else name="Name35">
+                    <dgm:alg type="hierChild">
+                      <dgm:param type="chAlign" val="b"/>
+                      <dgm:param type="linDir" val="fromR"/>
+                    </dgm:alg>
+                  </dgm:else>
+                </dgm:choose>
+              </dgm:if>
+              <dgm:if name="Name36" func="var" arg="hierBranch" op="equ" val="hang">
+                <dgm:choose name="Name37">
+                  <dgm:if name="Name38" func="var" arg="dir" op="equ" val="norm">
+                    <dgm:alg type="hierChild">
+                      <dgm:param type="chAlign" val="l"/>
+                      <dgm:param type="linDir" val="fromT"/>
+                      <dgm:param type="secChAlign" val="t"/>
+                      <dgm:param type="secLinDir" val="fromL"/>
+                    </dgm:alg>
+                  </dgm:if>
+                  <dgm:else name="Name39">
+                    <dgm:alg type="hierChild">
+                      <dgm:param type="chAlign" val="r"/>
+                      <dgm:param type="linDir" val="fromT"/>
+                      <dgm:param type="secChAlign" val="t"/>
+                      <dgm:param type="secLinDir" val="fromR"/>
+                    </dgm:alg>
+                  </dgm:else>
+                </dgm:choose>
+              </dgm:if>
+              <dgm:else name="Name40">
+                <dgm:choose name="Name41">
+                  <dgm:if name="Name42" func="var" arg="dir" op="equ" val="norm">
+                    <dgm:alg type="hierChild">
+                      <dgm:param type="linDir" val="fromT"/>
+                      <dgm:param type="chAlign" val="l"/>
+                    </dgm:alg>
+                  </dgm:if>
+                  <dgm:else name="Name43">
+                    <dgm:alg type="hierChild">
+                      <dgm:param type="linDir" val="fromT"/>
+                      <dgm:param type="chAlign" val="r"/>
+                    </dgm:alg>
+                  </dgm:else>
+                </dgm:choose>
+              </dgm:else>
+            </dgm:choose>
+            <dgm:shape xmlns:r="http://schemas.openxmlformats.org/officeDocument/2006/relationships" r:blip="">
+              <dgm:adjLst/>
+            </dgm:shape>
+            <dgm:presOf/>
+            <dgm:constrLst/>
+            <dgm:ruleLst/>
+            <dgm:forEach name="rep2a" axis="ch" ptType="nonAsst">
+              <dgm:forEach name="Name44" axis="precedSib" ptType="parTrans" st="-1" cnt="1">
+                <dgm:choose name="Name45">
+                  <dgm:if name="Name46" func="var" arg="hierBranch" op="equ" val="hang">
+                    <dgm:layoutNode name="Name47">
+                      <dgm:choose name="Name48">
+                        <dgm:if name="Name49" func="var" arg="dir" op="equ" val="norm">
+                          <dgm:alg type="conn">
+                            <dgm:param type="connRout" val="bend"/>
+                            <dgm:param type="dim" val="1D"/>
+                            <dgm:param type="endSty" val="noArr"/>
+                            <dgm:param type="begPts" val="midR"/>
+                            <dgm:param type="endPts" val="bCtr tCtr"/>
+                          </dgm:alg>
+                        </dgm:if>
+                        <dgm:else name="Name50">
+                          <dgm:alg type="conn">
+                            <dgm:param type="connRout" val="bend"/>
+                            <dgm:param type="dim" val="1D"/>
+                            <dgm:param type="endSty" val="noArr"/>
+                            <dgm:param type="begPts" val="midL"/>
+                            <dgm:param type="endPts" val="bCtr tCtr"/>
+                          </dgm:alg>
+                        </dgm:else>
+                      </dgm:choose>
+                      <dgm:shape xmlns:r="http://schemas.openxmlformats.org/officeDocument/2006/relationships" type="conn" r:blip="" zOrderOff="-99999">
+                        <dgm:adjLst/>
+                      </dgm:shape>
+                      <dgm:presOf axis="self"/>
+                      <dgm:constrLst>
+                        <dgm:constr type="begPad"/>
+                        <dgm:constr type="endPad"/>
+                      </dgm:constrLst>
+                      <dgm:ruleLst/>
+                    </dgm:layoutNode>
+                  </dgm:if>
+                  <dgm:if name="Name51" func="var" arg="hierBranch" op="equ" val="l">
+                    <dgm:layoutNode name="Name52">
+                      <dgm:choose name="Name53">
+                        <dgm:if name="Name54" func="var" arg="dir" op="equ" val="norm">
+                          <dgm:alg type="conn">
+                            <dgm:param type="connRout" val="bend"/>
+                            <dgm:param type="dim" val="1D"/>
+                            <dgm:param type="endSty" val="noArr"/>
+                            <dgm:param type="begPts" val="midR"/>
+                            <dgm:param type="endPts" val="tCtr"/>
+                          </dgm:alg>
+                        </dgm:if>
+                        <dgm:else name="Name55">
+                          <dgm:alg type="conn">
+                            <dgm:param type="connRout" val="bend"/>
+                            <dgm:param type="dim" val="1D"/>
+                            <dgm:param type="endSty" val="noArr"/>
+                            <dgm:param type="begPts" val="midL"/>
+                            <dgm:param type="endPts" val="tCtr"/>
+                          </dgm:alg>
+                        </dgm:else>
+                      </dgm:choose>
+                      <dgm:shape xmlns:r="http://schemas.openxmlformats.org/officeDocument/2006/relationships" type="conn" r:blip="" zOrderOff="-99999">
+                        <dgm:adjLst/>
+                      </dgm:shape>
+                      <dgm:presOf axis="self"/>
+                      <dgm:constrLst>
+                        <dgm:constr type="begPad"/>
+                        <dgm:constr type="endPad"/>
+                      </dgm:constrLst>
+                      <dgm:ruleLst/>
+                    </dgm:layoutNode>
+                  </dgm:if>
+                  <dgm:if name="Name56" func="var" arg="hierBranch" op="equ" val="r">
+                    <dgm:layoutNode name="Name57">
+                      <dgm:choose name="Name58">
+                        <dgm:if name="Name59" func="var" arg="dir" op="equ" val="norm">
+                          <dgm:alg type="conn">
+                            <dgm:param type="connRout" val="bend"/>
+                            <dgm:param type="dim" val="1D"/>
+                            <dgm:param type="endSty" val="noArr"/>
+                            <dgm:param type="begPts" val="midR"/>
+                            <dgm:param type="endPts" val="bCtr"/>
+                          </dgm:alg>
+                        </dgm:if>
+                        <dgm:else name="Name60">
+                          <dgm:alg type="conn">
+                            <dgm:param type="connRout" val="bend"/>
+                            <dgm:param type="dim" val="1D"/>
+                            <dgm:param type="endSty" val="noArr"/>
+                            <dgm:param type="begPts" val="midL"/>
+                            <dgm:param type="endPts" val="bCtr"/>
+                          </dgm:alg>
+                        </dgm:else>
+                      </dgm:choose>
+                      <dgm:shape xmlns:r="http://schemas.openxmlformats.org/officeDocument/2006/relationships" type="conn" r:blip="" zOrderOff="-99999">
+                        <dgm:adjLst/>
+                      </dgm:shape>
+                      <dgm:presOf axis="self"/>
+                      <dgm:constrLst>
+                        <dgm:constr type="begPad"/>
+                        <dgm:constr type="endPad"/>
+                      </dgm:constrLst>
+                      <dgm:ruleLst/>
+                    </dgm:layoutNode>
+                  </dgm:if>
+                  <dgm:else name="Name61">
+                    <dgm:choose name="Name62">
+                      <dgm:if name="Name63" func="var" arg="dir" op="equ" val="norm">
+                        <dgm:layoutNode name="Name64">
+                          <dgm:alg type="conn">
+                            <dgm:param type="connRout" val="bend"/>
+                            <dgm:param type="dim" val="1D"/>
+                            <dgm:param type="endSty" val="noArr"/>
+                            <dgm:param type="begPts" val="midR"/>
+                            <dgm:param type="endPts" val="midL"/>
+                            <dgm:param type="bendPt" val="end"/>
+                          </dgm:alg>
+                          <dgm:shape xmlns:r="http://schemas.openxmlformats.org/officeDocument/2006/relationships" type="conn" r:blip="" zOrderOff="-99999">
+                            <dgm:adjLst/>
+                          </dgm:shape>
+                          <dgm:presOf axis="self"/>
+                          <dgm:constrLst>
+                            <dgm:constr type="begPad"/>
+                            <dgm:constr type="endPad"/>
+                          </dgm:constrLst>
+                          <dgm:ruleLst/>
+                        </dgm:layoutNode>
+                      </dgm:if>
+                      <dgm:else name="Name65">
+                        <dgm:layoutNode name="Name66">
+                          <dgm:alg type="conn">
+                            <dgm:param type="connRout" val="bend"/>
+                            <dgm:param type="dim" val="1D"/>
+                            <dgm:param type="endSty" val="noArr"/>
+                            <dgm:param type="begPts" val="midL"/>
+                            <dgm:param type="endPts" val="midR"/>
+                            <dgm:param type="bendPt" val="end"/>
+                          </dgm:alg>
+                          <dgm:shape xmlns:r="http://schemas.openxmlformats.org/officeDocument/2006/relationships" type="conn" r:blip="" zOrderOff="-99999">
+                            <dgm:adjLst/>
+                          </dgm:shape>
+                          <dgm:presOf axis="self"/>
+                          <dgm:constrLst>
+                            <dgm:constr type="begPad"/>
+                            <dgm:constr type="endPad"/>
+                          </dgm:constrLst>
+                          <dgm:ruleLst/>
+                        </dgm:layoutNode>
+                      </dgm:else>
+                    </dgm:choose>
+                  </dgm:else>
+                </dgm:choose>
+              </dgm:forEach>
+              <dgm:layoutNode name="hierRoot2">
+                <dgm:varLst>
+                  <dgm:hierBranch val="init"/>
+                </dgm:varLst>
+                <dgm:choose name="Name67">
+                  <dgm:if name="Name68" func="var" arg="hierBranch" op="equ" val="l">
+                    <dgm:choose name="Name69">
+                      <dgm:if name="Name70" func="var" arg="dir" op="equ" val="norm">
+                        <dgm:alg type="hierRoot">
+                          <dgm:param type="hierAlign" val="lT"/>
+                        </dgm:alg>
+                        <dgm:constrLst>
+                          <dgm:constr type="alignOff" val="0.75"/>
+                        </dgm:constrLst>
+                      </dgm:if>
+                      <dgm:else name="Name71">
+                        <dgm:alg type="hierRoot">
+                          <dgm:param type="hierAlign" val="rT"/>
+                        </dgm:alg>
+                        <dgm:constrLst>
+                          <dgm:constr type="alignOff" val="0.75"/>
+                        </dgm:constrLst>
+                      </dgm:else>
+                    </dgm:choose>
+                  </dgm:if>
+                  <dgm:if name="Name72" func="var" arg="hierBranch" op="equ" val="r">
+                    <dgm:choose name="Name73">
+                      <dgm:if name="Name74" func="var" arg="dir" op="equ" val="norm">
+                        <dgm:alg type="hierRoot">
+                          <dgm:param type="hierAlign" val="lB"/>
+                        </dgm:alg>
+                        <dgm:constrLst>
+                          <dgm:constr type="alignOff" val="0.75"/>
+                        </dgm:constrLst>
+                      </dgm:if>
+                      <dgm:else name="Name75">
+                        <dgm:alg type="hierRoot">
+                          <dgm:param type="hierAlign" val="rB"/>
+                        </dgm:alg>
+                        <dgm:constrLst>
+                          <dgm:constr type="alignOff" val="0.75"/>
+                        </dgm:constrLst>
+                      </dgm:else>
+                    </dgm:choose>
+                  </dgm:if>
+                  <dgm:if name="Name76" func="var" arg="hierBranch" op="equ" val="hang">
+                    <dgm:choose name="Name77">
+                      <dgm:if name="Name78" func="var" arg="dir" op="equ" val="norm">
+                        <dgm:alg type="hierRoot">
+                          <dgm:param type="hierAlign" val="lCtrCh"/>
+                        </dgm:alg>
+                        <dgm:constrLst>
+                          <dgm:constr type="alignOff" val="0.65"/>
+                        </dgm:constrLst>
+                      </dgm:if>
+                      <dgm:else name="Name79">
+                        <dgm:alg type="hierRoot">
+                          <dgm:param type="hierAlign" val="rCtrCh"/>
+                        </dgm:alg>
+                        <dgm:constrLst>
+                          <dgm:constr type="alignOff" val="0.65"/>
+                        </dgm:constrLst>
+                      </dgm:else>
+                    </dgm:choose>
+                  </dgm:if>
+                  <dgm:else name="Name80">
+                    <dgm:choose name="Name81">
+                      <dgm:if name="Name82" func="var" arg="dir" op="equ" val="norm">
+                        <dgm:alg type="hierRoot">
+                          <dgm:param type="hierAlign" val="lCtrCh"/>
+                        </dgm:alg>
+                        <dgm:constrLst>
+                          <dgm:constr type="alignOff"/>
+                          <dgm:constr type="bendDist" for="des" ptType="parTrans" refType="sp" fact="0.5"/>
+                        </dgm:constrLst>
+                      </dgm:if>
+                      <dgm:else name="Name83">
+                        <dgm:alg type="hierRoot">
+                          <dgm:param type="hierAlign" val="rCtrCh"/>
+                        </dgm:alg>
+                        <dgm:constrLst>
+                          <dgm:constr type="alignOff"/>
+                          <dgm:constr type="bendDist" for="des" ptType="parTrans" refType="sp" fact="0.5"/>
+                        </dgm:constrLst>
+                      </dgm:else>
+                    </dgm:choose>
+                  </dgm:else>
+                </dgm:choose>
+                <dgm:shape xmlns:r="http://schemas.openxmlformats.org/officeDocument/2006/relationships" r:blip="">
+                  <dgm:adjLst/>
+                </dgm:shape>
+                <dgm:presOf/>
+                <dgm:ruleLst/>
+                <dgm:layoutNode name="rootComposite">
+                  <dgm:alg type="composite"/>
+                  <dgm:shape xmlns:r="http://schemas.openxmlformats.org/officeDocument/2006/relationships" r:blip="">
+                    <dgm:adjLst/>
+                  </dgm:shape>
+                  <dgm:presOf axis="self" ptType="node" cnt="1"/>
+                  <dgm:choose name="Name84">
+                    <dgm:if name="Name85" func="var" arg="hierBranch" op="equ" val="init">
+                      <dgm:constrLst>
+                        <dgm:constr type="l" for="ch" forName="rootText"/>
+                        <dgm:constr type="t" for="ch" forName="rootText"/>
+                        <dgm:constr type="w" for="ch" forName="rootText" refType="w"/>
+                        <dgm:constr type="h" for="ch" forName="rootText" refType="h"/>
+                        <dgm:constr type="l" for="ch" forName="rootConnector"/>
+                        <dgm:constr type="t" for="ch" forName="rootConnector"/>
+                        <dgm:constr type="w" for="ch" forName="rootConnector" refType="w" refFor="ch" refForName="rootText" fact="0.2"/>
+                        <dgm:constr type="h" for="ch" forName="rootConnector" refType="h" refFor="ch" refForName="rootText"/>
+                      </dgm:constrLst>
+                    </dgm:if>
+                    <dgm:if name="Name86" func="var" arg="hierBranch" op="equ" val="l">
+                      <dgm:constrLst>
+                        <dgm:constr type="l" for="ch" forName="rootText"/>
+                        <dgm:constr type="t" for="ch" forName="rootText"/>
+                        <dgm:constr type="w" for="ch" forName="rootText" refType="w"/>
+                        <dgm:constr type="h" for="ch" forName="rootText" refType="h"/>
+                        <dgm:constr type="r" for="ch" forName="rootConnector" refType="w"/>
+                        <dgm:constr type="t" for="ch" forName="rootConnector"/>
+                        <dgm:constr type="w" for="ch" forName="rootConnector" refType="w" refFor="ch" refForName="rootText" fact="0.2"/>
+                        <dgm:constr type="h" for="ch" forName="rootConnector" refType="h" refFor="ch" refForName="rootText"/>
+                      </dgm:constrLst>
+                    </dgm:if>
+                    <dgm:if name="Name87" func="var" arg="hierBranch" op="equ" val="r">
+                      <dgm:constrLst>
+                        <dgm:constr type="l" for="ch" forName="rootText"/>
+                        <dgm:constr type="t" for="ch" forName="rootText"/>
+                        <dgm:constr type="w" for="ch" forName="rootText" refType="w"/>
+                        <dgm:constr type="h" for="ch" forName="rootText" refType="h"/>
+                        <dgm:constr type="l" for="ch" forName="rootConnector"/>
+                        <dgm:constr type="t" for="ch" forName="rootConnector"/>
+                        <dgm:constr type="w" for="ch" forName="rootConnector" refType="w" refFor="ch" refForName="rootText" fact="0.2"/>
+                        <dgm:constr type="h" for="ch" forName="rootConnector" refType="h" refFor="ch" refForName="rootText"/>
+                      </dgm:constrLst>
+                    </dgm:if>
+                    <dgm:else name="Name88">
+                      <dgm:constrLst>
+                        <dgm:constr type="l" for="ch" forName="rootText"/>
+                        <dgm:constr type="t" for="ch" forName="rootText"/>
+                        <dgm:constr type="w" for="ch" forName="rootText" refType="w"/>
+                        <dgm:constr type="h" for="ch" forName="rootText" refType="h"/>
+                        <dgm:constr type="r" for="ch" forName="rootConnector" refType="w"/>
+                        <dgm:constr type="t" for="ch" forName="rootConnector"/>
+                        <dgm:constr type="w" for="ch" forName="rootConnector" refType="w" refFor="ch" refForName="rootText" fact="0.2"/>
+                        <dgm:constr type="h" for="ch" forName="rootConnector" refType="h" refFor="ch" refForName="rootText"/>
+                      </dgm:constrLst>
+                    </dgm:else>
+                  </dgm:choose>
+                  <dgm:ruleLst/>
+                  <dgm:layoutNode name="rootText">
+                    <dgm:varLst>
+                      <dgm:chPref val="3"/>
+                    </dgm:varLst>
+                    <dgm:alg type="tx"/>
+                    <dgm:shape xmlns:r="http://schemas.openxmlformats.org/officeDocument/2006/relationships" type="rect" r:blip="">
+                      <dgm:adjLst/>
+                    </dgm:shape>
+                    <dgm:presOf axis="self" ptType="node" cnt="1"/>
+                    <dgm:constrLst>
+                      <dgm:constr type="primFontSz" val="65"/>
+                      <dgm:constr type="lMarg" refType="primFontSz" fact="0.05"/>
+                      <dgm:constr type="rMarg" refType="primFontSz" fact="0.05"/>
+                      <dgm:constr type="tMarg" refType="primFontSz" fact="0.05"/>
+                      <dgm:constr type="bMarg" refType="primFontSz" fact="0.05"/>
+                    </dgm:constrLst>
+                    <dgm:ruleLst>
+                      <dgm:rule type="primFontSz" val="5" fact="NaN" max="NaN"/>
+                    </dgm:ruleLst>
+                  </dgm:layoutNode>
+                  <dgm:layoutNode name="rootConnector" moveWith="rootText">
+                    <dgm:alg type="sp"/>
+                    <dgm:shape xmlns:r="http://schemas.openxmlformats.org/officeDocument/2006/relationships" type="rect" r:blip="" hideGeom="1">
+                      <dgm:adjLst/>
+                    </dgm:shape>
+                    <dgm:presOf axis="self" ptType="node" cnt="1"/>
+                    <dgm:constrLst/>
+                    <dgm:ruleLst/>
+                  </dgm:layoutNode>
+                </dgm:layoutNode>
+                <dgm:layoutNode name="hierChild4">
+                  <dgm:choose name="Name89">
+                    <dgm:if name="Name90" func="var" arg="hierBranch" op="equ" val="l">
+                      <dgm:choose name="Name91">
+                        <dgm:if name="Name92" func="var" arg="dir" op="equ" val="norm">
+                          <dgm:alg type="hierChild">
+                            <dgm:param type="chAlign" val="t"/>
+                            <dgm:param type="linDir" val="fromL"/>
+                          </dgm:alg>
+                        </dgm:if>
+                        <dgm:else name="Name93">
+                          <dgm:alg type="hierChild">
+                            <dgm:param type="chAlign" val="t"/>
+                            <dgm:param type="linDir" val="fromR"/>
+                          </dgm:alg>
+                        </dgm:else>
+                      </dgm:choose>
+                    </dgm:if>
+                    <dgm:if name="Name94" func="var" arg="hierBranch" op="equ" val="r">
+                      <dgm:choose name="Name95">
+                        <dgm:if name="Name96" func="var" arg="dir" op="equ" val="norm">
+                          <dgm:alg type="hierChild">
+                            <dgm:param type="chAlign" val="b"/>
+                            <dgm:param type="linDir" val="fromL"/>
+                          </dgm:alg>
+                        </dgm:if>
+                        <dgm:else name="Name97">
+                          <dgm:alg type="hierChild">
+                            <dgm:param type="chAlign" val="b"/>
+                            <dgm:param type="linDir" val="fromR"/>
+                          </dgm:alg>
+                        </dgm:else>
+                      </dgm:choose>
+                    </dgm:if>
+                    <dgm:if name="Name98" func="var" arg="hierBranch" op="equ" val="hang">
+                      <dgm:choose name="Name99">
+                        <dgm:if name="Name100" func="var" arg="dir" op="equ" val="norm">
+                          <dgm:alg type="hierChild">
+                            <dgm:param type="chAlign" val="l"/>
+                            <dgm:param type="linDir" val="fromT"/>
+                            <dgm:param type="secChAlign" val="t"/>
+                            <dgm:param type="secLinDir" val="fromL"/>
+                          </dgm:alg>
+                        </dgm:if>
+                        <dgm:else name="Name101">
+                          <dgm:alg type="hierChild">
+                            <dgm:param type="chAlign" val="r"/>
+                            <dgm:param type="linDir" val="fromT"/>
+                            <dgm:param type="secChAlign" val="t"/>
+                            <dgm:param type="secLinDir" val="fromR"/>
+                          </dgm:alg>
+                        </dgm:else>
+                      </dgm:choose>
+                    </dgm:if>
+                    <dgm:else name="Name102">
+                      <dgm:choose name="Name103">
+                        <dgm:if name="Name104" func="var" arg="dir" op="equ" val="norm">
+                          <dgm:alg type="hierChild">
+                            <dgm:param type="linDir" val="fromT"/>
+                            <dgm:param type="chAlign" val="l"/>
+                          </dgm:alg>
+                        </dgm:if>
+                        <dgm:else name="Name105">
+                          <dgm:alg type="hierChild">
+                            <dgm:param type="linDir" val="fromT"/>
+                            <dgm:param type="chAlign" val="r"/>
+                          </dgm:alg>
+                        </dgm:else>
+                      </dgm:choose>
+                    </dgm:else>
+                  </dgm:choose>
+                  <dgm:shape xmlns:r="http://schemas.openxmlformats.org/officeDocument/2006/relationships" r:blip="">
+                    <dgm:adjLst/>
+                  </dgm:shape>
+                  <dgm:presOf/>
+                  <dgm:constrLst/>
+                  <dgm:ruleLst/>
+                  <dgm:forEach name="Name106" ref="rep2a"/>
+                </dgm:layoutNode>
+                <dgm:layoutNode name="hierChild5">
+                  <dgm:choose name="Name107">
+                    <dgm:if name="Name108" func="var" arg="dir" op="equ" val="norm">
+                      <dgm:alg type="hierChild">
+                        <dgm:param type="chAlign" val="l"/>
+                        <dgm:param type="linDir" val="fromT"/>
+                        <dgm:param type="secChAlign" val="t"/>
+                        <dgm:param type="secLinDir" val="fromL"/>
+                      </dgm:alg>
+                    </dgm:if>
+                    <dgm:else name="Name109">
+                      <dgm:alg type="hierChild">
+                        <dgm:param type="chAlign" val="r"/>
+                        <dgm:param type="linDir" val="fromT"/>
+                        <dgm:param type="secChAlign" val="t"/>
+                        <dgm:param type="secLinDir" val="fromR"/>
+                      </dgm:alg>
+                    </dgm:else>
+                  </dgm:choose>
+                  <dgm:shape xmlns:r="http://schemas.openxmlformats.org/officeDocument/2006/relationships" r:blip="">
+                    <dgm:adjLst/>
+                  </dgm:shape>
+                  <dgm:presOf/>
+                  <dgm:constrLst/>
+                  <dgm:ruleLst/>
+                  <dgm:forEach name="Name110" ref="rep2b"/>
+                </dgm:layoutNode>
+              </dgm:layoutNode>
+            </dgm:forEach>
+          </dgm:layoutNode>
+          <dgm:layoutNode name="hierChild3">
+            <dgm:choose name="Name111">
+              <dgm:if name="Name112" func="var" arg="dir" op="equ" val="norm">
+                <dgm:alg type="hierChild">
+                  <dgm:param type="chAlign" val="l"/>
+                  <dgm:param type="linDir" val="fromT"/>
+                  <dgm:param type="secChAlign" val="t"/>
+                  <dgm:param type="secLinDir" val="fromL"/>
+                </dgm:alg>
+              </dgm:if>
+              <dgm:else name="Name113">
+                <dgm:alg type="hierChild">
+                  <dgm:param type="chAlign" val="r"/>
+                  <dgm:param type="linDir" val="fromT"/>
+                  <dgm:param type="secChAlign" val="t"/>
+                  <dgm:param type="secLinDir" val="fromR"/>
+                </dgm:alg>
+              </dgm:else>
+            </dgm:choose>
+            <dgm:shape xmlns:r="http://schemas.openxmlformats.org/officeDocument/2006/relationships" r:blip="">
+              <dgm:adjLst/>
+            </dgm:shape>
+            <dgm:presOf/>
+            <dgm:constrLst/>
+            <dgm:ruleLst/>
+            <dgm:forEach name="rep2b" axis="ch" ptType="asst">
+              <dgm:forEach name="Name114" axis="precedSib" ptType="parTrans" st="-1" cnt="1">
+                <dgm:layoutNode name="Name115">
+                  <dgm:choose name="Name116">
+                    <dgm:if name="Name117" func="var" arg="dir" op="equ" val="norm">
+                      <dgm:alg type="conn">
+                        <dgm:param type="connRout" val="bend"/>
+                        <dgm:param type="dim" val="1D"/>
+                        <dgm:param type="endSty" val="noArr"/>
+                        <dgm:param type="begPts" val="midR"/>
+                        <dgm:param type="endPts" val="bCtr tCtr"/>
+                      </dgm:alg>
+                    </dgm:if>
+                    <dgm:else name="Name118">
+                      <dgm:alg type="conn">
+                        <dgm:param type="connRout" val="bend"/>
+                        <dgm:param type="dim" val="1D"/>
+                        <dgm:param type="endSty" val="noArr"/>
+                        <dgm:param type="begPts" val="midL"/>
+                        <dgm:param type="endPts" val="bCtr tCtr"/>
+                      </dgm:alg>
+                    </dgm:else>
+                  </dgm:choose>
+                  <dgm:shape xmlns:r="http://schemas.openxmlformats.org/officeDocument/2006/relationships" type="conn" r:blip="" zOrderOff="-99999">
+                    <dgm:adjLst/>
+                  </dgm:shape>
+                  <dgm:presOf axis="self"/>
+                  <dgm:constrLst>
+                    <dgm:constr type="begPad"/>
+                    <dgm:constr type="endPad"/>
+                  </dgm:constrLst>
+                  <dgm:ruleLst/>
+                </dgm:layoutNode>
+              </dgm:forEach>
+              <dgm:layoutNode name="hierRoot3">
+                <dgm:varLst>
+                  <dgm:hierBranch val="init"/>
+                </dgm:varLst>
+                <dgm:choose name="Name119">
+                  <dgm:if name="Name120" func="var" arg="hierBranch" op="equ" val="l">
+                    <dgm:choose name="Name121">
+                      <dgm:if name="Name122" func="var" arg="dir" op="equ" val="norm">
+                        <dgm:alg type="hierRoot">
+                          <dgm:param type="hierAlign" val="lT"/>
+                        </dgm:alg>
+                        <dgm:constrLst>
+                          <dgm:constr type="alignOff" val="0.75"/>
+                        </dgm:constrLst>
+                      </dgm:if>
+                      <dgm:else name="Name123">
+                        <dgm:alg type="hierRoot">
+                          <dgm:param type="hierAlign" val="rT"/>
+                        </dgm:alg>
+                        <dgm:constrLst>
+                          <dgm:constr type="alignOff" val="0.75"/>
+                        </dgm:constrLst>
+                      </dgm:else>
+                    </dgm:choose>
+                  </dgm:if>
+                  <dgm:if name="Name124" func="var" arg="hierBranch" op="equ" val="r">
+                    <dgm:choose name="Name125">
+                      <dgm:if name="Name126" func="var" arg="dir" op="equ" val="norm">
+                        <dgm:alg type="hierRoot">
+                          <dgm:param type="hierAlign" val="lB"/>
+                        </dgm:alg>
+                        <dgm:constrLst>
+                          <dgm:constr type="alignOff" val="0.75"/>
+                        </dgm:constrLst>
+                      </dgm:if>
+                      <dgm:else name="Name127">
+                        <dgm:alg type="hierRoot">
+                          <dgm:param type="hierAlign" val="rB"/>
+                        </dgm:alg>
+                        <dgm:constrLst>
+                          <dgm:constr type="alignOff" val="0.75"/>
+                        </dgm:constrLst>
+                      </dgm:else>
+                    </dgm:choose>
+                  </dgm:if>
+                  <dgm:if name="Name128" func="var" arg="hierBranch" op="equ" val="hang">
+                    <dgm:choose name="Name129">
+                      <dgm:if name="Name130" func="var" arg="dir" op="equ" val="norm">
+                        <dgm:alg type="hierRoot">
+                          <dgm:param type="hierAlign" val="lCtrCh"/>
+                        </dgm:alg>
+                        <dgm:constrLst>
+                          <dgm:constr type="alignOff" val="0.65"/>
+                        </dgm:constrLst>
+                      </dgm:if>
+                      <dgm:else name="Name131">
+                        <dgm:alg type="hierRoot">
+                          <dgm:param type="hierAlign" val="rCtrCh"/>
+                        </dgm:alg>
+                        <dgm:constrLst>
+                          <dgm:constr type="alignOff" val="0.65"/>
+                        </dgm:constrLst>
+                      </dgm:else>
+                    </dgm:choose>
+                  </dgm:if>
+                  <dgm:else name="Name132">
+                    <dgm:choose name="Name133">
+                      <dgm:if name="Name134" func="var" arg="dir" op="equ" val="norm">
+                        <dgm:alg type="hierRoot">
+                          <dgm:param type="hierAlign" val="lCtrCh"/>
+                        </dgm:alg>
+                        <dgm:constrLst>
+                          <dgm:constr type="alignOff"/>
+                          <dgm:constr type="bendDist" for="des" ptType="parTrans" refType="sp" fact="0.5"/>
+                        </dgm:constrLst>
+                      </dgm:if>
+                      <dgm:else name="Name135">
+                        <dgm:alg type="hierRoot">
+                          <dgm:param type="hierAlign" val="rCtrCh"/>
+                        </dgm:alg>
+                        <dgm:constrLst>
+                          <dgm:constr type="alignOff"/>
+                          <dgm:constr type="bendDist" for="des" ptType="parTrans" refType="sp" fact="0.5"/>
+                        </dgm:constrLst>
+                      </dgm:else>
+                    </dgm:choose>
+                  </dgm:else>
+                </dgm:choose>
+                <dgm:shape xmlns:r="http://schemas.openxmlformats.org/officeDocument/2006/relationships" r:blip="">
+                  <dgm:adjLst/>
+                </dgm:shape>
+                <dgm:presOf/>
+                <dgm:ruleLst/>
+                <dgm:layoutNode name="rootComposite3">
+                  <dgm:alg type="composite"/>
+                  <dgm:shape xmlns:r="http://schemas.openxmlformats.org/officeDocument/2006/relationships" r:blip="">
+                    <dgm:adjLst/>
+                  </dgm:shape>
+                  <dgm:presOf axis="self" ptType="node" cnt="1"/>
+                  <dgm:choose name="Name136">
+                    <dgm:if name="Name137" func="var" arg="hierBranch" op="equ" val="init">
+                      <dgm:constrLst>
+                        <dgm:constr type="l" for="ch" forName="rootText3"/>
+                        <dgm:constr type="t" for="ch" forName="rootText3"/>
+                        <dgm:constr type="w" for="ch" forName="rootText3" refType="w"/>
+                        <dgm:constr type="h" for="ch" forName="rootText3" refType="h"/>
+                        <dgm:constr type="l" for="ch" forName="rootConnector3"/>
+                        <dgm:constr type="t" for="ch" forName="rootConnector3"/>
+                        <dgm:constr type="w" for="ch" forName="rootConnector3" refType="w" refFor="ch" refForName="rootText3" fact="0.2"/>
+                        <dgm:constr type="h" for="ch" forName="rootConnector3" refType="h" refFor="ch" refForName="rootText3"/>
+                      </dgm:constrLst>
+                    </dgm:if>
+                    <dgm:if name="Name138" func="var" arg="hierBranch" op="equ" val="l">
+                      <dgm:constrLst>
+                        <dgm:constr type="l" for="ch" forName="rootText3"/>
+                        <dgm:constr type="t" for="ch" forName="rootText3"/>
+                        <dgm:constr type="w" for="ch" forName="rootText3" refType="w"/>
+                        <dgm:constr type="h" for="ch" forName="rootText3" refType="h"/>
+                        <dgm:constr type="r" for="ch" forName="rootConnector3" refType="w"/>
+                        <dgm:constr type="t" for="ch" forName="rootConnector3"/>
+                        <dgm:constr type="w" for="ch" forName="rootConnector3" refType="w" refFor="ch" refForName="rootText3" fact="0.2"/>
+                        <dgm:constr type="h" for="ch" forName="rootConnector3" refType="h" refFor="ch" refForName="rootText3"/>
+                      </dgm:constrLst>
+                    </dgm:if>
+                    <dgm:if name="Name139" func="var" arg="hierBranch" op="equ" val="r">
+                      <dgm:constrLst>
+                        <dgm:constr type="l" for="ch" forName="rootText3"/>
+                        <dgm:constr type="t" for="ch" forName="rootText3"/>
+                        <dgm:constr type="w" for="ch" forName="rootText3" refType="w"/>
+                        <dgm:constr type="h" for="ch" forName="rootText3" refType="h"/>
+                        <dgm:constr type="l" for="ch" forName="rootConnector3"/>
+                        <dgm:constr type="t" for="ch" forName="rootConnector3"/>
+                        <dgm:constr type="w" for="ch" forName="rootConnector3" refType="w" refFor="ch" refForName="rootText3" fact="0.2"/>
+                        <dgm:constr type="h" for="ch" forName="rootConnector3" refType="h" refFor="ch" refForName="rootText3"/>
+                      </dgm:constrLst>
+                    </dgm:if>
+                    <dgm:else name="Name140">
+                      <dgm:constrLst>
+                        <dgm:constr type="l" for="ch" forName="rootText3"/>
+                        <dgm:constr type="t" for="ch" forName="rootText3"/>
+                        <dgm:constr type="w" for="ch" forName="rootText3" refType="w"/>
+                        <dgm:constr type="h" for="ch" forName="rootText3" refType="h"/>
+                        <dgm:constr type="r" for="ch" forName="rootConnector3" refType="w"/>
+                        <dgm:constr type="t" for="ch" forName="rootConnector3"/>
+                        <dgm:constr type="w" for="ch" forName="rootConnector3" refType="w" refFor="ch" refForName="rootText3" fact="0.2"/>
+                        <dgm:constr type="h" for="ch" forName="rootConnector3" refType="h" refFor="ch" refForName="rootText3"/>
+                      </dgm:constrLst>
+                    </dgm:else>
+                  </dgm:choose>
+                  <dgm:ruleLst/>
+                  <dgm:layoutNode name="rootText3">
+                    <dgm:varLst>
+                      <dgm:chPref val="3"/>
+                    </dgm:varLst>
+                    <dgm:alg type="tx"/>
+                    <dgm:shape xmlns:r="http://schemas.openxmlformats.org/officeDocument/2006/relationships" type="rect" r:blip="">
+                      <dgm:adjLst/>
+                    </dgm:shape>
+                    <dgm:presOf axis="self" ptType="node" cnt="1"/>
+                    <dgm:constrLst>
+                      <dgm:constr type="primFontSz" val="65"/>
+                      <dgm:constr type="lMarg" refType="primFontSz" fact="0.05"/>
+                      <dgm:constr type="rMarg" refType="primFontSz" fact="0.05"/>
+                      <dgm:constr type="tMarg" refType="primFontSz" fact="0.05"/>
+                      <dgm:constr type="bMarg" refType="primFontSz" fact="0.05"/>
+                    </dgm:constrLst>
+                    <dgm:ruleLst>
+                      <dgm:rule type="primFontSz" val="5" fact="NaN" max="NaN"/>
+                    </dgm:ruleLst>
+                  </dgm:layoutNode>
+                  <dgm:layoutNode name="rootConnector3" moveWith="rootText1">
+                    <dgm:alg type="sp"/>
+                    <dgm:shape xmlns:r="http://schemas.openxmlformats.org/officeDocument/2006/relationships" type="rect" r:blip="" hideGeom="1">
+                      <dgm:adjLst/>
+                    </dgm:shape>
+                    <dgm:presOf axis="self" ptType="node" cnt="1"/>
+                    <dgm:constrLst/>
+                    <dgm:ruleLst/>
+                  </dgm:layoutNode>
+                </dgm:layoutNode>
+                <dgm:layoutNode name="hierChild6">
+                  <dgm:choose name="Name141">
+                    <dgm:if name="Name142" func="var" arg="hierBranch" op="equ" val="l">
+                      <dgm:choose name="Name143">
+                        <dgm:if name="Name144" func="var" arg="dir" op="equ" val="norm">
+                          <dgm:alg type="hierChild">
+                            <dgm:param type="chAlign" val="t"/>
+                            <dgm:param type="linDir" val="fromL"/>
+                          </dgm:alg>
+                        </dgm:if>
+                        <dgm:else name="Name145">
+                          <dgm:alg type="hierChild">
+                            <dgm:param type="chAlign" val="t"/>
+                            <dgm:param type="linDir" val="fromR"/>
+                          </dgm:alg>
+                        </dgm:else>
+                      </dgm:choose>
+                    </dgm:if>
+                    <dgm:if name="Name146" func="var" arg="hierBranch" op="equ" val="r">
+                      <dgm:choose name="Name147">
+                        <dgm:if name="Name148" func="var" arg="dir" op="equ" val="norm">
+                          <dgm:alg type="hierChild">
+                            <dgm:param type="chAlign" val="b"/>
+                            <dgm:param type="linDir" val="fromL"/>
+                          </dgm:alg>
+                        </dgm:if>
+                        <dgm:else name="Name149">
+                          <dgm:alg type="hierChild">
+                            <dgm:param type="chAlign" val="b"/>
+                            <dgm:param type="linDir" val="fromR"/>
+                          </dgm:alg>
+                        </dgm:else>
+                      </dgm:choose>
+                    </dgm:if>
+                    <dgm:if name="Name150" func="var" arg="hierBranch" op="equ" val="hang">
+                      <dgm:choose name="Name151">
+                        <dgm:if name="Name152" func="var" arg="dir" op="equ" val="norm">
+                          <dgm:alg type="hierChild">
+                            <dgm:param type="chAlign" val="l"/>
+                            <dgm:param type="linDir" val="fromT"/>
+                            <dgm:param type="secChAlign" val="t"/>
+                            <dgm:param type="secLinDir" val="fromL"/>
+                          </dgm:alg>
+                        </dgm:if>
+                        <dgm:else name="Name153">
+                          <dgm:alg type="hierChild">
+                            <dgm:param type="chAlign" val="r"/>
+                            <dgm:param type="linDir" val="fromT"/>
+                            <dgm:param type="secChAlign" val="t"/>
+                            <dgm:param type="secLinDir" val="fromR"/>
+                          </dgm:alg>
+                        </dgm:else>
+                      </dgm:choose>
+                    </dgm:if>
+                    <dgm:else name="Name154">
+                      <dgm:choose name="Name155">
+                        <dgm:if name="Name156" func="var" arg="dir" op="equ" val="norm">
+                          <dgm:alg type="hierChild">
+                            <dgm:param type="linDir" val="fromT"/>
+                            <dgm:param type="chAlign" val="l"/>
+                          </dgm:alg>
+                        </dgm:if>
+                        <dgm:else name="Name157">
+                          <dgm:alg type="hierChild">
+                            <dgm:param type="linDir" val="fromT"/>
+                            <dgm:param type="chAlign" val="r"/>
+                          </dgm:alg>
+                        </dgm:else>
+                      </dgm:choose>
+                    </dgm:else>
+                  </dgm:choose>
+                  <dgm:shape xmlns:r="http://schemas.openxmlformats.org/officeDocument/2006/relationships" r:blip="">
+                    <dgm:adjLst/>
+                  </dgm:shape>
+                  <dgm:presOf/>
+                  <dgm:constrLst/>
+                  <dgm:ruleLst/>
+                  <dgm:forEach name="Name158" ref="rep2a"/>
+                </dgm:layoutNode>
+                <dgm:layoutNode name="hierChild7">
+                  <dgm:choose name="Name159">
+                    <dgm:if name="Name160" func="var" arg="dir" op="equ" val="norm">
+                      <dgm:alg type="hierChild">
+                        <dgm:param type="chAlign" val="l"/>
+                        <dgm:param type="linDir" val="fromT"/>
+                        <dgm:param type="secChAlign" val="t"/>
+                        <dgm:param type="secLinDir" val="fromL"/>
+                      </dgm:alg>
+                    </dgm:if>
+                    <dgm:else name="Name161">
+                      <dgm:alg type="hierChild">
+                        <dgm:param type="chAlign" val="r"/>
+                        <dgm:param type="linDir" val="fromT"/>
+                        <dgm:param type="secChAlign" val="t"/>
+                        <dgm:param type="secLinDir" val="fromR"/>
+                      </dgm:alg>
+                    </dgm:else>
+                  </dgm:choose>
+                  <dgm:shape xmlns:r="http://schemas.openxmlformats.org/officeDocument/2006/relationships" r:blip="">
+                    <dgm:adjLst/>
+                  </dgm:shape>
+                  <dgm:presOf/>
+                  <dgm:constrLst/>
+                  <dgm:ruleLst/>
+                  <dgm:forEach name="Name162" ref="rep2b"/>
+                </dgm:layoutNode>
+              </dgm:layoutNode>
+            </dgm:forEach>
+          </dgm:layoutNode>
+        </dgm:layoutNode>
+      </dgm:forEach>
+    </dgm:forEach>
+  </dgm:layoutNode>
+</dgm:layoutDef>
+</file>
+
+<file path=ppt/diagrams/quickStyle1.xml><?xml version="1.0" encoding="utf-8"?>
+<dgm:styleDef xmlns:dgm="http://schemas.openxmlformats.org/drawingml/2006/diagram" xmlns:a="http://schemas.openxmlformats.org/drawingml/2006/main" uniqueId="urn:microsoft.com/office/officeart/2005/8/quickstyle/simple1">
+  <dgm:title val=""/>
+  <dgm:desc val=""/>
+  <dgm:catLst>
+    <dgm:cat type="simple" pri="10100"/>
+  </dgm:catLst>
+  <dgm:scene3d>
+    <a:camera prst="orthographicFront"/>
+    <a:lightRig rig="threePt" dir="t"/>
+  </dgm:scene3d>
+  <dgm:styleLbl name="node0">
+    <dgm:scene3d>
+      <a:camera prst="orthographicFront"/>
+      <a:lightRig rig="threePt" dir="t"/>
+    </dgm:scene3d>
+    <dgm:sp3d/>
+    <dgm:txPr/>
+    <dgm:style>
+      <a:lnRef idx="2">
+        <a:scrgbClr r="0" g="0" b="0"/>
+      </a:lnRef>
+      <a:fillRef idx="1">
+        <a:scrgbClr r="0" g="0" b="0"/>
+      </a:fillRef>
+      <a:effectRef idx="0">
+        <a:scrgbClr r="0" g="0" b="0"/>
+      </a:effectRef>
+      <a:fontRef idx="minor">
+        <a:schemeClr val="lt1"/>
+      </a:fontRef>
+    </dgm:style>
+  </dgm:styleLbl>
+  <dgm:styleLbl name="lnNode1">
+    <dgm:scene3d>
+      <a:camera prst="orthographicFront"/>
+      <a:lightRig rig="threePt" dir="t"/>
+    </dgm:scene3d>
+    <dgm:sp3d/>
+    <dgm:txPr/>
+    <dgm:style>
+      <a:lnRef idx="2">
+        <a:scrgbClr r="0" g="0" b="0"/>
+      </a:lnRef>
+      <a:fillRef idx="1">
+        <a:scrgbClr r="0" g="0" b="0"/>
+      </a:fillRef>
+      <a:effectRef idx="0">
+        <a:scrgbClr r="0" g="0" b="0"/>
+      </a:effectRef>
+      <a:fontRef idx="minor">
+        <a:schemeClr val="lt1"/>
+      </a:fontRef>
+    </dgm:style>
+  </dgm:styleLbl>
+  <dgm:styleLbl name="vennNode1">
+    <dgm:scene3d>
+      <a:camera prst="orthographicFront"/>
+      <a:lightRig rig="threePt" dir="t"/>
+    </dgm:scene3d>
+    <dgm:sp3d/>
+    <dgm:txPr/>
+    <dgm:style>
+      <a:lnRef idx="2">
+        <a:scrgbClr r="0" g="0" b="0"/>
+      </a:lnRef>
+      <a:fillRef idx="1">
+        <a:scrgbClr r="0" g="0" b="0"/>
+      </a:fillRef>
+      <a:effectRef idx="0">
+        <a:scrgbClr r="0" g="0" b="0"/>
+      </a:effectRef>
+      <a:fontRef idx="minor">
+        <a:schemeClr val="tx1"/>
+      </a:fontRef>
+    </dgm:style>
+  </dgm:styleLbl>
+  <dgm:styleLbl name="alignNode1">
+    <dgm:scene3d>
+      <a:camera prst="orthographicFront"/>
+      <a:lightRig rig="threePt" dir="t"/>
+    </dgm:scene3d>
+    <dgm:sp3d/>
+    <dgm:txPr/>
+    <dgm:style>
+      <a:lnRef idx="2">
+        <a:scrgbClr r="0" g="0" b="0"/>
+      </a:lnRef>
+      <a:fillRef idx="1">
+        <a:scrgbClr r="0" g="0" b="0"/>
+      </a:fillRef>
+      <a:effectRef idx="0">
+        <a:scrgbClr r="0" g="0" b="0"/>
+      </a:effectRef>
+      <a:fontRef idx="minor">
+        <a:schemeClr val="lt1"/>
+      </a:fontRef>
+    </dgm:style>
+  </dgm:styleLbl>
+  <dgm:styleLbl name="node1">
+    <dgm:scene3d>
+      <a:camera prst="orthographicFront"/>
+      <a:lightRig rig="threePt" dir="t"/>
+    </dgm:scene3d>
+    <dgm:sp3d/>
+    <dgm:txPr/>
+    <dgm:style>
+      <a:lnRef idx="2">
+        <a:scrgbClr r="0" g="0" b="0"/>
+      </a:lnRef>
+      <a:fillRef idx="1">
+        <a:scrgbClr r="0" g="0" b="0"/>
+      </a:fillRef>
+      <a:effectRef idx="0">
+        <a:scrgbClr r="0" g="0" b="0"/>
+      </a:effectRef>
+      <a:fontRef idx="minor">
+        <a:schemeClr val="lt1"/>
+      </a:fontRef>
+    </dgm:style>
+  </dgm:styleLbl>
+  <dgm:styleLbl name="node2">
+    <dgm:scene3d>
+      <a:camera prst="orthographicFront"/>
+      <a:lightRig rig="threePt" dir="t"/>
+    </dgm:scene3d>
+    <dgm:sp3d/>
+    <dgm:txPr/>
+    <dgm:style>
+      <a:lnRef idx="2">
+        <a:scrgbClr r="0" g="0" b="0"/>
+      </a:lnRef>
+      <a:fillRef idx="1">
+        <a:scrgbClr r="0" g="0" b="0"/>
+      </a:fillRef>
+      <a:effectRef idx="0">
+        <a:scrgbClr r="0" g="0" b="0"/>
+      </a:effectRef>
+      <a:fontRef idx="minor">
+        <a:schemeClr val="lt1"/>
+      </a:fontRef>
+    </dgm:style>
+  </dgm:styleLbl>
+  <dgm:styleLbl name="node3">
+    <dgm:scene3d>
+      <a:camera prst="orthographicFront"/>
+      <a:lightRig rig="threePt" dir="t"/>
+    </dgm:scene3d>
+    <dgm:sp3d/>
+    <dgm:txPr/>
+    <dgm:style>
+      <a:lnRef idx="2">
+        <a:scrgbClr r="0" g="0" b="0"/>
+      </a:lnRef>
+      <a:fillRef idx="1">
+        <a:scrgbClr r="0" g="0" b="0"/>
+      </a:fillRef>
+      <a:effectRef idx="0">
+        <a:scrgbClr r="0" g="0" b="0"/>
+      </a:effectRef>
+      <a:fontRef idx="minor">
+        <a:schemeClr val="lt1"/>
+      </a:fontRef>
+    </dgm:style>
+  </dgm:styleLbl>
+  <dgm:styleLbl name="node4">
+    <dgm:scene3d>
+      <a:camera prst="orthographicFront"/>
+      <a:lightRig rig="threePt" dir="t"/>
+    </dgm:scene3d>
+    <dgm:sp3d/>
+    <dgm:txPr/>
+    <dgm:style>
+      <a:lnRef idx="2">
+        <a:scrgbClr r="0" g="0" b="0"/>
+      </a:lnRef>
+      <a:fillRef idx="1">
+        <a:scrgbClr r="0" g="0" b="0"/>
+      </a:fillRef>
+      <a:effectRef idx="0">
+        <a:scrgbClr r="0" g="0" b="0"/>
+      </a:effectRef>
+      <a:fontRef idx="minor">
+        <a:schemeClr val="lt1"/>
+      </a:fontRef>
+    </dgm:style>
+  </dgm:styleLbl>
+  <dgm:styleLbl name="fgImgPlace1">
+    <dgm:scene3d>
+      <a:camera prst="orthographicFront"/>
+      <a:lightRig rig="threePt" dir="t"/>
+    </dgm:scene3d>
+    <dgm:sp3d/>
+    <dgm:txPr/>
+    <dgm:style>
+      <a:lnRef idx="2">
+        <a:scrgbClr r="0" g="0" b="0"/>
+      </a:lnRef>
+      <a:fillRef idx="1">
+        <a:scrgbClr r="0" g="0" b="0"/>
+      </a:fillRef>
+      <a:effectRef idx="0">
+        <a:scrgbClr r="0" g="0" b="0"/>
+      </a:effectRef>
+      <a:fontRef idx="minor"/>
+    </dgm:style>
+  </dgm:styleLbl>
+  <dgm:styleLbl name="alignImgPlace1">
+    <dgm:scene3d>
+      <a:camera prst="orthographicFront"/>
+      <a:lightRig rig="threePt" dir="t"/>
+    </dgm:scene3d>
+    <dgm:sp3d/>
+    <dgm:txPr/>
+    <dgm:style>
+      <a:lnRef idx="2">
+        <a:scrgbClr r="0" g="0" b="0"/>
+      </a:lnRef>
+      <a:fillRef idx="1">
+        <a:scrgbClr r="0" g="0" b="0"/>
+      </a:fillRef>
+      <a:effectRef idx="0">
+        <a:scrgbClr r="0" g="0" b="0"/>
+      </a:effectRef>
+      <a:fontRef idx="minor"/>
+    </dgm:style>
+  </dgm:styleLbl>
+  <dgm:styleLbl name="bgImgPlace1">
+    <dgm:scene3d>
+      <a:camera prst="orthographicFront"/>
+      <a:lightRig rig="threePt" dir="t"/>
+    </dgm:scene3d>
+    <dgm:sp3d/>
+    <dgm:txPr/>
+    <dgm:style>
+      <a:lnRef idx="2">
+        <a:scrgbClr r="0" g="0" b="0"/>
+      </a:lnRef>
+      <a:fillRef idx="1">
+        <a:scrgbClr r="0" g="0" b="0"/>
+      </a:fillRef>
+      <a:effectRef idx="0">
+        <a:scrgbClr r="0" g="0" b="0"/>
+      </a:effectRef>
+      <a:fontRef idx="minor"/>
+    </dgm:style>
+  </dgm:styleLbl>
+  <dgm:styleLbl name="sibTrans2D1">
+    <dgm:scene3d>
+      <a:camera prst="orthographicFront"/>
+      <a:lightRig rig="threePt" dir="t"/>
+    </dgm:scene3d>
+    <dgm:sp3d/>
+    <dgm:txPr/>
+    <dgm:style>
+      <a:lnRef idx="0">
+        <a:scrgbClr r="0" g="0" b="0"/>
+      </a:lnRef>
+      <a:fillRef idx="1">
+        <a:scrgbClr r="0" g="0" b="0"/>
+      </a:fillRef>
+      <a:effectRef idx="0">
+        <a:scrgbClr r="0" g="0" b="0"/>
+      </a:effectRef>
+      <a:fontRef idx="minor">
+        <a:schemeClr val="lt1"/>
+      </a:fontRef>
+    </dgm:style>
+  </dgm:styleLbl>
+  <dgm:styleLbl name="fgSibTrans2D1">
+    <dgm:scene3d>
+      <a:camera prst="orthographicFront"/>
+      <a:lightRig rig="threePt" dir="t"/>
+    </dgm:scene3d>
+    <dgm:sp3d/>
+    <dgm:txPr/>
+    <dgm:style>
+      <a:lnRef idx="0">
+        <a:scrgbClr r="0" g="0" b="0"/>
+      </a:lnRef>
+      <a:fillRef idx="1">
+        <a:scrgbClr r="0" g="0" b="0"/>
+      </a:fillRef>
+      <a:effectRef idx="0">
+        <a:scrgbClr r="0" g="0" b="0"/>
+      </a:effectRef>
+      <a:fontRef idx="minor">
+        <a:schemeClr val="lt1"/>
+      </a:fontRef>
+    </dgm:style>
+  </dgm:styleLbl>
+  <dgm:styleLbl name="bgSibTrans2D1">
+    <dgm:scene3d>
+      <a:camera prst="orthographicFront"/>
+      <a:lightRig rig="threePt" dir="t"/>
+    </dgm:scene3d>
+    <dgm:sp3d/>
+    <dgm:txPr/>
+    <dgm:style>
+      <a:lnRef idx="0">
+        <a:scrgbClr r="0" g="0" b="0"/>
+      </a:lnRef>
+      <a:fillRef idx="1">
+        <a:scrgbClr r="0" g="0" b="0"/>
+      </a:fillRef>
+      <a:effectRef idx="0">
+        <a:scrgbClr r="0" g="0" b="0"/>
+      </a:effectRef>
+      <a:fontRef idx="minor">
+        <a:schemeClr val="lt1"/>
+      </a:fontRef>
+    </dgm:style>
+  </dgm:styleLbl>
+  <dgm:styleLbl name="sibTrans1D1">
+    <dgm:scene3d>
+      <a:camera prst="orthographicFront"/>
+      <a:lightRig rig="threePt" dir="t"/>
+    </dgm:scene3d>
+    <dgm:sp3d/>
+    <dgm:txPr/>
+    <dgm:style>
+      <a:lnRef idx="1">
+        <a:scrgbClr r="0" g="0" b="0"/>
+      </a:lnRef>
+      <a:fillRef idx="0">
+        <a:scrgbClr r="0" g="0" b="0"/>
+      </a:fillRef>
+      <a:effectRef idx="0">
+        <a:scrgbClr r="0" g="0" b="0"/>
+      </a:effectRef>
+      <a:fontRef idx="minor"/>
+    </dgm:style>
+  </dgm:styleLbl>
+  <dgm:styleLbl name="callout">
+    <dgm:scene3d>
+      <a:camera prst="orthographicFront"/>
+      <a:lightRig rig="threePt" dir="t"/>
+    </dgm:scene3d>
+    <dgm:sp3d/>
+    <dgm:txPr/>
+    <dgm:style>
+      <a:lnRef idx="2">
+        <a:scrgbClr r="0" g="0" b="0"/>
+      </a:lnRef>
+      <a:fillRef idx="1">
+        <a:scrgbClr r="0" g="0" b="0"/>
+      </a:fillRef>
+      <a:effectRef idx="0">
+        <a:scrgbClr r="0" g="0" b="0"/>
+      </a:effectRef>
+      <a:fontRef idx="minor"/>
+    </dgm:style>
+  </dgm:styleLbl>
+  <dgm:styleLbl name="asst0">
+    <dgm:scene3d>
+      <a:camera prst="orthographicFront"/>
+      <a:lightRig rig="threePt" dir="t"/>
+    </dgm:scene3d>
+    <dgm:sp3d/>
+    <dgm:txPr/>
+    <dgm:style>
+      <a:lnRef idx="2">
+        <a:scrgbClr r="0" g="0" b="0"/>
+      </a:lnRef>
+      <a:fillRef idx="1">
+        <a:scrgbClr r="0" g="0" b="0"/>
+      </a:fillRef>
+      <a:effectRef idx="0">
+        <a:scrgbClr r="0" g="0" b="0"/>
+      </a:effectRef>
+      <a:fontRef idx="minor">
+        <a:schemeClr val="lt1"/>
+      </a:fontRef>
+    </dgm:style>
+  </dgm:styleLbl>
+  <dgm:styleLbl name="asst1">
+    <dgm:scene3d>
+      <a:camera prst="orthographicFront"/>
+      <a:lightRig rig="threePt" dir="t"/>
+    </dgm:scene3d>
+    <dgm:sp3d/>
+    <dgm:txPr/>
+    <dgm:style>
+      <a:lnRef idx="2">
+        <a:scrgbClr r="0" g="0" b="0"/>
+      </a:lnRef>
+      <a:fillRef idx="1">
+        <a:scrgbClr r="0" g="0" b="0"/>
+      </a:fillRef>
+      <a:effectRef idx="0">
+        <a:scrgbClr r="0" g="0" b="0"/>
+      </a:effectRef>
+      <a:fontRef idx="minor">
+        <a:schemeClr val="lt1"/>
+      </a:fontRef>
+    </dgm:style>
+  </dgm:styleLbl>
+  <dgm:styleLbl name="asst2">
+    <dgm:scene3d>
+      <a:camera prst="orthographicFront"/>
+      <a:lightRig rig="threePt" dir="t"/>
+    </dgm:scene3d>
+    <dgm:sp3d/>
+    <dgm:txPr/>
+    <dgm:style>
+      <a:lnRef idx="2">
+        <a:scrgbClr r="0" g="0" b="0"/>
+      </a:lnRef>
+      <a:fillRef idx="1">
+        <a:scrgbClr r="0" g="0" b="0"/>
+      </a:fillRef>
+      <a:effectRef idx="0">
+        <a:scrgbClr r="0" g="0" b="0"/>
+      </a:effectRef>
+      <a:fontRef idx="minor">
+        <a:schemeClr val="lt1"/>
+      </a:fontRef>
+    </dgm:style>
+  </dgm:styleLbl>
+  <dgm:styleLbl name="asst3">
+    <dgm:scene3d>
+      <a:camera prst="orthographicFront"/>
+      <a:lightRig rig="threePt" dir="t"/>
+    </dgm:scene3d>
+    <dgm:sp3d/>
+    <dgm:txPr/>
+    <dgm:style>
+      <a:lnRef idx="2">
+        <a:scrgbClr r="0" g="0" b="0"/>
+      </a:lnRef>
+      <a:fillRef idx="1">
+        <a:scrgbClr r="0" g="0" b="0"/>
+      </a:fillRef>
+      <a:effectRef idx="0">
+        <a:scrgbClr r="0" g="0" b="0"/>
+      </a:effectRef>
+      <a:fontRef idx="minor">
+        <a:schemeClr val="lt1"/>
+      </a:fontRef>
+    </dgm:style>
+  </dgm:styleLbl>
+  <dgm:styleLbl name="asst4">
+    <dgm:scene3d>
+      <a:camera prst="orthographicFront"/>
+      <a:lightRig rig="threePt" dir="t"/>
+    </dgm:scene3d>
+    <dgm:sp3d/>
+    <dgm:txPr/>
+    <dgm:style>
+      <a:lnRef idx="2">
+        <a:scrgbClr r="0" g="0" b="0"/>
+      </a:lnRef>
+      <a:fillRef idx="1">
+        <a:scrgbClr r="0" g="0" b="0"/>
+      </a:fillRef>
+      <a:effectRef idx="0">
+        <a:scrgbClr r="0" g="0" b="0"/>
+      </a:effectRef>
+      <a:fontRef idx="minor">
+        <a:schemeClr val="lt1"/>
+      </a:fontRef>
+    </dgm:style>
+  </dgm:styleLbl>
+  <dgm:styleLbl name="parChTrans2D1">
+    <dgm:scene3d>
+      <a:camera prst="orthographicFront"/>
+      <a:lightRig rig="threePt" dir="t"/>
+    </dgm:scene3d>
+    <dgm:sp3d/>
+    <dgm:txPr/>
+    <dgm:style>
+      <a:lnRef idx="2">
+        <a:scrgbClr r="0" g="0" b="0"/>
+      </a:lnRef>
+      <a:fillRef idx="1">
+        <a:scrgbClr r="0" g="0" b="0"/>
+      </a:fillRef>
+      <a:effectRef idx="0">
+        <a:scrgbClr r="0" g="0" b="0"/>
+      </a:effectRef>
+      <a:fontRef idx="minor">
+        <a:schemeClr val="lt1"/>
+      </a:fontRef>
+    </dgm:style>
+  </dgm:styleLbl>
+  <dgm:styleLbl name="parChTrans2D2">
+    <dgm:scene3d>
+      <a:camera prst="orthographicFront"/>
+      <a:lightRig rig="threePt" dir="t"/>
+    </dgm:scene3d>
+    <dgm:sp3d/>
+    <dgm:txPr/>
+    <dgm:style>
+      <a:lnRef idx="2">
+        <a:scrgbClr r="0" g="0" b="0"/>
+      </a:lnRef>
+      <a:fillRef idx="1">
+        <a:scrgbClr r="0" g="0" b="0"/>
+      </a:fillRef>
+      <a:effectRef idx="0">
+        <a:scrgbClr r="0" g="0" b="0"/>
+      </a:effectRef>
+      <a:fontRef idx="minor">
+        <a:schemeClr val="lt1"/>
+      </a:fontRef>
+    </dgm:style>
+  </dgm:styleLbl>
+  <dgm:styleLbl name="parChTrans2D3">
+    <dgm:scene3d>
+      <a:camera prst="orthographicFront"/>
+      <a:lightRig rig="threePt" dir="t"/>
+    </dgm:scene3d>
+    <dgm:sp3d/>
+    <dgm:txPr/>
+    <dgm:style>
+      <a:lnRef idx="2">
+        <a:scrgbClr r="0" g="0" b="0"/>
+      </a:lnRef>
+      <a:fillRef idx="1">
+        <a:scrgbClr r="0" g="0" b="0"/>
+      </a:fillRef>
+      <a:effectRef idx="0">
+        <a:scrgbClr r="0" g="0" b="0"/>
+      </a:effectRef>
+      <a:fontRef idx="minor">
+        <a:schemeClr val="lt1"/>
+      </a:fontRef>
+    </dgm:style>
+  </dgm:styleLbl>
+  <dgm:styleLbl name="parChTrans2D4">
+    <dgm:scene3d>
+      <a:camera prst="orthographicFront"/>
+      <a:lightRig rig="threePt" dir="t"/>
+    </dgm:scene3d>
+    <dgm:sp3d/>
+    <dgm:txPr/>
+    <dgm:style>
+      <a:lnRef idx="2">
+        <a:scrgbClr r="0" g="0" b="0"/>
+      </a:lnRef>
+      <a:fillRef idx="1">
+        <a:scrgbClr r="0" g="0" b="0"/>
+      </a:fillRef>
+      <a:effectRef idx="0">
+        <a:scrgbClr r="0" g="0" b="0"/>
+      </a:effectRef>
+      <a:fontRef idx="minor">
+        <a:schemeClr val="lt1"/>
+      </a:fontRef>
+    </dgm:style>
+  </dgm:styleLbl>
+  <dgm:styleLbl name="parChTrans1D1">
+    <dgm:scene3d>
+      <a:camera prst="orthographicFront"/>
+      <a:lightRig rig="threePt" dir="t"/>
+    </dgm:scene3d>
+    <dgm:sp3d/>
+    <dgm:txPr/>
+    <dgm:style>
+      <a:lnRef idx="2">
+        <a:scrgbClr r="0" g="0" b="0"/>
+      </a:lnRef>
+      <a:fillRef idx="0">
+        <a:scrgbClr r="0" g="0" b="0"/>
+      </a:fillRef>
+      <a:effectRef idx="0">
+        <a:scrgbClr r="0" g="0" b="0"/>
+      </a:effectRef>
+      <a:fontRef idx="minor"/>
+    </dgm:style>
+  </dgm:styleLbl>
+  <dgm:styleLbl name="parChTrans1D2">
+    <dgm:scene3d>
+      <a:camera prst="orthographicFront"/>
+      <a:lightRig rig="threePt" dir="t"/>
+    </dgm:scene3d>
+    <dgm:sp3d/>
+    <dgm:txPr/>
+    <dgm:style>
+      <a:lnRef idx="2">
+        <a:scrgbClr r="0" g="0" b="0"/>
+      </a:lnRef>
+      <a:fillRef idx="0">
+        <a:scrgbClr r="0" g="0" b="0"/>
+      </a:fillRef>
+      <a:effectRef idx="0">
+        <a:scrgbClr r="0" g="0" b="0"/>
+      </a:effectRef>
+      <a:fontRef idx="minor"/>
+    </dgm:style>
+  </dgm:styleLbl>
+  <dgm:styleLbl name="parChTrans1D3">
+    <dgm:scene3d>
+      <a:camera prst="orthographicFront"/>
+      <a:lightRig rig="threePt" dir="t"/>
+    </dgm:scene3d>
+    <dgm:sp3d/>
+    <dgm:txPr/>
+    <dgm:style>
+      <a:lnRef idx="2">
+        <a:scrgbClr r="0" g="0" b="0"/>
+      </a:lnRef>
+      <a:fillRef idx="0">
+        <a:scrgbClr r="0" g="0" b="0"/>
+      </a:fillRef>
+      <a:effectRef idx="0">
+        <a:scrgbClr r="0" g="0" b="0"/>
+      </a:effectRef>
+      <a:fontRef idx="minor"/>
+    </dgm:style>
+  </dgm:styleLbl>
+  <dgm:styleLbl name="parChTrans1D4">
+    <dgm:scene3d>
+      <a:camera prst="orthographicFront"/>
+      <a:lightRig rig="threePt" dir="t"/>
+    </dgm:scene3d>
+    <dgm:sp3d/>
+    <dgm:txPr/>
+    <dgm:style>
+      <a:lnRef idx="2">
+        <a:scrgbClr r="0" g="0" b="0"/>
+      </a:lnRef>
+      <a:fillRef idx="0">
+        <a:scrgbClr r="0" g="0" b="0"/>
+      </a:fillRef>
+      <a:effectRef idx="0">
+        <a:scrgbClr r="0" g="0" b="0"/>
+      </a:effectRef>
+      <a:fontRef idx="minor"/>
+    </dgm:style>
+  </dgm:styleLbl>
+  <dgm:styleLbl name="fgAcc1">
+    <dgm:scene3d>
+      <a:camera prst="orthographicFront"/>
+      <a:lightRig rig="threePt" dir="t"/>
+    </dgm:scene3d>
+    <dgm:sp3d/>
+    <dgm:txPr/>
+    <dgm:style>
+      <a:lnRef idx="2">
+        <a:scrgbClr r="0" g="0" b="0"/>
+      </a:lnRef>
+      <a:fillRef idx="1">
+        <a:scrgbClr r="0" g="0" b="0"/>
+      </a:fillRef>
+      <a:effectRef idx="0">
+        <a:scrgbClr r="0" g="0" b="0"/>
+      </a:effectRef>
+      <a:fontRef idx="minor"/>
+    </dgm:style>
+  </dgm:styleLbl>
+  <dgm:styleLbl name="conFgAcc1">
+    <dgm:scene3d>
+      <a:camera prst="orthographicFront"/>
+      <a:lightRig rig="threePt" dir="t"/>
+    </dgm:scene3d>
+    <dgm:sp3d/>
+    <dgm:txPr/>
+    <dgm:style>
+      <a:lnRef idx="2">
+        <a:scrgbClr r="0" g="0" b="0"/>
+      </a:lnRef>
+      <a:fillRef idx="1">
+        <a:scrgbClr r="0" g="0" b="0"/>
+      </a:fillRef>
+      <a:effectRef idx="0">
+        <a:scrgbClr r="0" g="0" b="0"/>
+      </a:effectRef>
+      <a:fontRef idx="minor"/>
+    </dgm:style>
+  </dgm:styleLbl>
+  <dgm:styleLbl name="alignAcc1">
+    <dgm:scene3d>
+      <a:camera prst="orthographicFront"/>
+      <a:lightRig rig="threePt" dir="t"/>
+    </dgm:scene3d>
+    <dgm:sp3d/>
+    <dgm:txPr/>
+    <dgm:style>
+      <a:lnRef idx="2">
+        <a:scrgbClr r="0" g="0" b="0"/>
+      </a:lnRef>
+      <a:fillRef idx="1">
+        <a:scrgbClr r="0" g="0" b="0"/>
+      </a:fillRef>
+      <a:effectRef idx="0">
+        <a:scrgbClr r="0" g="0" b="0"/>
+      </a:effectRef>
+      <a:fontRef idx="minor"/>
+    </dgm:style>
+  </dgm:styleLbl>
+  <dgm:styleLbl name="trAlignAcc1">
+    <dgm:scene3d>
+      <a:camera prst="orthographicFront"/>
+      <a:lightRig rig="threePt" dir="t"/>
+    </dgm:scene3d>
+    <dgm:sp3d/>
+    <dgm:txPr/>
+    <dgm:style>
+      <a:lnRef idx="1">
+        <a:scrgbClr r="0" g="0" b="0"/>
+      </a:lnRef>
+      <a:fillRef idx="1">
+        <a:scrgbClr r="0" g="0" b="0"/>
+      </a:fillRef>
+      <a:effectRef idx="0">
+        <a:scrgbClr r="0" g="0" b="0"/>
+      </a:effectRef>
+      <a:fontRef idx="minor"/>
+    </dgm:style>
+  </dgm:styleLbl>
+  <dgm:styleLbl name="bgAcc1">
+    <dgm:scene3d>
+      <a:camera prst="orthographicFront"/>
+      <a:lightRig rig="threePt" dir="t"/>
+    </dgm:scene3d>
+    <dgm:sp3d/>
+    <dgm:txPr/>
+    <dgm:style>
+      <a:lnRef idx="2">
+        <a:scrgbClr r="0" g="0" b="0"/>
+      </a:lnRef>
+      <a:fillRef idx="1">
+        <a:scrgbClr r="0" g="0" b="0"/>
+      </a:fillRef>
+      <a:effectRef idx="0">
+        <a:scrgbClr r="0" g="0" b="0"/>
+      </a:effectRef>
+      <a:fontRef idx="minor"/>
+    </dgm:style>
+  </dgm:styleLbl>
+  <dgm:styleLbl name="solidFgAcc1">
+    <dgm:scene3d>
+      <a:camera prst="orthographicFront"/>
+      <a:lightRig rig="threePt" dir="t"/>
+    </dgm:scene3d>
+    <dgm:sp3d/>
+    <dgm:txPr/>
+    <dgm:style>
+      <a:lnRef idx="2">
+        <a:scrgbClr r="0" g="0" b="0"/>
+      </a:lnRef>
+      <a:fillRef idx="1">
+        <a:scrgbClr r="0" g="0" b="0"/>
+      </a:fillRef>
+      <a:effectRef idx="0">
+        <a:scrgbClr r="0" g="0" b="0"/>
+      </a:effectRef>
+      <a:fontRef idx="minor"/>
+    </dgm:style>
+  </dgm:styleLbl>
+  <dgm:styleLbl name="solidAlignAcc1">
+    <dgm:scene3d>
+      <a:camera prst="orthographicFront"/>
+      <a:lightRig rig="threePt" dir="t"/>
+    </dgm:scene3d>
+    <dgm:sp3d/>
+    <dgm:txPr/>
+    <dgm:style>
+      <a:lnRef idx="2">
+        <a:scrgbClr r="0" g="0" b="0"/>
+      </a:lnRef>
+      <a:fillRef idx="1">
+        <a:scrgbClr r="0" g="0" b="0"/>
+      </a:fillRef>
+      <a:effectRef idx="0">
+        <a:scrgbClr r="0" g="0" b="0"/>
+      </a:effectRef>
+      <a:fontRef idx="minor"/>
+    </dgm:style>
+  </dgm:styleLbl>
+  <dgm:styleLbl name="solidBgAcc1">
+    <dgm:scene3d>
+      <a:camera prst="orthographicFront"/>
+      <a:lightRig rig="threePt" dir="t"/>
+    </dgm:scene3d>
+    <dgm:sp3d/>
+    <dgm:txPr/>
+    <dgm:style>
+      <a:lnRef idx="2">
+        <a:scrgbClr r="0" g="0" b="0"/>
+      </a:lnRef>
+      <a:fillRef idx="1">
+        <a:scrgbClr r="0" g="0" b="0"/>
+      </a:fillRef>
+      <a:effectRef idx="0">
+        <a:scrgbClr r="0" g="0" b="0"/>
+      </a:effectRef>
+      <a:fontRef idx="minor"/>
+    </dgm:style>
+  </dgm:styleLbl>
+  <dgm:styleLbl name="fgAccFollowNode1">
+    <dgm:scene3d>
+      <a:camera prst="orthographicFront"/>
+      <a:lightRig rig="threePt" dir="t"/>
+    </dgm:scene3d>
+    <dgm:sp3d/>
+    <dgm:txPr/>
+    <dgm:style>
+      <a:lnRef idx="2">
+        <a:scrgbClr r="0" g="0" b="0"/>
+      </a:lnRef>
+      <a:fillRef idx="1">
+        <a:scrgbClr r="0" g="0" b="0"/>
+      </a:fillRef>
+      <a:effectRef idx="0">
+        <a:scrgbClr r="0" g="0" b="0"/>
+      </a:effectRef>
+      <a:fontRef idx="minor"/>
+    </dgm:style>
+  </dgm:styleLbl>
+  <dgm:styleLbl name="alignAccFollowNode1">
+    <dgm:scene3d>
+      <a:camera prst="orthographicFront"/>
+      <a:lightRig rig="threePt" dir="t"/>
+    </dgm:scene3d>
+    <dgm:sp3d/>
+    <dgm:txPr/>
+    <dgm:style>
+      <a:lnRef idx="2">
+        <a:scrgbClr r="0" g="0" b="0"/>
+      </a:lnRef>
+      <a:fillRef idx="1">
+        <a:scrgbClr r="0" g="0" b="0"/>
+      </a:fillRef>
+      <a:effectRef idx="0">
+        <a:scrgbClr r="0" g="0" b="0"/>
+      </a:effectRef>
+      <a:fontRef idx="minor"/>
+    </dgm:style>
+  </dgm:styleLbl>
+  <dgm:styleLbl name="bgAccFollowNode1">
+    <dgm:scene3d>
+      <a:camera prst="orthographicFront"/>
+      <a:lightRig rig="threePt" dir="t"/>
+    </dgm:scene3d>
+    <dgm:sp3d/>
+    <dgm:txPr/>
+    <dgm:style>
+      <a:lnRef idx="2">
+        <a:scrgbClr r="0" g="0" b="0"/>
+      </a:lnRef>
+      <a:fillRef idx="1">
+        <a:scrgbClr r="0" g="0" b="0"/>
+      </a:fillRef>
+      <a:effectRef idx="0">
+        <a:scrgbClr r="0" g="0" b="0"/>
+      </a:effectRef>
+      <a:fontRef idx="minor"/>
+    </dgm:style>
+  </dgm:styleLbl>
+  <dgm:styleLbl name="fgAcc0">
+    <dgm:scene3d>
+      <a:camera prst="orthographicFront"/>
+      <a:lightRig rig="threePt" dir="t"/>
+    </dgm:scene3d>
+    <dgm:sp3d/>
+    <dgm:txPr/>
+    <dgm:style>
+      <a:lnRef idx="2">
+        <a:scrgbClr r="0" g="0" b="0"/>
+      </a:lnRef>
+      <a:fillRef idx="1">
+        <a:scrgbClr r="0" g="0" b="0"/>
+      </a:fillRef>
+      <a:effectRef idx="0">
+        <a:scrgbClr r="0" g="0" b="0"/>
+      </a:effectRef>
+      <a:fontRef idx="minor"/>
+    </dgm:style>
+  </dgm:styleLbl>
+  <dgm:styleLbl name="fgAcc2">
+    <dgm:scene3d>
+      <a:camera prst="orthographicFront"/>
+      <a:lightRig rig="threePt" dir="t"/>
+    </dgm:scene3d>
+    <dgm:sp3d/>
+    <dgm:txPr/>
+    <dgm:style>
+      <a:lnRef idx="2">
+        <a:scrgbClr r="0" g="0" b="0"/>
+      </a:lnRef>
+      <a:fillRef idx="1">
+        <a:scrgbClr r="0" g="0" b="0"/>
+      </a:fillRef>
+      <a:effectRef idx="0">
+        <a:scrgbClr r="0" g="0" b="0"/>
+      </a:effectRef>
+      <a:fontRef idx="minor"/>
+    </dgm:style>
+  </dgm:styleLbl>
+  <dgm:styleLbl name="fgAcc3">
+    <dgm:scene3d>
+      <a:camera prst="orthographicFront"/>
+      <a:lightRig rig="threePt" dir="t"/>
+    </dgm:scene3d>
+    <dgm:sp3d/>
+    <dgm:txPr/>
+    <dgm:style>
+      <a:lnRef idx="2">
+        <a:scrgbClr r="0" g="0" b="0"/>
+      </a:lnRef>
+      <a:fillRef idx="1">
+        <a:scrgbClr r="0" g="0" b="0"/>
+      </a:fillRef>
+      <a:effectRef idx="0">
+        <a:scrgbClr r="0" g="0" b="0"/>
+      </a:effectRef>
+      <a:fontRef idx="minor"/>
+    </dgm:style>
+  </dgm:styleLbl>
+  <dgm:styleLbl name="fgAcc4">
+    <dgm:scene3d>
+      <a:camera prst="orthographicFront"/>
+      <a:lightRig rig="threePt" dir="t"/>
+    </dgm:scene3d>
+    <dgm:sp3d/>
+    <dgm:txPr/>
+    <dgm:style>
+      <a:lnRef idx="2">
+        <a:scrgbClr r="0" g="0" b="0"/>
+      </a:lnRef>
+      <a:fillRef idx="1">
+        <a:scrgbClr r="0" g="0" b="0"/>
+      </a:fillRef>
+      <a:effectRef idx="0">
+        <a:scrgbClr r="0" g="0" b="0"/>
+      </a:effectRef>
+      <a:fontRef idx="minor"/>
+    </dgm:style>
+  </dgm:styleLbl>
+  <dgm:styleLbl name="bgShp">
+    <dgm:scene3d>
+      <a:camera prst="orthographicFront"/>
+      <a:lightRig rig="threePt" dir="t"/>
+    </dgm:scene3d>
+    <dgm:sp3d/>
+    <dgm:txPr/>
+    <dgm:style>
+      <a:lnRef idx="0">
+        <a:scrgbClr r="0" g="0" b="0"/>
+      </a:lnRef>
+      <a:fillRef idx="1">
+        <a:scrgbClr r="0" g="0" b="0"/>
+      </a:fillRef>
+      <a:effectRef idx="0">
+        <a:scrgbClr r="0" g="0" b="0"/>
+      </a:effectRef>
+      <a:fontRef idx="minor"/>
+    </dgm:style>
+  </dgm:styleLbl>
+  <dgm:styleLbl name="dkBgShp">
+    <dgm:scene3d>
+      <a:camera prst="orthographicFront"/>
+      <a:lightRig rig="threePt" dir="t"/>
+    </dgm:scene3d>
+    <dgm:sp3d/>
+    <dgm:txPr/>
+    <dgm:style>
+      <a:lnRef idx="0">
+        <a:scrgbClr r="0" g="0" b="0"/>
+      </a:lnRef>
+      <a:fillRef idx="1">
+        <a:scrgbClr r="0" g="0" b="0"/>
+      </a:fillRef>
+      <a:effectRef idx="0">
+        <a:scrgbClr r="0" g="0" b="0"/>
+      </a:effectRef>
+      <a:fontRef idx="minor"/>
+    </dgm:style>
+  </dgm:styleLbl>
+  <dgm:styleLbl name="trBgShp">
+    <dgm:scene3d>
+      <a:camera prst="orthographicFront"/>
+      <a:lightRig rig="threePt" dir="t"/>
+    </dgm:scene3d>
+    <dgm:sp3d/>
+    <dgm:txPr/>
+    <dgm:style>
+      <a:lnRef idx="0">
+        <a:scrgbClr r="0" g="0" b="0"/>
+      </a:lnRef>
+      <a:fillRef idx="1">
+        <a:scrgbClr r="0" g="0" b="0"/>
+      </a:fillRef>
+      <a:effectRef idx="0">
+        <a:scrgbClr r="0" g="0" b="0"/>
+      </a:effectRef>
+      <a:fontRef idx="minor"/>
+    </dgm:style>
+  </dgm:styleLbl>
+  <dgm:styleLbl name="fgShp">
+    <dgm:scene3d>
+      <a:camera prst="orthographicFront"/>
+      <a:lightRig rig="threePt" dir="t"/>
+    </dgm:scene3d>
+    <dgm:sp3d/>
+    <dgm:txPr/>
+    <dgm:style>
+      <a:lnRef idx="2">
+        <a:scrgbClr r="0" g="0" b="0"/>
+      </a:lnRef>
+      <a:fillRef idx="1">
+        <a:scrgbClr r="0" g="0" b="0"/>
+      </a:fillRef>
+      <a:effectRef idx="0">
+        <a:scrgbClr r="0" g="0" b="0"/>
+      </a:effectRef>
+      <a:fontRef idx="minor"/>
+    </dgm:style>
+  </dgm:styleLbl>
+  <dgm:styleLbl name="revTx">
+    <dgm:scene3d>
+      <a:camera prst="orthographicFront"/>
+      <a:lightRig rig="threePt" dir="t"/>
+    </dgm:scene3d>
+    <dgm:sp3d/>
+    <dgm:txPr/>
+    <dgm:style>
+      <a:lnRef idx="0">
+        <a:scrgbClr r="0" g="0" b="0"/>
+      </a:lnRef>
+      <a:fillRef idx="0">
+        <a:scrgbClr r="0" g="0" b="0"/>
+      </a:fillRef>
+      <a:effectRef idx="0">
+        <a:scrgbClr r="0" g="0" b="0"/>
+      </a:effectRef>
+      <a:fontRef idx="minor"/>
+    </dgm:style>
+  </dgm:styleLbl>
+</dgm:styleDef>
+</file>
+
 <file path=ppt/ink/ink1.xml><?xml version="1.0" encoding="utf-8"?>
 <inkml:ink xmlns:inkml="http://www.w3.org/2003/InkML">
   <inkml:definitions>
@@ -8202,7 +13021,7 @@
           <a:p>
             <a:fld id="{C2C08804-B879-4BBE-B302-A3818D5665C6}" type="datetimeFigureOut">
               <a:rPr lang="en-US" smtClean="0"/>
-              <a:t>3/6/2021</a:t>
+              <a:t>3/12/2021</a:t>
             </a:fld>
             <a:endParaRPr lang="en-US"/>
           </a:p>
@@ -8400,7 +13219,7 @@
           <a:p>
             <a:fld id="{C2C08804-B879-4BBE-B302-A3818D5665C6}" type="datetimeFigureOut">
               <a:rPr lang="en-US" smtClean="0"/>
-              <a:t>3/6/2021</a:t>
+              <a:t>3/12/2021</a:t>
             </a:fld>
             <a:endParaRPr lang="en-US"/>
           </a:p>
@@ -8608,7 +13427,7 @@
           <a:p>
             <a:fld id="{C2C08804-B879-4BBE-B302-A3818D5665C6}" type="datetimeFigureOut">
               <a:rPr lang="en-US" smtClean="0"/>
-              <a:t>3/6/2021</a:t>
+              <a:t>3/12/2021</a:t>
             </a:fld>
             <a:endParaRPr lang="en-US"/>
           </a:p>
@@ -8806,7 +13625,7 @@
           <a:p>
             <a:fld id="{C2C08804-B879-4BBE-B302-A3818D5665C6}" type="datetimeFigureOut">
               <a:rPr lang="en-US" smtClean="0"/>
-              <a:t>3/6/2021</a:t>
+              <a:t>3/12/2021</a:t>
             </a:fld>
             <a:endParaRPr lang="en-US"/>
           </a:p>
@@ -9081,7 +13900,7 @@
           <a:p>
             <a:fld id="{C2C08804-B879-4BBE-B302-A3818D5665C6}" type="datetimeFigureOut">
               <a:rPr lang="en-US" smtClean="0"/>
-              <a:t>3/6/2021</a:t>
+              <a:t>3/12/2021</a:t>
             </a:fld>
             <a:endParaRPr lang="en-US"/>
           </a:p>
@@ -9346,7 +14165,7 @@
           <a:p>
             <a:fld id="{C2C08804-B879-4BBE-B302-A3818D5665C6}" type="datetimeFigureOut">
               <a:rPr lang="en-US" smtClean="0"/>
-              <a:t>3/6/2021</a:t>
+              <a:t>3/12/2021</a:t>
             </a:fld>
             <a:endParaRPr lang="en-US"/>
           </a:p>
@@ -9758,7 +14577,7 @@
           <a:p>
             <a:fld id="{C2C08804-B879-4BBE-B302-A3818D5665C6}" type="datetimeFigureOut">
               <a:rPr lang="en-US" smtClean="0"/>
-              <a:t>3/6/2021</a:t>
+              <a:t>3/12/2021</a:t>
             </a:fld>
             <a:endParaRPr lang="en-US"/>
           </a:p>
@@ -9899,7 +14718,7 @@
           <a:p>
             <a:fld id="{C2C08804-B879-4BBE-B302-A3818D5665C6}" type="datetimeFigureOut">
               <a:rPr lang="en-US" smtClean="0"/>
-              <a:t>3/6/2021</a:t>
+              <a:t>3/12/2021</a:t>
             </a:fld>
             <a:endParaRPr lang="en-US"/>
           </a:p>
@@ -10012,7 +14831,7 @@
           <a:p>
             <a:fld id="{C2C08804-B879-4BBE-B302-A3818D5665C6}" type="datetimeFigureOut">
               <a:rPr lang="en-US" smtClean="0"/>
-              <a:t>3/6/2021</a:t>
+              <a:t>3/12/2021</a:t>
             </a:fld>
             <a:endParaRPr lang="en-US"/>
           </a:p>
@@ -10323,7 +15142,7 @@
           <a:p>
             <a:fld id="{C2C08804-B879-4BBE-B302-A3818D5665C6}" type="datetimeFigureOut">
               <a:rPr lang="en-US" smtClean="0"/>
-              <a:t>3/6/2021</a:t>
+              <a:t>3/12/2021</a:t>
             </a:fld>
             <a:endParaRPr lang="en-US"/>
           </a:p>
@@ -10611,7 +15430,7 @@
           <a:p>
             <a:fld id="{C2C08804-B879-4BBE-B302-A3818D5665C6}" type="datetimeFigureOut">
               <a:rPr lang="en-US" smtClean="0"/>
-              <a:t>3/6/2021</a:t>
+              <a:t>3/12/2021</a:t>
             </a:fld>
             <a:endParaRPr lang="en-US"/>
           </a:p>
@@ -10852,7 +15671,7 @@
           <a:p>
             <a:fld id="{C2C08804-B879-4BBE-B302-A3818D5665C6}" type="datetimeFigureOut">
               <a:rPr lang="en-US" smtClean="0"/>
-              <a:t>3/6/2021</a:t>
+              <a:t>3/12/2021</a:t>
             </a:fld>
             <a:endParaRPr lang="en-US"/>
           </a:p>
@@ -46762,6 +51581,64 @@
     <p:extLst>
       <p:ext uri="{BB962C8B-B14F-4D97-AF65-F5344CB8AC3E}">
         <p14:creationId xmlns:p14="http://schemas.microsoft.com/office/powerpoint/2010/main" val="1024273466"/>
+      </p:ext>
+    </p:extLst>
+  </p:cSld>
+  <p:clrMapOvr>
+    <a:masterClrMapping/>
+  </p:clrMapOvr>
+</p:sld>
+</file>
+
+<file path=ppt/slides/slide39.xml><?xml version="1.0" encoding="utf-8"?>
+<p:sld xmlns:a="http://schemas.openxmlformats.org/drawingml/2006/main" xmlns:r="http://schemas.openxmlformats.org/officeDocument/2006/relationships" xmlns:p="http://schemas.openxmlformats.org/presentationml/2006/main">
+  <p:cSld>
+    <p:spTree>
+      <p:nvGrpSpPr>
+        <p:cNvPr id="1" name=""/>
+        <p:cNvGrpSpPr/>
+        <p:nvPr/>
+      </p:nvGrpSpPr>
+      <p:grpSpPr>
+        <a:xfrm>
+          <a:off x="0" y="0"/>
+          <a:ext cx="0" cy="0"/>
+          <a:chOff x="0" y="0"/>
+          <a:chExt cx="0" cy="0"/>
+        </a:xfrm>
+      </p:grpSpPr>
+      <p:graphicFrame>
+        <p:nvGraphicFramePr>
+          <p:cNvPr id="6" name="Diagram 5">
+            <a:extLst>
+              <a:ext uri="{FF2B5EF4-FFF2-40B4-BE49-F238E27FC236}">
+                <a16:creationId xmlns:a16="http://schemas.microsoft.com/office/drawing/2014/main" id="{148985C1-47B0-49A1-B4D9-1282167BB692}"/>
+              </a:ext>
+            </a:extLst>
+          </p:cNvPr>
+          <p:cNvGraphicFramePr/>
+          <p:nvPr>
+            <p:extLst>
+              <p:ext uri="{D42A27DB-BD31-4B8C-83A1-F6EECF244321}">
+                <p14:modId xmlns:p14="http://schemas.microsoft.com/office/powerpoint/2010/main" val="1972745509"/>
+              </p:ext>
+            </p:extLst>
+          </p:nvPr>
+        </p:nvGraphicFramePr>
+        <p:xfrm>
+          <a:off x="1323975" y="883708"/>
+          <a:ext cx="9382125" cy="5259917"/>
+        </p:xfrm>
+        <a:graphic>
+          <a:graphicData uri="http://schemas.openxmlformats.org/drawingml/2006/diagram">
+            <dgm:relIds xmlns:dgm="http://schemas.openxmlformats.org/drawingml/2006/diagram" xmlns:r="http://schemas.openxmlformats.org/officeDocument/2006/relationships" r:dm="rId2" r:lo="rId3" r:qs="rId4" r:cs="rId5"/>
+          </a:graphicData>
+        </a:graphic>
+      </p:graphicFrame>
+    </p:spTree>
+    <p:extLst>
+      <p:ext uri="{BB962C8B-B14F-4D97-AF65-F5344CB8AC3E}">
+        <p14:creationId xmlns:p14="http://schemas.microsoft.com/office/powerpoint/2010/main" val="2391056550"/>
       </p:ext>
     </p:extLst>
   </p:cSld>
